--- a/Documents/Project Video/Project Video Presentation.pptx
+++ b/Documents/Project Video/Project Video Presentation.pptx
@@ -2,11 +2,19 @@
 <file path=ppt/presentation.xml><?xml version="1.0" encoding="utf-8"?>
 <p:presentation xmlns:a="http://schemas.openxmlformats.org/drawingml/2006/main" xmlns:r="http://schemas.openxmlformats.org/officeDocument/2006/relationships" xmlns:p="http://schemas.openxmlformats.org/presentationml/2006/main" saveSubsetFonts="1">
   <p:sldMasterIdLst>
-    <p:sldMasterId id="2147483648" r:id="rId1"/>
+    <p:sldMasterId id="2147483701" r:id="rId1"/>
   </p:sldMasterIdLst>
   <p:sldIdLst>
     <p:sldId id="256" r:id="rId2"/>
-    <p:sldId id="257" r:id="rId3"/>
+    <p:sldId id="272" r:id="rId3"/>
+    <p:sldId id="257" r:id="rId4"/>
+    <p:sldId id="270" r:id="rId5"/>
+    <p:sldId id="259" r:id="rId6"/>
+    <p:sldId id="260" r:id="rId7"/>
+    <p:sldId id="268" r:id="rId8"/>
+    <p:sldId id="261" r:id="rId9"/>
+    <p:sldId id="263" r:id="rId10"/>
+    <p:sldId id="271" r:id="rId11"/>
   </p:sldIdLst>
   <p:sldSz cx="12192000" cy="6858000"/>
   <p:notesSz cx="6858000" cy="9144000"/>
@@ -14,7 +22,7 @@
     <a:defPPr>
       <a:defRPr lang="en-US"/>
     </a:defPPr>
-    <a:lvl1pPr marL="0" algn="l" defTabSz="914400" rtl="0" eaLnBrk="1" latinLnBrk="0" hangingPunct="1">
+    <a:lvl1pPr marL="0" algn="l" defTabSz="457200" rtl="0" eaLnBrk="1" latinLnBrk="0" hangingPunct="1">
       <a:defRPr sz="1800" kern="1200">
         <a:solidFill>
           <a:schemeClr val="tx1"/>
@@ -24,7 +32,7 @@
         <a:cs typeface="+mn-cs"/>
       </a:defRPr>
     </a:lvl1pPr>
-    <a:lvl2pPr marL="457200" algn="l" defTabSz="914400" rtl="0" eaLnBrk="1" latinLnBrk="0" hangingPunct="1">
+    <a:lvl2pPr marL="457200" algn="l" defTabSz="457200" rtl="0" eaLnBrk="1" latinLnBrk="0" hangingPunct="1">
       <a:defRPr sz="1800" kern="1200">
         <a:solidFill>
           <a:schemeClr val="tx1"/>
@@ -34,7 +42,7 @@
         <a:cs typeface="+mn-cs"/>
       </a:defRPr>
     </a:lvl2pPr>
-    <a:lvl3pPr marL="914400" algn="l" defTabSz="914400" rtl="0" eaLnBrk="1" latinLnBrk="0" hangingPunct="1">
+    <a:lvl3pPr marL="914400" algn="l" defTabSz="457200" rtl="0" eaLnBrk="1" latinLnBrk="0" hangingPunct="1">
       <a:defRPr sz="1800" kern="1200">
         <a:solidFill>
           <a:schemeClr val="tx1"/>
@@ -44,7 +52,7 @@
         <a:cs typeface="+mn-cs"/>
       </a:defRPr>
     </a:lvl3pPr>
-    <a:lvl4pPr marL="1371600" algn="l" defTabSz="914400" rtl="0" eaLnBrk="1" latinLnBrk="0" hangingPunct="1">
+    <a:lvl4pPr marL="1371600" algn="l" defTabSz="457200" rtl="0" eaLnBrk="1" latinLnBrk="0" hangingPunct="1">
       <a:defRPr sz="1800" kern="1200">
         <a:solidFill>
           <a:schemeClr val="tx1"/>
@@ -54,7 +62,7 @@
         <a:cs typeface="+mn-cs"/>
       </a:defRPr>
     </a:lvl4pPr>
-    <a:lvl5pPr marL="1828800" algn="l" defTabSz="914400" rtl="0" eaLnBrk="1" latinLnBrk="0" hangingPunct="1">
+    <a:lvl5pPr marL="1828800" algn="l" defTabSz="457200" rtl="0" eaLnBrk="1" latinLnBrk="0" hangingPunct="1">
       <a:defRPr sz="1800" kern="1200">
         <a:solidFill>
           <a:schemeClr val="tx1"/>
@@ -64,7 +72,7 @@
         <a:cs typeface="+mn-cs"/>
       </a:defRPr>
     </a:lvl5pPr>
-    <a:lvl6pPr marL="2286000" algn="l" defTabSz="914400" rtl="0" eaLnBrk="1" latinLnBrk="0" hangingPunct="1">
+    <a:lvl6pPr marL="2286000" algn="l" defTabSz="457200" rtl="0" eaLnBrk="1" latinLnBrk="0" hangingPunct="1">
       <a:defRPr sz="1800" kern="1200">
         <a:solidFill>
           <a:schemeClr val="tx1"/>
@@ -74,7 +82,7 @@
         <a:cs typeface="+mn-cs"/>
       </a:defRPr>
     </a:lvl6pPr>
-    <a:lvl7pPr marL="2743200" algn="l" defTabSz="914400" rtl="0" eaLnBrk="1" latinLnBrk="0" hangingPunct="1">
+    <a:lvl7pPr marL="2743200" algn="l" defTabSz="457200" rtl="0" eaLnBrk="1" latinLnBrk="0" hangingPunct="1">
       <a:defRPr sz="1800" kern="1200">
         <a:solidFill>
           <a:schemeClr val="tx1"/>
@@ -84,7 +92,7 @@
         <a:cs typeface="+mn-cs"/>
       </a:defRPr>
     </a:lvl7pPr>
-    <a:lvl8pPr marL="3200400" algn="l" defTabSz="914400" rtl="0" eaLnBrk="1" latinLnBrk="0" hangingPunct="1">
+    <a:lvl8pPr marL="3200400" algn="l" defTabSz="457200" rtl="0" eaLnBrk="1" latinLnBrk="0" hangingPunct="1">
       <a:defRPr sz="1800" kern="1200">
         <a:solidFill>
           <a:schemeClr val="tx1"/>
@@ -94,7 +102,7 @@
         <a:cs typeface="+mn-cs"/>
       </a:defRPr>
     </a:lvl8pPr>
-    <a:lvl9pPr marL="3657600" algn="l" defTabSz="914400" rtl="0" eaLnBrk="1" latinLnBrk="0" hangingPunct="1">
+    <a:lvl9pPr marL="3657600" algn="l" defTabSz="457200" rtl="0" eaLnBrk="1" latinLnBrk="0" hangingPunct="1">
       <a:defRPr sz="1800" kern="1200">
         <a:solidFill>
           <a:schemeClr val="tx1"/>
@@ -105,11 +113,16 @@
       </a:defRPr>
     </a:lvl9pPr>
   </p:defaultTextStyle>
+  <p:extLst>
+    <p:ext uri="{EFAFB233-063F-42B5-8137-9DF3F51BA10A}">
+      <p15:sldGuideLst xmlns:p15="http://schemas.microsoft.com/office/powerpoint/2012/main"/>
+    </p:ext>
+  </p:extLst>
 </p:presentation>
 </file>
 
 <file path=ppt/slideLayouts/slideLayout1.xml><?xml version="1.0" encoding="utf-8"?>
-<p:sldLayout xmlns:a="http://schemas.openxmlformats.org/drawingml/2006/main" xmlns:r="http://schemas.openxmlformats.org/officeDocument/2006/relationships" xmlns:p="http://schemas.openxmlformats.org/presentationml/2006/main" type="title" preserve="1">
+<p:sldLayout xmlns:a="http://schemas.openxmlformats.org/drawingml/2006/main" xmlns:r="http://schemas.openxmlformats.org/officeDocument/2006/relationships" xmlns:p="http://schemas.openxmlformats.org/presentationml/2006/main" showMasterSp="0" type="title" preserve="1">
   <p:cSld name="Title Slide">
     <p:spTree>
       <p:nvGrpSpPr>
@@ -125,15 +138,539 @@
           <a:chExt cx="0" cy="0"/>
         </a:xfrm>
       </p:grpSpPr>
-      <p:sp>
-        <p:nvSpPr>
-          <p:cNvPr id="2" name="Title 1">
-            <a:extLst>
-              <a:ext uri="{FF2B5EF4-FFF2-40B4-BE49-F238E27FC236}">
-                <a16:creationId xmlns:a16="http://schemas.microsoft.com/office/drawing/2014/main" id="{2957114E-5DC6-D3F1-2307-ADC9D481C839}"/>
-              </a:ext>
-            </a:extLst>
-          </p:cNvPr>
+      <p:grpSp>
+        <p:nvGrpSpPr>
+          <p:cNvPr id="7" name="Group 6"/>
+          <p:cNvGrpSpPr/>
+          <p:nvPr/>
+        </p:nvGrpSpPr>
+        <p:grpSpPr>
+          <a:xfrm>
+            <a:off x="0" y="-8467"/>
+            <a:ext cx="12192000" cy="6866467"/>
+            <a:chOff x="0" y="-8467"/>
+            <a:chExt cx="12192000" cy="6866467"/>
+          </a:xfrm>
+        </p:grpSpPr>
+        <p:cxnSp>
+          <p:nvCxnSpPr>
+            <p:cNvPr id="32" name="Straight Connector 31"/>
+            <p:cNvCxnSpPr/>
+            <p:nvPr/>
+          </p:nvCxnSpPr>
+          <p:spPr>
+            <a:xfrm>
+              <a:off x="9371012" y="0"/>
+              <a:ext cx="1219200" cy="6858000"/>
+            </a:xfrm>
+            <a:prstGeom prst="line">
+              <a:avLst/>
+            </a:prstGeom>
+            <a:ln w="9525">
+              <a:solidFill>
+                <a:schemeClr val="bg1">
+                  <a:lumMod val="75000"/>
+                </a:schemeClr>
+              </a:solidFill>
+            </a:ln>
+          </p:spPr>
+          <p:style>
+            <a:lnRef idx="2">
+              <a:schemeClr val="accent1"/>
+            </a:lnRef>
+            <a:fillRef idx="0">
+              <a:schemeClr val="accent1"/>
+            </a:fillRef>
+            <a:effectRef idx="1">
+              <a:schemeClr val="accent1"/>
+            </a:effectRef>
+            <a:fontRef idx="minor">
+              <a:schemeClr val="tx1"/>
+            </a:fontRef>
+          </p:style>
+        </p:cxnSp>
+        <p:cxnSp>
+          <p:nvCxnSpPr>
+            <p:cNvPr id="21" name="Straight Connector 20"/>
+            <p:cNvCxnSpPr/>
+            <p:nvPr/>
+          </p:nvCxnSpPr>
+          <p:spPr>
+            <a:xfrm flipH="1">
+              <a:off x="7425267" y="3681413"/>
+              <a:ext cx="4763558" cy="3176587"/>
+            </a:xfrm>
+            <a:prstGeom prst="line">
+              <a:avLst/>
+            </a:prstGeom>
+            <a:ln w="9525">
+              <a:solidFill>
+                <a:schemeClr val="bg1">
+                  <a:lumMod val="85000"/>
+                </a:schemeClr>
+              </a:solidFill>
+            </a:ln>
+          </p:spPr>
+          <p:style>
+            <a:lnRef idx="2">
+              <a:schemeClr val="accent1"/>
+            </a:lnRef>
+            <a:fillRef idx="0">
+              <a:schemeClr val="accent1"/>
+            </a:fillRef>
+            <a:effectRef idx="1">
+              <a:schemeClr val="accent1"/>
+            </a:effectRef>
+            <a:fontRef idx="minor">
+              <a:schemeClr val="tx1"/>
+            </a:fontRef>
+          </p:style>
+        </p:cxnSp>
+        <p:sp>
+          <p:nvSpPr>
+            <p:cNvPr id="24" name="Rectangle 23"/>
+            <p:cNvSpPr/>
+            <p:nvPr/>
+          </p:nvSpPr>
+          <p:spPr>
+            <a:xfrm>
+              <a:off x="9181476" y="-8467"/>
+              <a:ext cx="3007349" cy="6866467"/>
+            </a:xfrm>
+            <a:custGeom>
+              <a:avLst/>
+              <a:gdLst/>
+              <a:ahLst/>
+              <a:cxnLst/>
+              <a:rect l="l" t="t" r="r" b="b"/>
+              <a:pathLst>
+                <a:path w="3007349" h="6866467">
+                  <a:moveTo>
+                    <a:pt x="2045532" y="0"/>
+                  </a:moveTo>
+                  <a:lnTo>
+                    <a:pt x="3007349" y="0"/>
+                  </a:lnTo>
+                  <a:lnTo>
+                    <a:pt x="3007349" y="6866467"/>
+                  </a:lnTo>
+                  <a:lnTo>
+                    <a:pt x="0" y="6866467"/>
+                  </a:lnTo>
+                  <a:lnTo>
+                    <a:pt x="2045532" y="0"/>
+                  </a:lnTo>
+                  <a:close/>
+                </a:path>
+              </a:pathLst>
+            </a:custGeom>
+            <a:solidFill>
+              <a:schemeClr val="accent1">
+                <a:alpha val="30000"/>
+              </a:schemeClr>
+            </a:solidFill>
+            <a:ln>
+              <a:noFill/>
+            </a:ln>
+            <a:effectLst/>
+          </p:spPr>
+          <p:style>
+            <a:lnRef idx="1">
+              <a:schemeClr val="accent1"/>
+            </a:lnRef>
+            <a:fillRef idx="3">
+              <a:schemeClr val="accent1"/>
+            </a:fillRef>
+            <a:effectRef idx="2">
+              <a:schemeClr val="accent1"/>
+            </a:effectRef>
+            <a:fontRef idx="minor">
+              <a:schemeClr val="lt1"/>
+            </a:fontRef>
+          </p:style>
+        </p:sp>
+        <p:sp>
+          <p:nvSpPr>
+            <p:cNvPr id="26" name="Rectangle 25"/>
+            <p:cNvSpPr/>
+            <p:nvPr/>
+          </p:nvSpPr>
+          <p:spPr>
+            <a:xfrm>
+              <a:off x="9603442" y="-8467"/>
+              <a:ext cx="2588558" cy="6866467"/>
+            </a:xfrm>
+            <a:custGeom>
+              <a:avLst/>
+              <a:gdLst/>
+              <a:ahLst/>
+              <a:cxnLst/>
+              <a:rect l="l" t="t" r="r" b="b"/>
+              <a:pathLst>
+                <a:path w="2573311" h="6866467">
+                  <a:moveTo>
+                    <a:pt x="0" y="0"/>
+                  </a:moveTo>
+                  <a:lnTo>
+                    <a:pt x="2573311" y="0"/>
+                  </a:lnTo>
+                  <a:lnTo>
+                    <a:pt x="2573311" y="6866467"/>
+                  </a:lnTo>
+                  <a:lnTo>
+                    <a:pt x="1202336" y="6866467"/>
+                  </a:lnTo>
+                  <a:lnTo>
+                    <a:pt x="0" y="0"/>
+                  </a:lnTo>
+                  <a:close/>
+                </a:path>
+              </a:pathLst>
+            </a:custGeom>
+            <a:solidFill>
+              <a:schemeClr val="accent1">
+                <a:alpha val="20000"/>
+              </a:schemeClr>
+            </a:solidFill>
+            <a:ln>
+              <a:noFill/>
+            </a:ln>
+            <a:effectLst/>
+          </p:spPr>
+          <p:style>
+            <a:lnRef idx="1">
+              <a:schemeClr val="accent1"/>
+            </a:lnRef>
+            <a:fillRef idx="3">
+              <a:schemeClr val="accent1"/>
+            </a:fillRef>
+            <a:effectRef idx="2">
+              <a:schemeClr val="accent1"/>
+            </a:effectRef>
+            <a:fontRef idx="minor">
+              <a:schemeClr val="lt1"/>
+            </a:fontRef>
+          </p:style>
+        </p:sp>
+        <p:sp>
+          <p:nvSpPr>
+            <p:cNvPr id="27" name="Isosceles Triangle 26"/>
+            <p:cNvSpPr/>
+            <p:nvPr/>
+          </p:nvSpPr>
+          <p:spPr>
+            <a:xfrm>
+              <a:off x="8932333" y="3048000"/>
+              <a:ext cx="3259667" cy="3810000"/>
+            </a:xfrm>
+            <a:prstGeom prst="triangle">
+              <a:avLst>
+                <a:gd name="adj" fmla="val 100000"/>
+              </a:avLst>
+            </a:prstGeom>
+            <a:solidFill>
+              <a:schemeClr val="accent2">
+                <a:alpha val="72000"/>
+              </a:schemeClr>
+            </a:solidFill>
+            <a:ln>
+              <a:noFill/>
+            </a:ln>
+            <a:effectLst/>
+          </p:spPr>
+          <p:style>
+            <a:lnRef idx="1">
+              <a:schemeClr val="accent1"/>
+            </a:lnRef>
+            <a:fillRef idx="3">
+              <a:schemeClr val="accent1"/>
+            </a:fillRef>
+            <a:effectRef idx="2">
+              <a:schemeClr val="accent1"/>
+            </a:effectRef>
+            <a:fontRef idx="minor">
+              <a:schemeClr val="lt1"/>
+            </a:fontRef>
+          </p:style>
+        </p:sp>
+        <p:sp>
+          <p:nvSpPr>
+            <p:cNvPr id="28" name="Rectangle 27"/>
+            <p:cNvSpPr/>
+            <p:nvPr/>
+          </p:nvSpPr>
+          <p:spPr>
+            <a:xfrm>
+              <a:off x="9334500" y="-8467"/>
+              <a:ext cx="2854326" cy="6866467"/>
+            </a:xfrm>
+            <a:custGeom>
+              <a:avLst/>
+              <a:gdLst/>
+              <a:ahLst/>
+              <a:cxnLst/>
+              <a:rect l="l" t="t" r="r" b="b"/>
+              <a:pathLst>
+                <a:path w="2858013" h="6866467">
+                  <a:moveTo>
+                    <a:pt x="0" y="0"/>
+                  </a:moveTo>
+                  <a:lnTo>
+                    <a:pt x="2858013" y="0"/>
+                  </a:lnTo>
+                  <a:lnTo>
+                    <a:pt x="2858013" y="6866467"/>
+                  </a:lnTo>
+                  <a:lnTo>
+                    <a:pt x="2473942" y="6866467"/>
+                  </a:lnTo>
+                  <a:lnTo>
+                    <a:pt x="0" y="0"/>
+                  </a:lnTo>
+                  <a:close/>
+                </a:path>
+              </a:pathLst>
+            </a:custGeom>
+            <a:solidFill>
+              <a:schemeClr val="accent2">
+                <a:lumMod val="75000"/>
+                <a:alpha val="70000"/>
+              </a:schemeClr>
+            </a:solidFill>
+            <a:ln>
+              <a:noFill/>
+            </a:ln>
+            <a:effectLst/>
+          </p:spPr>
+          <p:style>
+            <a:lnRef idx="1">
+              <a:schemeClr val="accent1"/>
+            </a:lnRef>
+            <a:fillRef idx="3">
+              <a:schemeClr val="accent1"/>
+            </a:fillRef>
+            <a:effectRef idx="2">
+              <a:schemeClr val="accent1"/>
+            </a:effectRef>
+            <a:fontRef idx="minor">
+              <a:schemeClr val="lt1"/>
+            </a:fontRef>
+          </p:style>
+        </p:sp>
+        <p:sp>
+          <p:nvSpPr>
+            <p:cNvPr id="29" name="Rectangle 28"/>
+            <p:cNvSpPr/>
+            <p:nvPr/>
+          </p:nvSpPr>
+          <p:spPr>
+            <a:xfrm>
+              <a:off x="10898730" y="-8467"/>
+              <a:ext cx="1290094" cy="6866467"/>
+            </a:xfrm>
+            <a:custGeom>
+              <a:avLst/>
+              <a:gdLst/>
+              <a:ahLst/>
+              <a:cxnLst/>
+              <a:rect l="l" t="t" r="r" b="b"/>
+              <a:pathLst>
+                <a:path w="1290094" h="6858000">
+                  <a:moveTo>
+                    <a:pt x="1019735" y="0"/>
+                  </a:moveTo>
+                  <a:lnTo>
+                    <a:pt x="1290094" y="0"/>
+                  </a:lnTo>
+                  <a:lnTo>
+                    <a:pt x="1290094" y="6858000"/>
+                  </a:lnTo>
+                  <a:lnTo>
+                    <a:pt x="0" y="6858000"/>
+                  </a:lnTo>
+                  <a:lnTo>
+                    <a:pt x="1019735" y="0"/>
+                  </a:lnTo>
+                  <a:close/>
+                </a:path>
+              </a:pathLst>
+            </a:custGeom>
+            <a:solidFill>
+              <a:schemeClr val="accent1">
+                <a:lumMod val="60000"/>
+                <a:lumOff val="40000"/>
+                <a:alpha val="70000"/>
+              </a:schemeClr>
+            </a:solidFill>
+            <a:ln>
+              <a:noFill/>
+            </a:ln>
+            <a:effectLst/>
+          </p:spPr>
+          <p:style>
+            <a:lnRef idx="1">
+              <a:schemeClr val="accent1"/>
+            </a:lnRef>
+            <a:fillRef idx="3">
+              <a:schemeClr val="accent1"/>
+            </a:fillRef>
+            <a:effectRef idx="2">
+              <a:schemeClr val="accent1"/>
+            </a:effectRef>
+            <a:fontRef idx="minor">
+              <a:schemeClr val="lt1"/>
+            </a:fontRef>
+          </p:style>
+        </p:sp>
+        <p:sp>
+          <p:nvSpPr>
+            <p:cNvPr id="30" name="Rectangle 29"/>
+            <p:cNvSpPr/>
+            <p:nvPr/>
+          </p:nvSpPr>
+          <p:spPr>
+            <a:xfrm>
+              <a:off x="10938999" y="-8467"/>
+              <a:ext cx="1249825" cy="6866467"/>
+            </a:xfrm>
+            <a:custGeom>
+              <a:avLst/>
+              <a:gdLst/>
+              <a:ahLst/>
+              <a:cxnLst/>
+              <a:rect l="l" t="t" r="r" b="b"/>
+              <a:pathLst>
+                <a:path w="1249825" h="6858000">
+                  <a:moveTo>
+                    <a:pt x="0" y="0"/>
+                  </a:moveTo>
+                  <a:lnTo>
+                    <a:pt x="1249825" y="0"/>
+                  </a:lnTo>
+                  <a:lnTo>
+                    <a:pt x="1249825" y="6858000"/>
+                  </a:lnTo>
+                  <a:lnTo>
+                    <a:pt x="1109382" y="6858000"/>
+                  </a:lnTo>
+                  <a:lnTo>
+                    <a:pt x="0" y="0"/>
+                  </a:lnTo>
+                  <a:close/>
+                </a:path>
+              </a:pathLst>
+            </a:custGeom>
+            <a:solidFill>
+              <a:schemeClr val="accent1">
+                <a:alpha val="65000"/>
+              </a:schemeClr>
+            </a:solidFill>
+            <a:ln>
+              <a:noFill/>
+            </a:ln>
+            <a:effectLst/>
+          </p:spPr>
+          <p:style>
+            <a:lnRef idx="1">
+              <a:schemeClr val="accent1"/>
+            </a:lnRef>
+            <a:fillRef idx="3">
+              <a:schemeClr val="accent1"/>
+            </a:fillRef>
+            <a:effectRef idx="2">
+              <a:schemeClr val="accent1"/>
+            </a:effectRef>
+            <a:fontRef idx="minor">
+              <a:schemeClr val="lt1"/>
+            </a:fontRef>
+          </p:style>
+        </p:sp>
+        <p:sp>
+          <p:nvSpPr>
+            <p:cNvPr id="31" name="Isosceles Triangle 30"/>
+            <p:cNvSpPr/>
+            <p:nvPr/>
+          </p:nvSpPr>
+          <p:spPr>
+            <a:xfrm>
+              <a:off x="10371666" y="3589867"/>
+              <a:ext cx="1817159" cy="3268133"/>
+            </a:xfrm>
+            <a:prstGeom prst="triangle">
+              <a:avLst>
+                <a:gd name="adj" fmla="val 100000"/>
+              </a:avLst>
+            </a:prstGeom>
+            <a:solidFill>
+              <a:schemeClr val="accent1">
+                <a:alpha val="80000"/>
+              </a:schemeClr>
+            </a:solidFill>
+            <a:ln>
+              <a:noFill/>
+            </a:ln>
+            <a:effectLst/>
+          </p:spPr>
+          <p:style>
+            <a:lnRef idx="1">
+              <a:schemeClr val="accent1"/>
+            </a:lnRef>
+            <a:fillRef idx="3">
+              <a:schemeClr val="accent1"/>
+            </a:fillRef>
+            <a:effectRef idx="2">
+              <a:schemeClr val="accent1"/>
+            </a:effectRef>
+            <a:fontRef idx="minor">
+              <a:schemeClr val="lt1"/>
+            </a:fontRef>
+          </p:style>
+        </p:sp>
+        <p:sp>
+          <p:nvSpPr>
+            <p:cNvPr id="19" name="Isosceles Triangle 18"/>
+            <p:cNvSpPr/>
+            <p:nvPr/>
+          </p:nvSpPr>
+          <p:spPr>
+            <a:xfrm rot="10800000">
+              <a:off x="0" y="0"/>
+              <a:ext cx="842596" cy="5666154"/>
+            </a:xfrm>
+            <a:prstGeom prst="triangle">
+              <a:avLst>
+                <a:gd name="adj" fmla="val 100000"/>
+              </a:avLst>
+            </a:prstGeom>
+            <a:solidFill>
+              <a:schemeClr val="accent1">
+                <a:alpha val="85000"/>
+              </a:schemeClr>
+            </a:solidFill>
+            <a:ln>
+              <a:noFill/>
+            </a:ln>
+            <a:effectLst/>
+          </p:spPr>
+          <p:style>
+            <a:lnRef idx="1">
+              <a:schemeClr val="accent1"/>
+            </a:lnRef>
+            <a:fillRef idx="3">
+              <a:schemeClr val="accent1"/>
+            </a:fillRef>
+            <a:effectRef idx="2">
+              <a:schemeClr val="accent1"/>
+            </a:effectRef>
+            <a:fontRef idx="minor">
+              <a:schemeClr val="lt1"/>
+            </a:fontRef>
+          </p:style>
+        </p:sp>
+      </p:grpSp>
+      <p:sp>
+        <p:nvSpPr>
+          <p:cNvPr id="2" name="Title 1"/>
           <p:cNvSpPr>
             <a:spLocks noGrp="1"/>
           </p:cNvSpPr>
@@ -143,15 +680,21 @@
         </p:nvSpPr>
         <p:spPr>
           <a:xfrm>
-            <a:off x="1524000" y="1122363"/>
-            <a:ext cx="9144000" cy="2387600"/>
+            <a:off x="1507067" y="2404534"/>
+            <a:ext cx="7766936" cy="1646302"/>
           </a:xfrm>
         </p:spPr>
         <p:txBody>
-          <a:bodyPr anchor="b"/>
+          <a:bodyPr anchor="b">
+            <a:noAutofit/>
+          </a:bodyPr>
           <a:lstStyle>
-            <a:lvl1pPr algn="ctr">
-              <a:defRPr sz="6000"/>
+            <a:lvl1pPr algn="r">
+              <a:defRPr sz="5400">
+                <a:solidFill>
+                  <a:schemeClr val="accent1"/>
+                </a:solidFill>
+              </a:defRPr>
             </a:lvl1pPr>
           </a:lstStyle>
           <a:p>
@@ -159,19 +702,13 @@
               <a:rPr lang="en-US"/>
               <a:t>Click to edit Master title style</a:t>
             </a:r>
-            <a:endParaRPr lang="en-GB"/>
-          </a:p>
-        </p:txBody>
-      </p:sp>
-      <p:sp>
-        <p:nvSpPr>
-          <p:cNvPr id="3" name="Subtitle 2">
-            <a:extLst>
-              <a:ext uri="{FF2B5EF4-FFF2-40B4-BE49-F238E27FC236}">
-                <a16:creationId xmlns:a16="http://schemas.microsoft.com/office/drawing/2014/main" id="{F4E14D3E-7A00-C130-AB06-733740B113CA}"/>
-              </a:ext>
-            </a:extLst>
-          </p:cNvPr>
+            <a:endParaRPr lang="en-US" dirty="0"/>
+          </a:p>
+        </p:txBody>
+      </p:sp>
+      <p:sp>
+        <p:nvSpPr>
+          <p:cNvPr id="3" name="Subtitle 2"/>
           <p:cNvSpPr>
             <a:spLocks noGrp="1"/>
           </p:cNvSpPr>
@@ -181,48 +718,103 @@
         </p:nvSpPr>
         <p:spPr>
           <a:xfrm>
-            <a:off x="1524000" y="3602038"/>
-            <a:ext cx="9144000" cy="1655762"/>
+            <a:off x="1507067" y="4050833"/>
+            <a:ext cx="7766936" cy="1096899"/>
           </a:xfrm>
         </p:spPr>
         <p:txBody>
-          <a:bodyPr/>
+          <a:bodyPr anchor="t"/>
           <a:lstStyle>
-            <a:lvl1pPr marL="0" indent="0" algn="ctr">
-              <a:buNone/>
-              <a:defRPr sz="2400"/>
+            <a:lvl1pPr marL="0" indent="0" algn="r">
+              <a:buNone/>
+              <a:defRPr>
+                <a:solidFill>
+                  <a:schemeClr val="tx1">
+                    <a:lumMod val="50000"/>
+                    <a:lumOff val="50000"/>
+                  </a:schemeClr>
+                </a:solidFill>
+              </a:defRPr>
             </a:lvl1pPr>
             <a:lvl2pPr marL="457200" indent="0" algn="ctr">
               <a:buNone/>
-              <a:defRPr sz="2000"/>
+              <a:defRPr>
+                <a:solidFill>
+                  <a:schemeClr val="tx1">
+                    <a:tint val="75000"/>
+                  </a:schemeClr>
+                </a:solidFill>
+              </a:defRPr>
             </a:lvl2pPr>
             <a:lvl3pPr marL="914400" indent="0" algn="ctr">
               <a:buNone/>
-              <a:defRPr sz="1800"/>
+              <a:defRPr>
+                <a:solidFill>
+                  <a:schemeClr val="tx1">
+                    <a:tint val="75000"/>
+                  </a:schemeClr>
+                </a:solidFill>
+              </a:defRPr>
             </a:lvl3pPr>
             <a:lvl4pPr marL="1371600" indent="0" algn="ctr">
               <a:buNone/>
-              <a:defRPr sz="1600"/>
+              <a:defRPr>
+                <a:solidFill>
+                  <a:schemeClr val="tx1">
+                    <a:tint val="75000"/>
+                  </a:schemeClr>
+                </a:solidFill>
+              </a:defRPr>
             </a:lvl4pPr>
             <a:lvl5pPr marL="1828800" indent="0" algn="ctr">
               <a:buNone/>
-              <a:defRPr sz="1600"/>
+              <a:defRPr>
+                <a:solidFill>
+                  <a:schemeClr val="tx1">
+                    <a:tint val="75000"/>
+                  </a:schemeClr>
+                </a:solidFill>
+              </a:defRPr>
             </a:lvl5pPr>
             <a:lvl6pPr marL="2286000" indent="0" algn="ctr">
               <a:buNone/>
-              <a:defRPr sz="1600"/>
+              <a:defRPr>
+                <a:solidFill>
+                  <a:schemeClr val="tx1">
+                    <a:tint val="75000"/>
+                  </a:schemeClr>
+                </a:solidFill>
+              </a:defRPr>
             </a:lvl6pPr>
             <a:lvl7pPr marL="2743200" indent="0" algn="ctr">
               <a:buNone/>
-              <a:defRPr sz="1600"/>
+              <a:defRPr>
+                <a:solidFill>
+                  <a:schemeClr val="tx1">
+                    <a:tint val="75000"/>
+                  </a:schemeClr>
+                </a:solidFill>
+              </a:defRPr>
             </a:lvl7pPr>
             <a:lvl8pPr marL="3200400" indent="0" algn="ctr">
               <a:buNone/>
-              <a:defRPr sz="1600"/>
+              <a:defRPr>
+                <a:solidFill>
+                  <a:schemeClr val="tx1">
+                    <a:tint val="75000"/>
+                  </a:schemeClr>
+                </a:solidFill>
+              </a:defRPr>
             </a:lvl8pPr>
             <a:lvl9pPr marL="3657600" indent="0" algn="ctr">
               <a:buNone/>
-              <a:defRPr sz="1600"/>
+              <a:defRPr>
+                <a:solidFill>
+                  <a:schemeClr val="tx1">
+                    <a:tint val="75000"/>
+                  </a:schemeClr>
+                </a:solidFill>
+              </a:defRPr>
             </a:lvl9pPr>
           </a:lstStyle>
           <a:p>
@@ -230,19 +822,13 @@
               <a:rPr lang="en-US"/>
               <a:t>Click to edit Master subtitle style</a:t>
             </a:r>
-            <a:endParaRPr lang="en-GB"/>
-          </a:p>
-        </p:txBody>
-      </p:sp>
-      <p:sp>
-        <p:nvSpPr>
-          <p:cNvPr id="4" name="Date Placeholder 3">
-            <a:extLst>
-              <a:ext uri="{FF2B5EF4-FFF2-40B4-BE49-F238E27FC236}">
-                <a16:creationId xmlns:a16="http://schemas.microsoft.com/office/drawing/2014/main" id="{CC9599AC-E15A-CB93-23EE-708A6E57A96A}"/>
-              </a:ext>
-            </a:extLst>
-          </p:cNvPr>
+            <a:endParaRPr lang="en-US" dirty="0"/>
+          </a:p>
+        </p:txBody>
+      </p:sp>
+      <p:sp>
+        <p:nvSpPr>
+          <p:cNvPr id="4" name="Date Placeholder 3"/>
           <p:cNvSpPr>
             <a:spLocks noGrp="1"/>
           </p:cNvSpPr>
@@ -257,7 +843,7 @@
           <a:p>
             <a:fld id="{D2420793-031C-4ADB-A567-DC1F189C180B}" type="datetimeFigureOut">
               <a:rPr lang="en-GB" smtClean="0"/>
-              <a:t>26/10/2022</a:t>
+              <a:t>30/10/2022</a:t>
             </a:fld>
             <a:endParaRPr lang="en-GB"/>
           </a:p>
@@ -265,13 +851,7 @@
       </p:sp>
       <p:sp>
         <p:nvSpPr>
-          <p:cNvPr id="5" name="Footer Placeholder 4">
-            <a:extLst>
-              <a:ext uri="{FF2B5EF4-FFF2-40B4-BE49-F238E27FC236}">
-                <a16:creationId xmlns:a16="http://schemas.microsoft.com/office/drawing/2014/main" id="{7B68729F-F5C5-4708-FCC6-6185A34163D8}"/>
-              </a:ext>
-            </a:extLst>
-          </p:cNvPr>
+          <p:cNvPr id="5" name="Footer Placeholder 4"/>
           <p:cNvSpPr>
             <a:spLocks noGrp="1"/>
           </p:cNvSpPr>
@@ -290,13 +870,7 @@
       </p:sp>
       <p:sp>
         <p:nvSpPr>
-          <p:cNvPr id="6" name="Slide Number Placeholder 5">
-            <a:extLst>
-              <a:ext uri="{FF2B5EF4-FFF2-40B4-BE49-F238E27FC236}">
-                <a16:creationId xmlns:a16="http://schemas.microsoft.com/office/drawing/2014/main" id="{5E9AE5BB-9EC6-21F0-A806-C2A48A335119}"/>
-              </a:ext>
-            </a:extLst>
-          </p:cNvPr>
+          <p:cNvPr id="6" name="Slide Number Placeholder 5"/>
           <p:cNvSpPr>
             <a:spLocks noGrp="1"/>
           </p:cNvSpPr>
@@ -320,7 +894,7 @@
     </p:spTree>
     <p:extLst>
       <p:ext uri="{BB962C8B-B14F-4D97-AF65-F5344CB8AC3E}">
-        <p14:creationId xmlns:p14="http://schemas.microsoft.com/office/powerpoint/2010/main" val="4131090490"/>
+        <p14:creationId xmlns:p14="http://schemas.microsoft.com/office/powerpoint/2010/main" val="1645010475"/>
       </p:ext>
     </p:extLst>
   </p:cSld>
@@ -331,6 +905,1619 @@
 </file>
 
 <file path=ppt/slideLayouts/slideLayout10.xml><?xml version="1.0" encoding="utf-8"?>
+<p:sldLayout xmlns:a="http://schemas.openxmlformats.org/drawingml/2006/main" xmlns:r="http://schemas.openxmlformats.org/officeDocument/2006/relationships" xmlns:p="http://schemas.openxmlformats.org/presentationml/2006/main" preserve="1">
+  <p:cSld name="Title and Caption">
+    <p:spTree>
+      <p:nvGrpSpPr>
+        <p:cNvPr id="1" name=""/>
+        <p:cNvGrpSpPr/>
+        <p:nvPr/>
+      </p:nvGrpSpPr>
+      <p:grpSpPr>
+        <a:xfrm>
+          <a:off x="0" y="0"/>
+          <a:ext cx="0" cy="0"/>
+          <a:chOff x="0" y="0"/>
+          <a:chExt cx="0" cy="0"/>
+        </a:xfrm>
+      </p:grpSpPr>
+      <p:sp>
+        <p:nvSpPr>
+          <p:cNvPr id="2" name="Title 1"/>
+          <p:cNvSpPr>
+            <a:spLocks noGrp="1"/>
+          </p:cNvSpPr>
+          <p:nvPr>
+            <p:ph type="title"/>
+          </p:nvPr>
+        </p:nvSpPr>
+        <p:spPr>
+          <a:xfrm>
+            <a:off x="677335" y="609600"/>
+            <a:ext cx="8596668" cy="3403600"/>
+          </a:xfrm>
+        </p:spPr>
+        <p:txBody>
+          <a:bodyPr anchor="ctr">
+            <a:normAutofit/>
+          </a:bodyPr>
+          <a:lstStyle>
+            <a:lvl1pPr algn="l">
+              <a:defRPr sz="4400" b="0" cap="none"/>
+            </a:lvl1pPr>
+          </a:lstStyle>
+          <a:p>
+            <a:r>
+              <a:rPr lang="en-US"/>
+              <a:t>Click to edit Master title style</a:t>
+            </a:r>
+            <a:endParaRPr lang="en-US" dirty="0"/>
+          </a:p>
+        </p:txBody>
+      </p:sp>
+      <p:sp>
+        <p:nvSpPr>
+          <p:cNvPr id="3" name="Text Placeholder 2"/>
+          <p:cNvSpPr>
+            <a:spLocks noGrp="1"/>
+          </p:cNvSpPr>
+          <p:nvPr>
+            <p:ph type="body" idx="1"/>
+          </p:nvPr>
+        </p:nvSpPr>
+        <p:spPr>
+          <a:xfrm>
+            <a:off x="677335" y="4470400"/>
+            <a:ext cx="8596668" cy="1570962"/>
+          </a:xfrm>
+        </p:spPr>
+        <p:txBody>
+          <a:bodyPr anchor="ctr">
+            <a:normAutofit/>
+          </a:bodyPr>
+          <a:lstStyle>
+            <a:lvl1pPr marL="0" indent="0" algn="l">
+              <a:buNone/>
+              <a:defRPr sz="1800">
+                <a:solidFill>
+                  <a:schemeClr val="tx1">
+                    <a:lumMod val="75000"/>
+                    <a:lumOff val="25000"/>
+                  </a:schemeClr>
+                </a:solidFill>
+              </a:defRPr>
+            </a:lvl1pPr>
+            <a:lvl2pPr marL="457200" indent="0">
+              <a:buNone/>
+              <a:defRPr sz="1800">
+                <a:solidFill>
+                  <a:schemeClr val="tx1">
+                    <a:tint val="75000"/>
+                  </a:schemeClr>
+                </a:solidFill>
+              </a:defRPr>
+            </a:lvl2pPr>
+            <a:lvl3pPr marL="914400" indent="0">
+              <a:buNone/>
+              <a:defRPr sz="1600">
+                <a:solidFill>
+                  <a:schemeClr val="tx1">
+                    <a:tint val="75000"/>
+                  </a:schemeClr>
+                </a:solidFill>
+              </a:defRPr>
+            </a:lvl3pPr>
+            <a:lvl4pPr marL="1371600" indent="0">
+              <a:buNone/>
+              <a:defRPr sz="1400">
+                <a:solidFill>
+                  <a:schemeClr val="tx1">
+                    <a:tint val="75000"/>
+                  </a:schemeClr>
+                </a:solidFill>
+              </a:defRPr>
+            </a:lvl4pPr>
+            <a:lvl5pPr marL="1828800" indent="0">
+              <a:buNone/>
+              <a:defRPr sz="1400">
+                <a:solidFill>
+                  <a:schemeClr val="tx1">
+                    <a:tint val="75000"/>
+                  </a:schemeClr>
+                </a:solidFill>
+              </a:defRPr>
+            </a:lvl5pPr>
+            <a:lvl6pPr marL="2286000" indent="0">
+              <a:buNone/>
+              <a:defRPr sz="1400">
+                <a:solidFill>
+                  <a:schemeClr val="tx1">
+                    <a:tint val="75000"/>
+                  </a:schemeClr>
+                </a:solidFill>
+              </a:defRPr>
+            </a:lvl6pPr>
+            <a:lvl7pPr marL="2743200" indent="0">
+              <a:buNone/>
+              <a:defRPr sz="1400">
+                <a:solidFill>
+                  <a:schemeClr val="tx1">
+                    <a:tint val="75000"/>
+                  </a:schemeClr>
+                </a:solidFill>
+              </a:defRPr>
+            </a:lvl7pPr>
+            <a:lvl8pPr marL="3200400" indent="0">
+              <a:buNone/>
+              <a:defRPr sz="1400">
+                <a:solidFill>
+                  <a:schemeClr val="tx1">
+                    <a:tint val="75000"/>
+                  </a:schemeClr>
+                </a:solidFill>
+              </a:defRPr>
+            </a:lvl8pPr>
+            <a:lvl9pPr marL="3657600" indent="0">
+              <a:buNone/>
+              <a:defRPr sz="1400">
+                <a:solidFill>
+                  <a:schemeClr val="tx1">
+                    <a:tint val="75000"/>
+                  </a:schemeClr>
+                </a:solidFill>
+              </a:defRPr>
+            </a:lvl9pPr>
+          </a:lstStyle>
+          <a:p>
+            <a:pPr lvl="0"/>
+            <a:r>
+              <a:rPr lang="en-US"/>
+              <a:t>Click to edit Master text styles</a:t>
+            </a:r>
+          </a:p>
+        </p:txBody>
+      </p:sp>
+      <p:sp>
+        <p:nvSpPr>
+          <p:cNvPr id="4" name="Date Placeholder 3"/>
+          <p:cNvSpPr>
+            <a:spLocks noGrp="1"/>
+          </p:cNvSpPr>
+          <p:nvPr>
+            <p:ph type="dt" sz="half" idx="10"/>
+          </p:nvPr>
+        </p:nvSpPr>
+        <p:spPr/>
+        <p:txBody>
+          <a:bodyPr/>
+          <a:lstStyle/>
+          <a:p>
+            <a:fld id="{D2420793-031C-4ADB-A567-DC1F189C180B}" type="datetimeFigureOut">
+              <a:rPr lang="en-GB" smtClean="0"/>
+              <a:t>30/10/2022</a:t>
+            </a:fld>
+            <a:endParaRPr lang="en-GB"/>
+          </a:p>
+        </p:txBody>
+      </p:sp>
+      <p:sp>
+        <p:nvSpPr>
+          <p:cNvPr id="5" name="Footer Placeholder 4"/>
+          <p:cNvSpPr>
+            <a:spLocks noGrp="1"/>
+          </p:cNvSpPr>
+          <p:nvPr>
+            <p:ph type="ftr" sz="quarter" idx="11"/>
+          </p:nvPr>
+        </p:nvSpPr>
+        <p:spPr/>
+        <p:txBody>
+          <a:bodyPr/>
+          <a:lstStyle/>
+          <a:p>
+            <a:endParaRPr lang="en-GB"/>
+          </a:p>
+        </p:txBody>
+      </p:sp>
+      <p:sp>
+        <p:nvSpPr>
+          <p:cNvPr id="6" name="Slide Number Placeholder 5"/>
+          <p:cNvSpPr>
+            <a:spLocks noGrp="1"/>
+          </p:cNvSpPr>
+          <p:nvPr>
+            <p:ph type="sldNum" sz="quarter" idx="12"/>
+          </p:nvPr>
+        </p:nvSpPr>
+        <p:spPr/>
+        <p:txBody>
+          <a:bodyPr/>
+          <a:lstStyle/>
+          <a:p>
+            <a:fld id="{D2A3A534-BE7E-4ECE-9488-0C6AF34BC4B3}" type="slidenum">
+              <a:rPr lang="en-GB" smtClean="0"/>
+              <a:t>‹#›</a:t>
+            </a:fld>
+            <a:endParaRPr lang="en-GB"/>
+          </a:p>
+        </p:txBody>
+      </p:sp>
+    </p:spTree>
+    <p:extLst>
+      <p:ext uri="{BB962C8B-B14F-4D97-AF65-F5344CB8AC3E}">
+        <p14:creationId xmlns:p14="http://schemas.microsoft.com/office/powerpoint/2010/main" val="185954006"/>
+      </p:ext>
+    </p:extLst>
+  </p:cSld>
+  <p:clrMapOvr>
+    <a:masterClrMapping/>
+  </p:clrMapOvr>
+</p:sldLayout>
+</file>
+
+<file path=ppt/slideLayouts/slideLayout11.xml><?xml version="1.0" encoding="utf-8"?>
+<p:sldLayout xmlns:a="http://schemas.openxmlformats.org/drawingml/2006/main" xmlns:r="http://schemas.openxmlformats.org/officeDocument/2006/relationships" xmlns:p="http://schemas.openxmlformats.org/presentationml/2006/main" preserve="1">
+  <p:cSld name="Quote with Caption">
+    <p:spTree>
+      <p:nvGrpSpPr>
+        <p:cNvPr id="1" name=""/>
+        <p:cNvGrpSpPr/>
+        <p:nvPr/>
+      </p:nvGrpSpPr>
+      <p:grpSpPr>
+        <a:xfrm>
+          <a:off x="0" y="0"/>
+          <a:ext cx="0" cy="0"/>
+          <a:chOff x="0" y="0"/>
+          <a:chExt cx="0" cy="0"/>
+        </a:xfrm>
+      </p:grpSpPr>
+      <p:sp>
+        <p:nvSpPr>
+          <p:cNvPr id="2" name="Title 1"/>
+          <p:cNvSpPr>
+            <a:spLocks noGrp="1"/>
+          </p:cNvSpPr>
+          <p:nvPr>
+            <p:ph type="title"/>
+          </p:nvPr>
+        </p:nvSpPr>
+        <p:spPr>
+          <a:xfrm>
+            <a:off x="931334" y="609600"/>
+            <a:ext cx="8094134" cy="3022600"/>
+          </a:xfrm>
+        </p:spPr>
+        <p:txBody>
+          <a:bodyPr anchor="ctr">
+            <a:normAutofit/>
+          </a:bodyPr>
+          <a:lstStyle>
+            <a:lvl1pPr algn="l">
+              <a:defRPr sz="4400" b="0" cap="none"/>
+            </a:lvl1pPr>
+          </a:lstStyle>
+          <a:p>
+            <a:r>
+              <a:rPr lang="en-US"/>
+              <a:t>Click to edit Master title style</a:t>
+            </a:r>
+            <a:endParaRPr lang="en-US" dirty="0"/>
+          </a:p>
+        </p:txBody>
+      </p:sp>
+      <p:sp>
+        <p:nvSpPr>
+          <p:cNvPr id="23" name="Text Placeholder 9"/>
+          <p:cNvSpPr>
+            <a:spLocks noGrp="1"/>
+          </p:cNvSpPr>
+          <p:nvPr>
+            <p:ph type="body" sz="quarter" idx="13"/>
+          </p:nvPr>
+        </p:nvSpPr>
+        <p:spPr>
+          <a:xfrm>
+            <a:off x="1366139" y="3632200"/>
+            <a:ext cx="7224524" cy="381000"/>
+          </a:xfrm>
+        </p:spPr>
+        <p:txBody>
+          <a:bodyPr anchor="ctr">
+            <a:noAutofit/>
+          </a:bodyPr>
+          <a:lstStyle>
+            <a:lvl1pPr marL="0" indent="0">
+              <a:buFontTx/>
+              <a:buNone/>
+              <a:defRPr sz="1600">
+                <a:solidFill>
+                  <a:schemeClr val="tx1">
+                    <a:lumMod val="50000"/>
+                    <a:lumOff val="50000"/>
+                  </a:schemeClr>
+                </a:solidFill>
+              </a:defRPr>
+            </a:lvl1pPr>
+            <a:lvl2pPr marL="457200" indent="0">
+              <a:buFontTx/>
+              <a:buNone/>
+              <a:defRPr/>
+            </a:lvl2pPr>
+            <a:lvl3pPr marL="914400" indent="0">
+              <a:buFontTx/>
+              <a:buNone/>
+              <a:defRPr/>
+            </a:lvl3pPr>
+            <a:lvl4pPr marL="1371600" indent="0">
+              <a:buFontTx/>
+              <a:buNone/>
+              <a:defRPr/>
+            </a:lvl4pPr>
+            <a:lvl5pPr marL="1828800" indent="0">
+              <a:buFontTx/>
+              <a:buNone/>
+              <a:defRPr/>
+            </a:lvl5pPr>
+          </a:lstStyle>
+          <a:p>
+            <a:pPr lvl="0"/>
+            <a:r>
+              <a:rPr lang="en-US"/>
+              <a:t>Click to edit Master text styles</a:t>
+            </a:r>
+          </a:p>
+        </p:txBody>
+      </p:sp>
+      <p:sp>
+        <p:nvSpPr>
+          <p:cNvPr id="3" name="Text Placeholder 2"/>
+          <p:cNvSpPr>
+            <a:spLocks noGrp="1"/>
+          </p:cNvSpPr>
+          <p:nvPr>
+            <p:ph type="body" idx="1"/>
+          </p:nvPr>
+        </p:nvSpPr>
+        <p:spPr>
+          <a:xfrm>
+            <a:off x="677335" y="4470400"/>
+            <a:ext cx="8596668" cy="1570962"/>
+          </a:xfrm>
+        </p:spPr>
+        <p:txBody>
+          <a:bodyPr anchor="ctr">
+            <a:normAutofit/>
+          </a:bodyPr>
+          <a:lstStyle>
+            <a:lvl1pPr marL="0" indent="0" algn="l">
+              <a:buNone/>
+              <a:defRPr sz="1800">
+                <a:solidFill>
+                  <a:schemeClr val="tx1">
+                    <a:lumMod val="75000"/>
+                    <a:lumOff val="25000"/>
+                  </a:schemeClr>
+                </a:solidFill>
+              </a:defRPr>
+            </a:lvl1pPr>
+            <a:lvl2pPr marL="457200" indent="0">
+              <a:buNone/>
+              <a:defRPr sz="1800">
+                <a:solidFill>
+                  <a:schemeClr val="tx1">
+                    <a:tint val="75000"/>
+                  </a:schemeClr>
+                </a:solidFill>
+              </a:defRPr>
+            </a:lvl2pPr>
+            <a:lvl3pPr marL="914400" indent="0">
+              <a:buNone/>
+              <a:defRPr sz="1600">
+                <a:solidFill>
+                  <a:schemeClr val="tx1">
+                    <a:tint val="75000"/>
+                  </a:schemeClr>
+                </a:solidFill>
+              </a:defRPr>
+            </a:lvl3pPr>
+            <a:lvl4pPr marL="1371600" indent="0">
+              <a:buNone/>
+              <a:defRPr sz="1400">
+                <a:solidFill>
+                  <a:schemeClr val="tx1">
+                    <a:tint val="75000"/>
+                  </a:schemeClr>
+                </a:solidFill>
+              </a:defRPr>
+            </a:lvl4pPr>
+            <a:lvl5pPr marL="1828800" indent="0">
+              <a:buNone/>
+              <a:defRPr sz="1400">
+                <a:solidFill>
+                  <a:schemeClr val="tx1">
+                    <a:tint val="75000"/>
+                  </a:schemeClr>
+                </a:solidFill>
+              </a:defRPr>
+            </a:lvl5pPr>
+            <a:lvl6pPr marL="2286000" indent="0">
+              <a:buNone/>
+              <a:defRPr sz="1400">
+                <a:solidFill>
+                  <a:schemeClr val="tx1">
+                    <a:tint val="75000"/>
+                  </a:schemeClr>
+                </a:solidFill>
+              </a:defRPr>
+            </a:lvl6pPr>
+            <a:lvl7pPr marL="2743200" indent="0">
+              <a:buNone/>
+              <a:defRPr sz="1400">
+                <a:solidFill>
+                  <a:schemeClr val="tx1">
+                    <a:tint val="75000"/>
+                  </a:schemeClr>
+                </a:solidFill>
+              </a:defRPr>
+            </a:lvl7pPr>
+            <a:lvl8pPr marL="3200400" indent="0">
+              <a:buNone/>
+              <a:defRPr sz="1400">
+                <a:solidFill>
+                  <a:schemeClr val="tx1">
+                    <a:tint val="75000"/>
+                  </a:schemeClr>
+                </a:solidFill>
+              </a:defRPr>
+            </a:lvl8pPr>
+            <a:lvl9pPr marL="3657600" indent="0">
+              <a:buNone/>
+              <a:defRPr sz="1400">
+                <a:solidFill>
+                  <a:schemeClr val="tx1">
+                    <a:tint val="75000"/>
+                  </a:schemeClr>
+                </a:solidFill>
+              </a:defRPr>
+            </a:lvl9pPr>
+          </a:lstStyle>
+          <a:p>
+            <a:pPr lvl="0"/>
+            <a:r>
+              <a:rPr lang="en-US"/>
+              <a:t>Click to edit Master text styles</a:t>
+            </a:r>
+          </a:p>
+        </p:txBody>
+      </p:sp>
+      <p:sp>
+        <p:nvSpPr>
+          <p:cNvPr id="4" name="Date Placeholder 3"/>
+          <p:cNvSpPr>
+            <a:spLocks noGrp="1"/>
+          </p:cNvSpPr>
+          <p:nvPr>
+            <p:ph type="dt" sz="half" idx="10"/>
+          </p:nvPr>
+        </p:nvSpPr>
+        <p:spPr/>
+        <p:txBody>
+          <a:bodyPr/>
+          <a:lstStyle/>
+          <a:p>
+            <a:fld id="{D2420793-031C-4ADB-A567-DC1F189C180B}" type="datetimeFigureOut">
+              <a:rPr lang="en-GB" smtClean="0"/>
+              <a:t>30/10/2022</a:t>
+            </a:fld>
+            <a:endParaRPr lang="en-GB"/>
+          </a:p>
+        </p:txBody>
+      </p:sp>
+      <p:sp>
+        <p:nvSpPr>
+          <p:cNvPr id="5" name="Footer Placeholder 4"/>
+          <p:cNvSpPr>
+            <a:spLocks noGrp="1"/>
+          </p:cNvSpPr>
+          <p:nvPr>
+            <p:ph type="ftr" sz="quarter" idx="11"/>
+          </p:nvPr>
+        </p:nvSpPr>
+        <p:spPr/>
+        <p:txBody>
+          <a:bodyPr/>
+          <a:lstStyle/>
+          <a:p>
+            <a:endParaRPr lang="en-GB"/>
+          </a:p>
+        </p:txBody>
+      </p:sp>
+      <p:sp>
+        <p:nvSpPr>
+          <p:cNvPr id="6" name="Slide Number Placeholder 5"/>
+          <p:cNvSpPr>
+            <a:spLocks noGrp="1"/>
+          </p:cNvSpPr>
+          <p:nvPr>
+            <p:ph type="sldNum" sz="quarter" idx="12"/>
+          </p:nvPr>
+        </p:nvSpPr>
+        <p:spPr/>
+        <p:txBody>
+          <a:bodyPr/>
+          <a:lstStyle/>
+          <a:p>
+            <a:fld id="{D2A3A534-BE7E-4ECE-9488-0C6AF34BC4B3}" type="slidenum">
+              <a:rPr lang="en-GB" smtClean="0"/>
+              <a:t>‹#›</a:t>
+            </a:fld>
+            <a:endParaRPr lang="en-GB"/>
+          </a:p>
+        </p:txBody>
+      </p:sp>
+      <p:sp>
+        <p:nvSpPr>
+          <p:cNvPr id="20" name="TextBox 19"/>
+          <p:cNvSpPr txBox="1"/>
+          <p:nvPr/>
+        </p:nvSpPr>
+        <p:spPr>
+          <a:xfrm>
+            <a:off x="541870" y="790378"/>
+            <a:ext cx="609600" cy="584776"/>
+          </a:xfrm>
+          <a:prstGeom prst="rect">
+            <a:avLst/>
+          </a:prstGeom>
+        </p:spPr>
+        <p:txBody>
+          <a:bodyPr vert="horz" lIns="91440" tIns="45720" rIns="91440" bIns="45720" rtlCol="0" anchor="ctr">
+            <a:noAutofit/>
+          </a:bodyPr>
+          <a:lstStyle/>
+          <a:p>
+            <a:pPr lvl="0"/>
+            <a:r>
+              <a:rPr lang="en-US" sz="8000" baseline="0" dirty="0">
+                <a:ln w="3175" cmpd="sng">
+                  <a:noFill/>
+                </a:ln>
+                <a:solidFill>
+                  <a:schemeClr val="accent1">
+                    <a:lumMod val="60000"/>
+                    <a:lumOff val="40000"/>
+                  </a:schemeClr>
+                </a:solidFill>
+                <a:effectLst/>
+                <a:latin typeface="Arial"/>
+              </a:rPr>
+              <a:t>“</a:t>
+            </a:r>
+          </a:p>
+        </p:txBody>
+      </p:sp>
+      <p:sp>
+        <p:nvSpPr>
+          <p:cNvPr id="22" name="TextBox 21"/>
+          <p:cNvSpPr txBox="1"/>
+          <p:nvPr/>
+        </p:nvSpPr>
+        <p:spPr>
+          <a:xfrm>
+            <a:off x="8893011" y="2886556"/>
+            <a:ext cx="609600" cy="584776"/>
+          </a:xfrm>
+          <a:prstGeom prst="rect">
+            <a:avLst/>
+          </a:prstGeom>
+        </p:spPr>
+        <p:txBody>
+          <a:bodyPr vert="horz" lIns="91440" tIns="45720" rIns="91440" bIns="45720" rtlCol="0" anchor="ctr">
+            <a:noAutofit/>
+          </a:bodyPr>
+          <a:lstStyle/>
+          <a:p>
+            <a:pPr lvl="0"/>
+            <a:r>
+              <a:rPr lang="en-US" sz="8000" baseline="0" dirty="0">
+                <a:ln w="3175" cmpd="sng">
+                  <a:noFill/>
+                </a:ln>
+                <a:solidFill>
+                  <a:schemeClr val="accent1">
+                    <a:lumMod val="60000"/>
+                    <a:lumOff val="40000"/>
+                  </a:schemeClr>
+                </a:solidFill>
+                <a:latin typeface="Arial"/>
+              </a:rPr>
+              <a:t>”</a:t>
+            </a:r>
+            <a:endParaRPr lang="en-US" dirty="0">
+              <a:solidFill>
+                <a:schemeClr val="accent1">
+                  <a:lumMod val="60000"/>
+                  <a:lumOff val="40000"/>
+                </a:schemeClr>
+              </a:solidFill>
+              <a:latin typeface="Arial"/>
+            </a:endParaRPr>
+          </a:p>
+        </p:txBody>
+      </p:sp>
+    </p:spTree>
+    <p:extLst>
+      <p:ext uri="{BB962C8B-B14F-4D97-AF65-F5344CB8AC3E}">
+        <p14:creationId xmlns:p14="http://schemas.microsoft.com/office/powerpoint/2010/main" val="2655059298"/>
+      </p:ext>
+    </p:extLst>
+  </p:cSld>
+  <p:clrMapOvr>
+    <a:masterClrMapping/>
+  </p:clrMapOvr>
+</p:sldLayout>
+</file>
+
+<file path=ppt/slideLayouts/slideLayout12.xml><?xml version="1.0" encoding="utf-8"?>
+<p:sldLayout xmlns:a="http://schemas.openxmlformats.org/drawingml/2006/main" xmlns:r="http://schemas.openxmlformats.org/officeDocument/2006/relationships" xmlns:p="http://schemas.openxmlformats.org/presentationml/2006/main" preserve="1">
+  <p:cSld name="Name Card">
+    <p:spTree>
+      <p:nvGrpSpPr>
+        <p:cNvPr id="1" name=""/>
+        <p:cNvGrpSpPr/>
+        <p:nvPr/>
+      </p:nvGrpSpPr>
+      <p:grpSpPr>
+        <a:xfrm>
+          <a:off x="0" y="0"/>
+          <a:ext cx="0" cy="0"/>
+          <a:chOff x="0" y="0"/>
+          <a:chExt cx="0" cy="0"/>
+        </a:xfrm>
+      </p:grpSpPr>
+      <p:sp>
+        <p:nvSpPr>
+          <p:cNvPr id="2" name="Title 1"/>
+          <p:cNvSpPr>
+            <a:spLocks noGrp="1"/>
+          </p:cNvSpPr>
+          <p:nvPr>
+            <p:ph type="title"/>
+          </p:nvPr>
+        </p:nvSpPr>
+        <p:spPr>
+          <a:xfrm>
+            <a:off x="677335" y="1931988"/>
+            <a:ext cx="8596668" cy="2595460"/>
+          </a:xfrm>
+        </p:spPr>
+        <p:txBody>
+          <a:bodyPr anchor="b">
+            <a:normAutofit/>
+          </a:bodyPr>
+          <a:lstStyle>
+            <a:lvl1pPr algn="l">
+              <a:defRPr sz="4400" b="0" cap="none"/>
+            </a:lvl1pPr>
+          </a:lstStyle>
+          <a:p>
+            <a:r>
+              <a:rPr lang="en-US"/>
+              <a:t>Click to edit Master title style</a:t>
+            </a:r>
+            <a:endParaRPr lang="en-US" dirty="0"/>
+          </a:p>
+        </p:txBody>
+      </p:sp>
+      <p:sp>
+        <p:nvSpPr>
+          <p:cNvPr id="3" name="Text Placeholder 2"/>
+          <p:cNvSpPr>
+            <a:spLocks noGrp="1"/>
+          </p:cNvSpPr>
+          <p:nvPr>
+            <p:ph type="body" idx="1"/>
+          </p:nvPr>
+        </p:nvSpPr>
+        <p:spPr>
+          <a:xfrm>
+            <a:off x="677335" y="4527448"/>
+            <a:ext cx="8596668" cy="1513914"/>
+          </a:xfrm>
+        </p:spPr>
+        <p:txBody>
+          <a:bodyPr anchor="t">
+            <a:normAutofit/>
+          </a:bodyPr>
+          <a:lstStyle>
+            <a:lvl1pPr marL="0" indent="0" algn="l">
+              <a:buNone/>
+              <a:defRPr sz="1800">
+                <a:solidFill>
+                  <a:schemeClr val="tx1">
+                    <a:lumMod val="75000"/>
+                    <a:lumOff val="25000"/>
+                  </a:schemeClr>
+                </a:solidFill>
+              </a:defRPr>
+            </a:lvl1pPr>
+            <a:lvl2pPr marL="457200" indent="0">
+              <a:buNone/>
+              <a:defRPr sz="1800">
+                <a:solidFill>
+                  <a:schemeClr val="tx1">
+                    <a:tint val="75000"/>
+                  </a:schemeClr>
+                </a:solidFill>
+              </a:defRPr>
+            </a:lvl2pPr>
+            <a:lvl3pPr marL="914400" indent="0">
+              <a:buNone/>
+              <a:defRPr sz="1600">
+                <a:solidFill>
+                  <a:schemeClr val="tx1">
+                    <a:tint val="75000"/>
+                  </a:schemeClr>
+                </a:solidFill>
+              </a:defRPr>
+            </a:lvl3pPr>
+            <a:lvl4pPr marL="1371600" indent="0">
+              <a:buNone/>
+              <a:defRPr sz="1400">
+                <a:solidFill>
+                  <a:schemeClr val="tx1">
+                    <a:tint val="75000"/>
+                  </a:schemeClr>
+                </a:solidFill>
+              </a:defRPr>
+            </a:lvl4pPr>
+            <a:lvl5pPr marL="1828800" indent="0">
+              <a:buNone/>
+              <a:defRPr sz="1400">
+                <a:solidFill>
+                  <a:schemeClr val="tx1">
+                    <a:tint val="75000"/>
+                  </a:schemeClr>
+                </a:solidFill>
+              </a:defRPr>
+            </a:lvl5pPr>
+            <a:lvl6pPr marL="2286000" indent="0">
+              <a:buNone/>
+              <a:defRPr sz="1400">
+                <a:solidFill>
+                  <a:schemeClr val="tx1">
+                    <a:tint val="75000"/>
+                  </a:schemeClr>
+                </a:solidFill>
+              </a:defRPr>
+            </a:lvl6pPr>
+            <a:lvl7pPr marL="2743200" indent="0">
+              <a:buNone/>
+              <a:defRPr sz="1400">
+                <a:solidFill>
+                  <a:schemeClr val="tx1">
+                    <a:tint val="75000"/>
+                  </a:schemeClr>
+                </a:solidFill>
+              </a:defRPr>
+            </a:lvl7pPr>
+            <a:lvl8pPr marL="3200400" indent="0">
+              <a:buNone/>
+              <a:defRPr sz="1400">
+                <a:solidFill>
+                  <a:schemeClr val="tx1">
+                    <a:tint val="75000"/>
+                  </a:schemeClr>
+                </a:solidFill>
+              </a:defRPr>
+            </a:lvl8pPr>
+            <a:lvl9pPr marL="3657600" indent="0">
+              <a:buNone/>
+              <a:defRPr sz="1400">
+                <a:solidFill>
+                  <a:schemeClr val="tx1">
+                    <a:tint val="75000"/>
+                  </a:schemeClr>
+                </a:solidFill>
+              </a:defRPr>
+            </a:lvl9pPr>
+          </a:lstStyle>
+          <a:p>
+            <a:pPr lvl="0"/>
+            <a:r>
+              <a:rPr lang="en-US"/>
+              <a:t>Click to edit Master text styles</a:t>
+            </a:r>
+          </a:p>
+        </p:txBody>
+      </p:sp>
+      <p:sp>
+        <p:nvSpPr>
+          <p:cNvPr id="4" name="Date Placeholder 3"/>
+          <p:cNvSpPr>
+            <a:spLocks noGrp="1"/>
+          </p:cNvSpPr>
+          <p:nvPr>
+            <p:ph type="dt" sz="half" idx="10"/>
+          </p:nvPr>
+        </p:nvSpPr>
+        <p:spPr/>
+        <p:txBody>
+          <a:bodyPr/>
+          <a:lstStyle/>
+          <a:p>
+            <a:fld id="{D2420793-031C-4ADB-A567-DC1F189C180B}" type="datetimeFigureOut">
+              <a:rPr lang="en-GB" smtClean="0"/>
+              <a:t>30/10/2022</a:t>
+            </a:fld>
+            <a:endParaRPr lang="en-GB"/>
+          </a:p>
+        </p:txBody>
+      </p:sp>
+      <p:sp>
+        <p:nvSpPr>
+          <p:cNvPr id="5" name="Footer Placeholder 4"/>
+          <p:cNvSpPr>
+            <a:spLocks noGrp="1"/>
+          </p:cNvSpPr>
+          <p:nvPr>
+            <p:ph type="ftr" sz="quarter" idx="11"/>
+          </p:nvPr>
+        </p:nvSpPr>
+        <p:spPr/>
+        <p:txBody>
+          <a:bodyPr/>
+          <a:lstStyle/>
+          <a:p>
+            <a:endParaRPr lang="en-GB"/>
+          </a:p>
+        </p:txBody>
+      </p:sp>
+      <p:sp>
+        <p:nvSpPr>
+          <p:cNvPr id="6" name="Slide Number Placeholder 5"/>
+          <p:cNvSpPr>
+            <a:spLocks noGrp="1"/>
+          </p:cNvSpPr>
+          <p:nvPr>
+            <p:ph type="sldNum" sz="quarter" idx="12"/>
+          </p:nvPr>
+        </p:nvSpPr>
+        <p:spPr/>
+        <p:txBody>
+          <a:bodyPr/>
+          <a:lstStyle/>
+          <a:p>
+            <a:fld id="{D2A3A534-BE7E-4ECE-9488-0C6AF34BC4B3}" type="slidenum">
+              <a:rPr lang="en-GB" smtClean="0"/>
+              <a:t>‹#›</a:t>
+            </a:fld>
+            <a:endParaRPr lang="en-GB"/>
+          </a:p>
+        </p:txBody>
+      </p:sp>
+    </p:spTree>
+    <p:extLst>
+      <p:ext uri="{BB962C8B-B14F-4D97-AF65-F5344CB8AC3E}">
+        <p14:creationId xmlns:p14="http://schemas.microsoft.com/office/powerpoint/2010/main" val="147925803"/>
+      </p:ext>
+    </p:extLst>
+  </p:cSld>
+  <p:clrMapOvr>
+    <a:masterClrMapping/>
+  </p:clrMapOvr>
+</p:sldLayout>
+</file>
+
+<file path=ppt/slideLayouts/slideLayout13.xml><?xml version="1.0" encoding="utf-8"?>
+<p:sldLayout xmlns:a="http://schemas.openxmlformats.org/drawingml/2006/main" xmlns:r="http://schemas.openxmlformats.org/officeDocument/2006/relationships" xmlns:p="http://schemas.openxmlformats.org/presentationml/2006/main" preserve="1">
+  <p:cSld name="Quote Name Card">
+    <p:spTree>
+      <p:nvGrpSpPr>
+        <p:cNvPr id="1" name=""/>
+        <p:cNvGrpSpPr/>
+        <p:nvPr/>
+      </p:nvGrpSpPr>
+      <p:grpSpPr>
+        <a:xfrm>
+          <a:off x="0" y="0"/>
+          <a:ext cx="0" cy="0"/>
+          <a:chOff x="0" y="0"/>
+          <a:chExt cx="0" cy="0"/>
+        </a:xfrm>
+      </p:grpSpPr>
+      <p:sp>
+        <p:nvSpPr>
+          <p:cNvPr id="2" name="Title 1"/>
+          <p:cNvSpPr>
+            <a:spLocks noGrp="1"/>
+          </p:cNvSpPr>
+          <p:nvPr>
+            <p:ph type="title"/>
+          </p:nvPr>
+        </p:nvSpPr>
+        <p:spPr>
+          <a:xfrm>
+            <a:off x="931334" y="609600"/>
+            <a:ext cx="8094134" cy="3022600"/>
+          </a:xfrm>
+        </p:spPr>
+        <p:txBody>
+          <a:bodyPr anchor="ctr">
+            <a:normAutofit/>
+          </a:bodyPr>
+          <a:lstStyle>
+            <a:lvl1pPr algn="l">
+              <a:defRPr sz="4400" b="0" cap="none"/>
+            </a:lvl1pPr>
+          </a:lstStyle>
+          <a:p>
+            <a:r>
+              <a:rPr lang="en-US"/>
+              <a:t>Click to edit Master title style</a:t>
+            </a:r>
+            <a:endParaRPr lang="en-US" dirty="0"/>
+          </a:p>
+        </p:txBody>
+      </p:sp>
+      <p:sp>
+        <p:nvSpPr>
+          <p:cNvPr id="23" name="Text Placeholder 9"/>
+          <p:cNvSpPr>
+            <a:spLocks noGrp="1"/>
+          </p:cNvSpPr>
+          <p:nvPr>
+            <p:ph type="body" sz="quarter" idx="13"/>
+          </p:nvPr>
+        </p:nvSpPr>
+        <p:spPr>
+          <a:xfrm>
+            <a:off x="677332" y="4013200"/>
+            <a:ext cx="8596669" cy="514248"/>
+          </a:xfrm>
+        </p:spPr>
+        <p:txBody>
+          <a:bodyPr anchor="b">
+            <a:noAutofit/>
+          </a:bodyPr>
+          <a:lstStyle>
+            <a:lvl1pPr marL="0" indent="0">
+              <a:buFontTx/>
+              <a:buNone/>
+              <a:defRPr sz="2400">
+                <a:solidFill>
+                  <a:schemeClr val="tx1">
+                    <a:lumMod val="75000"/>
+                    <a:lumOff val="25000"/>
+                  </a:schemeClr>
+                </a:solidFill>
+              </a:defRPr>
+            </a:lvl1pPr>
+            <a:lvl2pPr marL="457200" indent="0">
+              <a:buFontTx/>
+              <a:buNone/>
+              <a:defRPr/>
+            </a:lvl2pPr>
+            <a:lvl3pPr marL="914400" indent="0">
+              <a:buFontTx/>
+              <a:buNone/>
+              <a:defRPr/>
+            </a:lvl3pPr>
+            <a:lvl4pPr marL="1371600" indent="0">
+              <a:buFontTx/>
+              <a:buNone/>
+              <a:defRPr/>
+            </a:lvl4pPr>
+            <a:lvl5pPr marL="1828800" indent="0">
+              <a:buFontTx/>
+              <a:buNone/>
+              <a:defRPr/>
+            </a:lvl5pPr>
+          </a:lstStyle>
+          <a:p>
+            <a:pPr lvl="0"/>
+            <a:r>
+              <a:rPr lang="en-US"/>
+              <a:t>Click to edit Master text styles</a:t>
+            </a:r>
+          </a:p>
+        </p:txBody>
+      </p:sp>
+      <p:sp>
+        <p:nvSpPr>
+          <p:cNvPr id="3" name="Text Placeholder 2"/>
+          <p:cNvSpPr>
+            <a:spLocks noGrp="1"/>
+          </p:cNvSpPr>
+          <p:nvPr>
+            <p:ph type="body" idx="1"/>
+          </p:nvPr>
+        </p:nvSpPr>
+        <p:spPr>
+          <a:xfrm>
+            <a:off x="677335" y="4527448"/>
+            <a:ext cx="8596668" cy="1513914"/>
+          </a:xfrm>
+        </p:spPr>
+        <p:txBody>
+          <a:bodyPr anchor="t">
+            <a:normAutofit/>
+          </a:bodyPr>
+          <a:lstStyle>
+            <a:lvl1pPr marL="0" indent="0" algn="l">
+              <a:buNone/>
+              <a:defRPr sz="1800">
+                <a:solidFill>
+                  <a:schemeClr val="tx1">
+                    <a:lumMod val="50000"/>
+                    <a:lumOff val="50000"/>
+                  </a:schemeClr>
+                </a:solidFill>
+              </a:defRPr>
+            </a:lvl1pPr>
+            <a:lvl2pPr marL="457200" indent="0">
+              <a:buNone/>
+              <a:defRPr sz="1800">
+                <a:solidFill>
+                  <a:schemeClr val="tx1">
+                    <a:tint val="75000"/>
+                  </a:schemeClr>
+                </a:solidFill>
+              </a:defRPr>
+            </a:lvl2pPr>
+            <a:lvl3pPr marL="914400" indent="0">
+              <a:buNone/>
+              <a:defRPr sz="1600">
+                <a:solidFill>
+                  <a:schemeClr val="tx1">
+                    <a:tint val="75000"/>
+                  </a:schemeClr>
+                </a:solidFill>
+              </a:defRPr>
+            </a:lvl3pPr>
+            <a:lvl4pPr marL="1371600" indent="0">
+              <a:buNone/>
+              <a:defRPr sz="1400">
+                <a:solidFill>
+                  <a:schemeClr val="tx1">
+                    <a:tint val="75000"/>
+                  </a:schemeClr>
+                </a:solidFill>
+              </a:defRPr>
+            </a:lvl4pPr>
+            <a:lvl5pPr marL="1828800" indent="0">
+              <a:buNone/>
+              <a:defRPr sz="1400">
+                <a:solidFill>
+                  <a:schemeClr val="tx1">
+                    <a:tint val="75000"/>
+                  </a:schemeClr>
+                </a:solidFill>
+              </a:defRPr>
+            </a:lvl5pPr>
+            <a:lvl6pPr marL="2286000" indent="0">
+              <a:buNone/>
+              <a:defRPr sz="1400">
+                <a:solidFill>
+                  <a:schemeClr val="tx1">
+                    <a:tint val="75000"/>
+                  </a:schemeClr>
+                </a:solidFill>
+              </a:defRPr>
+            </a:lvl6pPr>
+            <a:lvl7pPr marL="2743200" indent="0">
+              <a:buNone/>
+              <a:defRPr sz="1400">
+                <a:solidFill>
+                  <a:schemeClr val="tx1">
+                    <a:tint val="75000"/>
+                  </a:schemeClr>
+                </a:solidFill>
+              </a:defRPr>
+            </a:lvl7pPr>
+            <a:lvl8pPr marL="3200400" indent="0">
+              <a:buNone/>
+              <a:defRPr sz="1400">
+                <a:solidFill>
+                  <a:schemeClr val="tx1">
+                    <a:tint val="75000"/>
+                  </a:schemeClr>
+                </a:solidFill>
+              </a:defRPr>
+            </a:lvl8pPr>
+            <a:lvl9pPr marL="3657600" indent="0">
+              <a:buNone/>
+              <a:defRPr sz="1400">
+                <a:solidFill>
+                  <a:schemeClr val="tx1">
+                    <a:tint val="75000"/>
+                  </a:schemeClr>
+                </a:solidFill>
+              </a:defRPr>
+            </a:lvl9pPr>
+          </a:lstStyle>
+          <a:p>
+            <a:pPr lvl="0"/>
+            <a:r>
+              <a:rPr lang="en-US"/>
+              <a:t>Click to edit Master text styles</a:t>
+            </a:r>
+          </a:p>
+        </p:txBody>
+      </p:sp>
+      <p:sp>
+        <p:nvSpPr>
+          <p:cNvPr id="4" name="Date Placeholder 3"/>
+          <p:cNvSpPr>
+            <a:spLocks noGrp="1"/>
+          </p:cNvSpPr>
+          <p:nvPr>
+            <p:ph type="dt" sz="half" idx="10"/>
+          </p:nvPr>
+        </p:nvSpPr>
+        <p:spPr/>
+        <p:txBody>
+          <a:bodyPr/>
+          <a:lstStyle/>
+          <a:p>
+            <a:fld id="{D2420793-031C-4ADB-A567-DC1F189C180B}" type="datetimeFigureOut">
+              <a:rPr lang="en-GB" smtClean="0"/>
+              <a:t>30/10/2022</a:t>
+            </a:fld>
+            <a:endParaRPr lang="en-GB"/>
+          </a:p>
+        </p:txBody>
+      </p:sp>
+      <p:sp>
+        <p:nvSpPr>
+          <p:cNvPr id="5" name="Footer Placeholder 4"/>
+          <p:cNvSpPr>
+            <a:spLocks noGrp="1"/>
+          </p:cNvSpPr>
+          <p:nvPr>
+            <p:ph type="ftr" sz="quarter" idx="11"/>
+          </p:nvPr>
+        </p:nvSpPr>
+        <p:spPr/>
+        <p:txBody>
+          <a:bodyPr/>
+          <a:lstStyle/>
+          <a:p>
+            <a:endParaRPr lang="en-GB"/>
+          </a:p>
+        </p:txBody>
+      </p:sp>
+      <p:sp>
+        <p:nvSpPr>
+          <p:cNvPr id="6" name="Slide Number Placeholder 5"/>
+          <p:cNvSpPr>
+            <a:spLocks noGrp="1"/>
+          </p:cNvSpPr>
+          <p:nvPr>
+            <p:ph type="sldNum" sz="quarter" idx="12"/>
+          </p:nvPr>
+        </p:nvSpPr>
+        <p:spPr/>
+        <p:txBody>
+          <a:bodyPr/>
+          <a:lstStyle/>
+          <a:p>
+            <a:fld id="{D2A3A534-BE7E-4ECE-9488-0C6AF34BC4B3}" type="slidenum">
+              <a:rPr lang="en-GB" smtClean="0"/>
+              <a:t>‹#›</a:t>
+            </a:fld>
+            <a:endParaRPr lang="en-GB"/>
+          </a:p>
+        </p:txBody>
+      </p:sp>
+      <p:sp>
+        <p:nvSpPr>
+          <p:cNvPr id="24" name="TextBox 23"/>
+          <p:cNvSpPr txBox="1"/>
+          <p:nvPr/>
+        </p:nvSpPr>
+        <p:spPr>
+          <a:xfrm>
+            <a:off x="541870" y="790378"/>
+            <a:ext cx="609600" cy="584776"/>
+          </a:xfrm>
+          <a:prstGeom prst="rect">
+            <a:avLst/>
+          </a:prstGeom>
+        </p:spPr>
+        <p:txBody>
+          <a:bodyPr vert="horz" lIns="91440" tIns="45720" rIns="91440" bIns="45720" rtlCol="0" anchor="ctr">
+            <a:noAutofit/>
+          </a:bodyPr>
+          <a:lstStyle/>
+          <a:p>
+            <a:pPr lvl="0"/>
+            <a:r>
+              <a:rPr lang="en-US" sz="8000" baseline="0" dirty="0">
+                <a:ln w="3175" cmpd="sng">
+                  <a:noFill/>
+                </a:ln>
+                <a:solidFill>
+                  <a:schemeClr val="accent1">
+                    <a:lumMod val="60000"/>
+                    <a:lumOff val="40000"/>
+                  </a:schemeClr>
+                </a:solidFill>
+                <a:effectLst/>
+                <a:latin typeface="Arial"/>
+              </a:rPr>
+              <a:t>“</a:t>
+            </a:r>
+          </a:p>
+        </p:txBody>
+      </p:sp>
+      <p:sp>
+        <p:nvSpPr>
+          <p:cNvPr id="25" name="TextBox 24"/>
+          <p:cNvSpPr txBox="1"/>
+          <p:nvPr/>
+        </p:nvSpPr>
+        <p:spPr>
+          <a:xfrm>
+            <a:off x="8893011" y="2886556"/>
+            <a:ext cx="609600" cy="584776"/>
+          </a:xfrm>
+          <a:prstGeom prst="rect">
+            <a:avLst/>
+          </a:prstGeom>
+        </p:spPr>
+        <p:txBody>
+          <a:bodyPr vert="horz" lIns="91440" tIns="45720" rIns="91440" bIns="45720" rtlCol="0" anchor="ctr">
+            <a:noAutofit/>
+          </a:bodyPr>
+          <a:lstStyle/>
+          <a:p>
+            <a:pPr lvl="0"/>
+            <a:r>
+              <a:rPr lang="en-US" sz="8000" baseline="0" dirty="0">
+                <a:ln w="3175" cmpd="sng">
+                  <a:noFill/>
+                </a:ln>
+                <a:solidFill>
+                  <a:schemeClr val="accent1">
+                    <a:lumMod val="60000"/>
+                    <a:lumOff val="40000"/>
+                  </a:schemeClr>
+                </a:solidFill>
+                <a:effectLst/>
+                <a:latin typeface="Arial"/>
+              </a:rPr>
+              <a:t>”</a:t>
+            </a:r>
+          </a:p>
+        </p:txBody>
+      </p:sp>
+    </p:spTree>
+    <p:extLst>
+      <p:ext uri="{BB962C8B-B14F-4D97-AF65-F5344CB8AC3E}">
+        <p14:creationId xmlns:p14="http://schemas.microsoft.com/office/powerpoint/2010/main" val="682523335"/>
+      </p:ext>
+    </p:extLst>
+  </p:cSld>
+  <p:clrMapOvr>
+    <a:masterClrMapping/>
+  </p:clrMapOvr>
+</p:sldLayout>
+</file>
+
+<file path=ppt/slideLayouts/slideLayout14.xml><?xml version="1.0" encoding="utf-8"?>
+<p:sldLayout xmlns:a="http://schemas.openxmlformats.org/drawingml/2006/main" xmlns:r="http://schemas.openxmlformats.org/officeDocument/2006/relationships" xmlns:p="http://schemas.openxmlformats.org/presentationml/2006/main" preserve="1">
+  <p:cSld name="True or False">
+    <p:spTree>
+      <p:nvGrpSpPr>
+        <p:cNvPr id="1" name=""/>
+        <p:cNvGrpSpPr/>
+        <p:nvPr/>
+      </p:nvGrpSpPr>
+      <p:grpSpPr>
+        <a:xfrm>
+          <a:off x="0" y="0"/>
+          <a:ext cx="0" cy="0"/>
+          <a:chOff x="0" y="0"/>
+          <a:chExt cx="0" cy="0"/>
+        </a:xfrm>
+      </p:grpSpPr>
+      <p:sp>
+        <p:nvSpPr>
+          <p:cNvPr id="2" name="Title 1"/>
+          <p:cNvSpPr>
+            <a:spLocks noGrp="1"/>
+          </p:cNvSpPr>
+          <p:nvPr>
+            <p:ph type="title"/>
+          </p:nvPr>
+        </p:nvSpPr>
+        <p:spPr>
+          <a:xfrm>
+            <a:off x="685799" y="609600"/>
+            <a:ext cx="8588203" cy="3022600"/>
+          </a:xfrm>
+        </p:spPr>
+        <p:txBody>
+          <a:bodyPr anchor="ctr">
+            <a:normAutofit/>
+          </a:bodyPr>
+          <a:lstStyle>
+            <a:lvl1pPr algn="l">
+              <a:defRPr sz="4400" b="0" cap="none"/>
+            </a:lvl1pPr>
+          </a:lstStyle>
+          <a:p>
+            <a:r>
+              <a:rPr lang="en-US"/>
+              <a:t>Click to edit Master title style</a:t>
+            </a:r>
+            <a:endParaRPr lang="en-US" dirty="0"/>
+          </a:p>
+        </p:txBody>
+      </p:sp>
+      <p:sp>
+        <p:nvSpPr>
+          <p:cNvPr id="23" name="Text Placeholder 9"/>
+          <p:cNvSpPr>
+            <a:spLocks noGrp="1"/>
+          </p:cNvSpPr>
+          <p:nvPr>
+            <p:ph type="body" sz="quarter" idx="13"/>
+          </p:nvPr>
+        </p:nvSpPr>
+        <p:spPr>
+          <a:xfrm>
+            <a:off x="677332" y="4013200"/>
+            <a:ext cx="8596669" cy="514248"/>
+          </a:xfrm>
+        </p:spPr>
+        <p:txBody>
+          <a:bodyPr anchor="b">
+            <a:noAutofit/>
+          </a:bodyPr>
+          <a:lstStyle>
+            <a:lvl1pPr marL="0" indent="0">
+              <a:buFontTx/>
+              <a:buNone/>
+              <a:defRPr sz="2400">
+                <a:solidFill>
+                  <a:schemeClr val="accent1"/>
+                </a:solidFill>
+              </a:defRPr>
+            </a:lvl1pPr>
+            <a:lvl2pPr marL="457200" indent="0">
+              <a:buFontTx/>
+              <a:buNone/>
+              <a:defRPr/>
+            </a:lvl2pPr>
+            <a:lvl3pPr marL="914400" indent="0">
+              <a:buFontTx/>
+              <a:buNone/>
+              <a:defRPr/>
+            </a:lvl3pPr>
+            <a:lvl4pPr marL="1371600" indent="0">
+              <a:buFontTx/>
+              <a:buNone/>
+              <a:defRPr/>
+            </a:lvl4pPr>
+            <a:lvl5pPr marL="1828800" indent="0">
+              <a:buFontTx/>
+              <a:buNone/>
+              <a:defRPr/>
+            </a:lvl5pPr>
+          </a:lstStyle>
+          <a:p>
+            <a:pPr lvl="0"/>
+            <a:r>
+              <a:rPr lang="en-US"/>
+              <a:t>Click to edit Master text styles</a:t>
+            </a:r>
+          </a:p>
+        </p:txBody>
+      </p:sp>
+      <p:sp>
+        <p:nvSpPr>
+          <p:cNvPr id="3" name="Text Placeholder 2"/>
+          <p:cNvSpPr>
+            <a:spLocks noGrp="1"/>
+          </p:cNvSpPr>
+          <p:nvPr>
+            <p:ph type="body" idx="1"/>
+          </p:nvPr>
+        </p:nvSpPr>
+        <p:spPr>
+          <a:xfrm>
+            <a:off x="677335" y="4527448"/>
+            <a:ext cx="8596668" cy="1513914"/>
+          </a:xfrm>
+        </p:spPr>
+        <p:txBody>
+          <a:bodyPr anchor="t">
+            <a:normAutofit/>
+          </a:bodyPr>
+          <a:lstStyle>
+            <a:lvl1pPr marL="0" indent="0" algn="l">
+              <a:buNone/>
+              <a:defRPr sz="1800">
+                <a:solidFill>
+                  <a:schemeClr val="tx1">
+                    <a:lumMod val="50000"/>
+                    <a:lumOff val="50000"/>
+                  </a:schemeClr>
+                </a:solidFill>
+              </a:defRPr>
+            </a:lvl1pPr>
+            <a:lvl2pPr marL="457200" indent="0">
+              <a:buNone/>
+              <a:defRPr sz="1800">
+                <a:solidFill>
+                  <a:schemeClr val="tx1">
+                    <a:tint val="75000"/>
+                  </a:schemeClr>
+                </a:solidFill>
+              </a:defRPr>
+            </a:lvl2pPr>
+            <a:lvl3pPr marL="914400" indent="0">
+              <a:buNone/>
+              <a:defRPr sz="1600">
+                <a:solidFill>
+                  <a:schemeClr val="tx1">
+                    <a:tint val="75000"/>
+                  </a:schemeClr>
+                </a:solidFill>
+              </a:defRPr>
+            </a:lvl3pPr>
+            <a:lvl4pPr marL="1371600" indent="0">
+              <a:buNone/>
+              <a:defRPr sz="1400">
+                <a:solidFill>
+                  <a:schemeClr val="tx1">
+                    <a:tint val="75000"/>
+                  </a:schemeClr>
+                </a:solidFill>
+              </a:defRPr>
+            </a:lvl4pPr>
+            <a:lvl5pPr marL="1828800" indent="0">
+              <a:buNone/>
+              <a:defRPr sz="1400">
+                <a:solidFill>
+                  <a:schemeClr val="tx1">
+                    <a:tint val="75000"/>
+                  </a:schemeClr>
+                </a:solidFill>
+              </a:defRPr>
+            </a:lvl5pPr>
+            <a:lvl6pPr marL="2286000" indent="0">
+              <a:buNone/>
+              <a:defRPr sz="1400">
+                <a:solidFill>
+                  <a:schemeClr val="tx1">
+                    <a:tint val="75000"/>
+                  </a:schemeClr>
+                </a:solidFill>
+              </a:defRPr>
+            </a:lvl6pPr>
+            <a:lvl7pPr marL="2743200" indent="0">
+              <a:buNone/>
+              <a:defRPr sz="1400">
+                <a:solidFill>
+                  <a:schemeClr val="tx1">
+                    <a:tint val="75000"/>
+                  </a:schemeClr>
+                </a:solidFill>
+              </a:defRPr>
+            </a:lvl7pPr>
+            <a:lvl8pPr marL="3200400" indent="0">
+              <a:buNone/>
+              <a:defRPr sz="1400">
+                <a:solidFill>
+                  <a:schemeClr val="tx1">
+                    <a:tint val="75000"/>
+                  </a:schemeClr>
+                </a:solidFill>
+              </a:defRPr>
+            </a:lvl8pPr>
+            <a:lvl9pPr marL="3657600" indent="0">
+              <a:buNone/>
+              <a:defRPr sz="1400">
+                <a:solidFill>
+                  <a:schemeClr val="tx1">
+                    <a:tint val="75000"/>
+                  </a:schemeClr>
+                </a:solidFill>
+              </a:defRPr>
+            </a:lvl9pPr>
+          </a:lstStyle>
+          <a:p>
+            <a:pPr lvl="0"/>
+            <a:r>
+              <a:rPr lang="en-US"/>
+              <a:t>Click to edit Master text styles</a:t>
+            </a:r>
+          </a:p>
+        </p:txBody>
+      </p:sp>
+      <p:sp>
+        <p:nvSpPr>
+          <p:cNvPr id="4" name="Date Placeholder 3"/>
+          <p:cNvSpPr>
+            <a:spLocks noGrp="1"/>
+          </p:cNvSpPr>
+          <p:nvPr>
+            <p:ph type="dt" sz="half" idx="10"/>
+          </p:nvPr>
+        </p:nvSpPr>
+        <p:spPr/>
+        <p:txBody>
+          <a:bodyPr/>
+          <a:lstStyle/>
+          <a:p>
+            <a:fld id="{D2420793-031C-4ADB-A567-DC1F189C180B}" type="datetimeFigureOut">
+              <a:rPr lang="en-GB" smtClean="0"/>
+              <a:t>30/10/2022</a:t>
+            </a:fld>
+            <a:endParaRPr lang="en-GB"/>
+          </a:p>
+        </p:txBody>
+      </p:sp>
+      <p:sp>
+        <p:nvSpPr>
+          <p:cNvPr id="5" name="Footer Placeholder 4"/>
+          <p:cNvSpPr>
+            <a:spLocks noGrp="1"/>
+          </p:cNvSpPr>
+          <p:nvPr>
+            <p:ph type="ftr" sz="quarter" idx="11"/>
+          </p:nvPr>
+        </p:nvSpPr>
+        <p:spPr/>
+        <p:txBody>
+          <a:bodyPr/>
+          <a:lstStyle/>
+          <a:p>
+            <a:endParaRPr lang="en-GB"/>
+          </a:p>
+        </p:txBody>
+      </p:sp>
+      <p:sp>
+        <p:nvSpPr>
+          <p:cNvPr id="6" name="Slide Number Placeholder 5"/>
+          <p:cNvSpPr>
+            <a:spLocks noGrp="1"/>
+          </p:cNvSpPr>
+          <p:nvPr>
+            <p:ph type="sldNum" sz="quarter" idx="12"/>
+          </p:nvPr>
+        </p:nvSpPr>
+        <p:spPr/>
+        <p:txBody>
+          <a:bodyPr/>
+          <a:lstStyle/>
+          <a:p>
+            <a:fld id="{D2A3A534-BE7E-4ECE-9488-0C6AF34BC4B3}" type="slidenum">
+              <a:rPr lang="en-GB" smtClean="0"/>
+              <a:t>‹#›</a:t>
+            </a:fld>
+            <a:endParaRPr lang="en-GB"/>
+          </a:p>
+        </p:txBody>
+      </p:sp>
+    </p:spTree>
+    <p:extLst>
+      <p:ext uri="{BB962C8B-B14F-4D97-AF65-F5344CB8AC3E}">
+        <p14:creationId xmlns:p14="http://schemas.microsoft.com/office/powerpoint/2010/main" val="1211904779"/>
+      </p:ext>
+    </p:extLst>
+  </p:cSld>
+  <p:clrMapOvr>
+    <a:masterClrMapping/>
+  </p:clrMapOvr>
+</p:sldLayout>
+</file>
+
+<file path=ppt/slideLayouts/slideLayout15.xml><?xml version="1.0" encoding="utf-8"?>
 <p:sldLayout xmlns:a="http://schemas.openxmlformats.org/drawingml/2006/main" xmlns:r="http://schemas.openxmlformats.org/officeDocument/2006/relationships" xmlns:p="http://schemas.openxmlformats.org/presentationml/2006/main" type="vertTx" preserve="1">
   <p:cSld name="Title and Vertical Text">
     <p:spTree>
@@ -349,13 +2536,7 @@
       </p:grpSpPr>
       <p:sp>
         <p:nvSpPr>
-          <p:cNvPr id="2" name="Title 1">
-            <a:extLst>
-              <a:ext uri="{FF2B5EF4-FFF2-40B4-BE49-F238E27FC236}">
-                <a16:creationId xmlns:a16="http://schemas.microsoft.com/office/drawing/2014/main" id="{3677F9CD-121E-F433-4967-FB2FE87DCAD2}"/>
-              </a:ext>
-            </a:extLst>
-          </p:cNvPr>
+          <p:cNvPr id="2" name="Title 1"/>
           <p:cNvSpPr>
             <a:spLocks noGrp="1"/>
           </p:cNvSpPr>
@@ -372,19 +2553,13 @@
               <a:rPr lang="en-US"/>
               <a:t>Click to edit Master title style</a:t>
             </a:r>
-            <a:endParaRPr lang="en-GB"/>
-          </a:p>
-        </p:txBody>
-      </p:sp>
-      <p:sp>
-        <p:nvSpPr>
-          <p:cNvPr id="3" name="Vertical Text Placeholder 2">
-            <a:extLst>
-              <a:ext uri="{FF2B5EF4-FFF2-40B4-BE49-F238E27FC236}">
-                <a16:creationId xmlns:a16="http://schemas.microsoft.com/office/drawing/2014/main" id="{55A1045E-F3E8-F227-E44C-9C9C54F72C3B}"/>
-              </a:ext>
-            </a:extLst>
-          </p:cNvPr>
+            <a:endParaRPr lang="en-US" dirty="0"/>
+          </a:p>
+        </p:txBody>
+      </p:sp>
+      <p:sp>
+        <p:nvSpPr>
+          <p:cNvPr id="3" name="Vertical Text Placeholder 2"/>
           <p:cNvSpPr>
             <a:spLocks noGrp="1"/>
           </p:cNvSpPr>
@@ -430,19 +2605,13 @@
               <a:rPr lang="en-US"/>
               <a:t>Fifth level</a:t>
             </a:r>
-            <a:endParaRPr lang="en-GB"/>
-          </a:p>
-        </p:txBody>
-      </p:sp>
-      <p:sp>
-        <p:nvSpPr>
-          <p:cNvPr id="4" name="Date Placeholder 3">
-            <a:extLst>
-              <a:ext uri="{FF2B5EF4-FFF2-40B4-BE49-F238E27FC236}">
-                <a16:creationId xmlns:a16="http://schemas.microsoft.com/office/drawing/2014/main" id="{082AB2A2-2D2D-960D-9D71-506EE5D5C5E5}"/>
-              </a:ext>
-            </a:extLst>
-          </p:cNvPr>
+            <a:endParaRPr lang="en-US" dirty="0"/>
+          </a:p>
+        </p:txBody>
+      </p:sp>
+      <p:sp>
+        <p:nvSpPr>
+          <p:cNvPr id="4" name="Date Placeholder 3"/>
           <p:cNvSpPr>
             <a:spLocks noGrp="1"/>
           </p:cNvSpPr>
@@ -457,7 +2626,7 @@
           <a:p>
             <a:fld id="{D2420793-031C-4ADB-A567-DC1F189C180B}" type="datetimeFigureOut">
               <a:rPr lang="en-GB" smtClean="0"/>
-              <a:t>26/10/2022</a:t>
+              <a:t>30/10/2022</a:t>
             </a:fld>
             <a:endParaRPr lang="en-GB"/>
           </a:p>
@@ -465,13 +2634,7 @@
       </p:sp>
       <p:sp>
         <p:nvSpPr>
-          <p:cNvPr id="5" name="Footer Placeholder 4">
-            <a:extLst>
-              <a:ext uri="{FF2B5EF4-FFF2-40B4-BE49-F238E27FC236}">
-                <a16:creationId xmlns:a16="http://schemas.microsoft.com/office/drawing/2014/main" id="{67BA1271-98EB-EB00-4807-608E08581EC8}"/>
-              </a:ext>
-            </a:extLst>
-          </p:cNvPr>
+          <p:cNvPr id="5" name="Footer Placeholder 4"/>
           <p:cNvSpPr>
             <a:spLocks noGrp="1"/>
           </p:cNvSpPr>
@@ -490,13 +2653,7 @@
       </p:sp>
       <p:sp>
         <p:nvSpPr>
-          <p:cNvPr id="6" name="Slide Number Placeholder 5">
-            <a:extLst>
-              <a:ext uri="{FF2B5EF4-FFF2-40B4-BE49-F238E27FC236}">
-                <a16:creationId xmlns:a16="http://schemas.microsoft.com/office/drawing/2014/main" id="{1F88200D-96D5-F472-9431-22BCFDCDED52}"/>
-              </a:ext>
-            </a:extLst>
-          </p:cNvPr>
+          <p:cNvPr id="6" name="Slide Number Placeholder 5"/>
           <p:cNvSpPr>
             <a:spLocks noGrp="1"/>
           </p:cNvSpPr>
@@ -520,7 +2677,7 @@
     </p:spTree>
     <p:extLst>
       <p:ext uri="{BB962C8B-B14F-4D97-AF65-F5344CB8AC3E}">
-        <p14:creationId xmlns:p14="http://schemas.microsoft.com/office/powerpoint/2010/main" val="1924175514"/>
+        <p14:creationId xmlns:p14="http://schemas.microsoft.com/office/powerpoint/2010/main" val="1294597537"/>
       </p:ext>
     </p:extLst>
   </p:cSld>
@@ -530,7 +2687,7 @@
 </p:sldLayout>
 </file>
 
-<file path=ppt/slideLayouts/slideLayout11.xml><?xml version="1.0" encoding="utf-8"?>
+<file path=ppt/slideLayouts/slideLayout16.xml><?xml version="1.0" encoding="utf-8"?>
 <p:sldLayout xmlns:a="http://schemas.openxmlformats.org/drawingml/2006/main" xmlns:r="http://schemas.openxmlformats.org/officeDocument/2006/relationships" xmlns:p="http://schemas.openxmlformats.org/presentationml/2006/main" type="vertTitleAndTx" preserve="1">
   <p:cSld name="Vertical Title and Text">
     <p:spTree>
@@ -549,13 +2706,7 @@
       </p:grpSpPr>
       <p:sp>
         <p:nvSpPr>
-          <p:cNvPr id="2" name="Vertical Title 1">
-            <a:extLst>
-              <a:ext uri="{FF2B5EF4-FFF2-40B4-BE49-F238E27FC236}">
-                <a16:creationId xmlns:a16="http://schemas.microsoft.com/office/drawing/2014/main" id="{62E6BC52-4CE9-2D0D-AEB4-0F3804D91AD9}"/>
-              </a:ext>
-            </a:extLst>
-          </p:cNvPr>
+          <p:cNvPr id="2" name="Vertical Title 1"/>
           <p:cNvSpPr>
             <a:spLocks noGrp="1"/>
           </p:cNvSpPr>
@@ -565,48 +2716,42 @@
         </p:nvSpPr>
         <p:spPr>
           <a:xfrm>
-            <a:off x="8724900" y="365125"/>
-            <a:ext cx="2628900" cy="5811838"/>
+            <a:off x="7967673" y="609599"/>
+            <a:ext cx="1304743" cy="5251451"/>
           </a:xfrm>
         </p:spPr>
         <p:txBody>
+          <a:bodyPr vert="eaVert" anchor="ctr"/>
+          <a:lstStyle/>
+          <a:p>
+            <a:r>
+              <a:rPr lang="en-US"/>
+              <a:t>Click to edit Master title style</a:t>
+            </a:r>
+            <a:endParaRPr lang="en-US" dirty="0"/>
+          </a:p>
+        </p:txBody>
+      </p:sp>
+      <p:sp>
+        <p:nvSpPr>
+          <p:cNvPr id="3" name="Vertical Text Placeholder 2"/>
+          <p:cNvSpPr>
+            <a:spLocks noGrp="1"/>
+          </p:cNvSpPr>
+          <p:nvPr>
+            <p:ph type="body" orient="vert" idx="1"/>
+          </p:nvPr>
+        </p:nvSpPr>
+        <p:spPr>
+          <a:xfrm>
+            <a:off x="677335" y="609600"/>
+            <a:ext cx="7060150" cy="5251450"/>
+          </a:xfrm>
+        </p:spPr>
+        <p:txBody>
           <a:bodyPr vert="eaVert"/>
           <a:lstStyle/>
           <a:p>
-            <a:r>
-              <a:rPr lang="en-US"/>
-              <a:t>Click to edit Master title style</a:t>
-            </a:r>
-            <a:endParaRPr lang="en-GB"/>
-          </a:p>
-        </p:txBody>
-      </p:sp>
-      <p:sp>
-        <p:nvSpPr>
-          <p:cNvPr id="3" name="Vertical Text Placeholder 2">
-            <a:extLst>
-              <a:ext uri="{FF2B5EF4-FFF2-40B4-BE49-F238E27FC236}">
-                <a16:creationId xmlns:a16="http://schemas.microsoft.com/office/drawing/2014/main" id="{89910689-C302-046B-4652-DA2B6DADFC51}"/>
-              </a:ext>
-            </a:extLst>
-          </p:cNvPr>
-          <p:cNvSpPr>
-            <a:spLocks noGrp="1"/>
-          </p:cNvSpPr>
-          <p:nvPr>
-            <p:ph type="body" orient="vert" idx="1"/>
-          </p:nvPr>
-        </p:nvSpPr>
-        <p:spPr>
-          <a:xfrm>
-            <a:off x="838200" y="365125"/>
-            <a:ext cx="7734300" cy="5811838"/>
-          </a:xfrm>
-        </p:spPr>
-        <p:txBody>
-          <a:bodyPr vert="eaVert"/>
-          <a:lstStyle/>
-          <a:p>
             <a:pPr lvl="0"/>
             <a:r>
               <a:rPr lang="en-US"/>
@@ -640,19 +2785,13 @@
               <a:rPr lang="en-US"/>
               <a:t>Fifth level</a:t>
             </a:r>
-            <a:endParaRPr lang="en-GB"/>
-          </a:p>
-        </p:txBody>
-      </p:sp>
-      <p:sp>
-        <p:nvSpPr>
-          <p:cNvPr id="4" name="Date Placeholder 3">
-            <a:extLst>
-              <a:ext uri="{FF2B5EF4-FFF2-40B4-BE49-F238E27FC236}">
-                <a16:creationId xmlns:a16="http://schemas.microsoft.com/office/drawing/2014/main" id="{564C5E6C-8CC8-2DA2-D159-459C16553A9F}"/>
-              </a:ext>
-            </a:extLst>
-          </p:cNvPr>
+            <a:endParaRPr lang="en-US" dirty="0"/>
+          </a:p>
+        </p:txBody>
+      </p:sp>
+      <p:sp>
+        <p:nvSpPr>
+          <p:cNvPr id="4" name="Date Placeholder 3"/>
           <p:cNvSpPr>
             <a:spLocks noGrp="1"/>
           </p:cNvSpPr>
@@ -667,7 +2806,7 @@
           <a:p>
             <a:fld id="{D2420793-031C-4ADB-A567-DC1F189C180B}" type="datetimeFigureOut">
               <a:rPr lang="en-GB" smtClean="0"/>
-              <a:t>26/10/2022</a:t>
+              <a:t>30/10/2022</a:t>
             </a:fld>
             <a:endParaRPr lang="en-GB"/>
           </a:p>
@@ -675,13 +2814,7 @@
       </p:sp>
       <p:sp>
         <p:nvSpPr>
-          <p:cNvPr id="5" name="Footer Placeholder 4">
-            <a:extLst>
-              <a:ext uri="{FF2B5EF4-FFF2-40B4-BE49-F238E27FC236}">
-                <a16:creationId xmlns:a16="http://schemas.microsoft.com/office/drawing/2014/main" id="{602FB3BA-81E4-EC10-C04A-679ED3409815}"/>
-              </a:ext>
-            </a:extLst>
-          </p:cNvPr>
+          <p:cNvPr id="5" name="Footer Placeholder 4"/>
           <p:cNvSpPr>
             <a:spLocks noGrp="1"/>
           </p:cNvSpPr>
@@ -700,13 +2833,7 @@
       </p:sp>
       <p:sp>
         <p:nvSpPr>
-          <p:cNvPr id="6" name="Slide Number Placeholder 5">
-            <a:extLst>
-              <a:ext uri="{FF2B5EF4-FFF2-40B4-BE49-F238E27FC236}">
-                <a16:creationId xmlns:a16="http://schemas.microsoft.com/office/drawing/2014/main" id="{8CAEB386-10E8-D230-57A7-69FD63E9923D}"/>
-              </a:ext>
-            </a:extLst>
-          </p:cNvPr>
+          <p:cNvPr id="6" name="Slide Number Placeholder 5"/>
           <p:cNvSpPr>
             <a:spLocks noGrp="1"/>
           </p:cNvSpPr>
@@ -730,7 +2857,7 @@
     </p:spTree>
     <p:extLst>
       <p:ext uri="{BB962C8B-B14F-4D97-AF65-F5344CB8AC3E}">
-        <p14:creationId xmlns:p14="http://schemas.microsoft.com/office/powerpoint/2010/main" val="1270716334"/>
+        <p14:creationId xmlns:p14="http://schemas.microsoft.com/office/powerpoint/2010/main" val="1253918058"/>
       </p:ext>
     </p:extLst>
   </p:cSld>
@@ -759,18 +2886,41 @@
       </p:grpSpPr>
       <p:sp>
         <p:nvSpPr>
-          <p:cNvPr id="2" name="Title 1">
-            <a:extLst>
-              <a:ext uri="{FF2B5EF4-FFF2-40B4-BE49-F238E27FC236}">
-                <a16:creationId xmlns:a16="http://schemas.microsoft.com/office/drawing/2014/main" id="{D1A44C96-24B8-6BA6-31DA-36E0E0F37024}"/>
-              </a:ext>
-            </a:extLst>
-          </p:cNvPr>
+          <p:cNvPr id="2" name="Title 1"/>
           <p:cNvSpPr>
             <a:spLocks noGrp="1"/>
           </p:cNvSpPr>
           <p:nvPr>
             <p:ph type="title"/>
+          </p:nvPr>
+        </p:nvSpPr>
+        <p:spPr/>
+        <p:txBody>
+          <a:bodyPr>
+            <a:normAutofit/>
+          </a:bodyPr>
+          <a:lstStyle>
+            <a:lvl1pPr>
+              <a:defRPr sz="3600"/>
+            </a:lvl1pPr>
+          </a:lstStyle>
+          <a:p>
+            <a:r>
+              <a:rPr lang="en-US"/>
+              <a:t>Click to edit Master title style</a:t>
+            </a:r>
+            <a:endParaRPr lang="en-US" dirty="0"/>
+          </a:p>
+        </p:txBody>
+      </p:sp>
+      <p:sp>
+        <p:nvSpPr>
+          <p:cNvPr id="3" name="Content Placeholder 2"/>
+          <p:cNvSpPr>
+            <a:spLocks noGrp="1"/>
+          </p:cNvSpPr>
+          <p:nvPr>
+            <p:ph idx="1"/>
           </p:nvPr>
         </p:nvSpPr>
         <p:spPr/>
@@ -778,28 +2928,51 @@
           <a:bodyPr/>
           <a:lstStyle/>
           <a:p>
+            <a:pPr lvl="0"/>
             <a:r>
               <a:rPr lang="en-US"/>
-              <a:t>Click to edit Master title style</a:t>
-            </a:r>
-            <a:endParaRPr lang="en-GB"/>
-          </a:p>
-        </p:txBody>
-      </p:sp>
-      <p:sp>
-        <p:nvSpPr>
-          <p:cNvPr id="3" name="Content Placeholder 2">
-            <a:extLst>
-              <a:ext uri="{FF2B5EF4-FFF2-40B4-BE49-F238E27FC236}">
-                <a16:creationId xmlns:a16="http://schemas.microsoft.com/office/drawing/2014/main" id="{673996A0-9029-862B-5AC0-B320756B1BED}"/>
-              </a:ext>
-            </a:extLst>
-          </p:cNvPr>
-          <p:cNvSpPr>
-            <a:spLocks noGrp="1"/>
-          </p:cNvSpPr>
-          <p:nvPr>
-            <p:ph idx="1"/>
+              <a:t>Click to edit Master text styles</a:t>
+            </a:r>
+          </a:p>
+          <a:p>
+            <a:pPr lvl="1"/>
+            <a:r>
+              <a:rPr lang="en-US"/>
+              <a:t>Second level</a:t>
+            </a:r>
+          </a:p>
+          <a:p>
+            <a:pPr lvl="2"/>
+            <a:r>
+              <a:rPr lang="en-US"/>
+              <a:t>Third level</a:t>
+            </a:r>
+          </a:p>
+          <a:p>
+            <a:pPr lvl="3"/>
+            <a:r>
+              <a:rPr lang="en-US"/>
+              <a:t>Fourth level</a:t>
+            </a:r>
+          </a:p>
+          <a:p>
+            <a:pPr lvl="4"/>
+            <a:r>
+              <a:rPr lang="en-US"/>
+              <a:t>Fifth level</a:t>
+            </a:r>
+            <a:endParaRPr lang="en-US" dirty="0"/>
+          </a:p>
+        </p:txBody>
+      </p:sp>
+      <p:sp>
+        <p:nvSpPr>
+          <p:cNvPr id="4" name="Date Placeholder 3"/>
+          <p:cNvSpPr>
+            <a:spLocks noGrp="1"/>
+          </p:cNvSpPr>
+          <p:nvPr>
+            <p:ph type="dt" sz="half" idx="10"/>
           </p:nvPr>
         </p:nvSpPr>
         <p:spPr/>
@@ -807,57 +2980,22 @@
           <a:bodyPr/>
           <a:lstStyle/>
           <a:p>
-            <a:pPr lvl="0"/>
-            <a:r>
-              <a:rPr lang="en-US"/>
-              <a:t>Click to edit Master text styles</a:t>
-            </a:r>
-          </a:p>
-          <a:p>
-            <a:pPr lvl="1"/>
-            <a:r>
-              <a:rPr lang="en-US"/>
-              <a:t>Second level</a:t>
-            </a:r>
-          </a:p>
-          <a:p>
-            <a:pPr lvl="2"/>
-            <a:r>
-              <a:rPr lang="en-US"/>
-              <a:t>Third level</a:t>
-            </a:r>
-          </a:p>
-          <a:p>
-            <a:pPr lvl="3"/>
-            <a:r>
-              <a:rPr lang="en-US"/>
-              <a:t>Fourth level</a:t>
-            </a:r>
-          </a:p>
-          <a:p>
-            <a:pPr lvl="4"/>
-            <a:r>
-              <a:rPr lang="en-US"/>
-              <a:t>Fifth level</a:t>
-            </a:r>
+            <a:fld id="{D2420793-031C-4ADB-A567-DC1F189C180B}" type="datetimeFigureOut">
+              <a:rPr lang="en-GB" smtClean="0"/>
+              <a:t>30/10/2022</a:t>
+            </a:fld>
             <a:endParaRPr lang="en-GB"/>
           </a:p>
         </p:txBody>
       </p:sp>
       <p:sp>
         <p:nvSpPr>
-          <p:cNvPr id="4" name="Date Placeholder 3">
-            <a:extLst>
-              <a:ext uri="{FF2B5EF4-FFF2-40B4-BE49-F238E27FC236}">
-                <a16:creationId xmlns:a16="http://schemas.microsoft.com/office/drawing/2014/main" id="{1D4A86D0-FC3D-4684-BDEF-AAF73DA68103}"/>
-              </a:ext>
-            </a:extLst>
-          </p:cNvPr>
-          <p:cNvSpPr>
-            <a:spLocks noGrp="1"/>
-          </p:cNvSpPr>
-          <p:nvPr>
-            <p:ph type="dt" sz="half" idx="10"/>
+          <p:cNvPr id="5" name="Footer Placeholder 4"/>
+          <p:cNvSpPr>
+            <a:spLocks noGrp="1"/>
+          </p:cNvSpPr>
+          <p:nvPr>
+            <p:ph type="ftr" sz="quarter" idx="11"/>
           </p:nvPr>
         </p:nvSpPr>
         <p:spPr/>
@@ -865,48 +3003,13 @@
           <a:bodyPr/>
           <a:lstStyle/>
           <a:p>
-            <a:fld id="{D2420793-031C-4ADB-A567-DC1F189C180B}" type="datetimeFigureOut">
-              <a:rPr lang="en-GB" smtClean="0"/>
-              <a:t>26/10/2022</a:t>
-            </a:fld>
             <a:endParaRPr lang="en-GB"/>
           </a:p>
         </p:txBody>
       </p:sp>
       <p:sp>
         <p:nvSpPr>
-          <p:cNvPr id="5" name="Footer Placeholder 4">
-            <a:extLst>
-              <a:ext uri="{FF2B5EF4-FFF2-40B4-BE49-F238E27FC236}">
-                <a16:creationId xmlns:a16="http://schemas.microsoft.com/office/drawing/2014/main" id="{AE6044F1-328E-E1F4-2F2D-20C629DDF02E}"/>
-              </a:ext>
-            </a:extLst>
-          </p:cNvPr>
-          <p:cNvSpPr>
-            <a:spLocks noGrp="1"/>
-          </p:cNvSpPr>
-          <p:nvPr>
-            <p:ph type="ftr" sz="quarter" idx="11"/>
-          </p:nvPr>
-        </p:nvSpPr>
-        <p:spPr/>
-        <p:txBody>
-          <a:bodyPr/>
-          <a:lstStyle/>
-          <a:p>
-            <a:endParaRPr lang="en-GB"/>
-          </a:p>
-        </p:txBody>
-      </p:sp>
-      <p:sp>
-        <p:nvSpPr>
-          <p:cNvPr id="6" name="Slide Number Placeholder 5">
-            <a:extLst>
-              <a:ext uri="{FF2B5EF4-FFF2-40B4-BE49-F238E27FC236}">
-                <a16:creationId xmlns:a16="http://schemas.microsoft.com/office/drawing/2014/main" id="{5A7DE350-3411-DD52-913A-768715B844CE}"/>
-              </a:ext>
-            </a:extLst>
-          </p:cNvPr>
+          <p:cNvPr id="6" name="Slide Number Placeholder 5"/>
           <p:cNvSpPr>
             <a:spLocks noGrp="1"/>
           </p:cNvSpPr>
@@ -930,7 +3033,7 @@
     </p:spTree>
     <p:extLst>
       <p:ext uri="{BB962C8B-B14F-4D97-AF65-F5344CB8AC3E}">
-        <p14:creationId xmlns:p14="http://schemas.microsoft.com/office/powerpoint/2010/main" val="1877176443"/>
+        <p14:creationId xmlns:p14="http://schemas.microsoft.com/office/powerpoint/2010/main" val="396493812"/>
       </p:ext>
     </p:extLst>
   </p:cSld>
@@ -959,13 +3062,7 @@
       </p:grpSpPr>
       <p:sp>
         <p:nvSpPr>
-          <p:cNvPr id="2" name="Title 1">
-            <a:extLst>
-              <a:ext uri="{FF2B5EF4-FFF2-40B4-BE49-F238E27FC236}">
-                <a16:creationId xmlns:a16="http://schemas.microsoft.com/office/drawing/2014/main" id="{98794857-60A6-1EAE-E016-205B4AB72638}"/>
-              </a:ext>
-            </a:extLst>
-          </p:cNvPr>
+          <p:cNvPr id="2" name="Title 1"/>
           <p:cNvSpPr>
             <a:spLocks noGrp="1"/>
           </p:cNvSpPr>
@@ -975,15 +3072,15 @@
         </p:nvSpPr>
         <p:spPr>
           <a:xfrm>
-            <a:off x="831850" y="1709738"/>
-            <a:ext cx="10515600" cy="2852737"/>
+            <a:off x="677335" y="2700867"/>
+            <a:ext cx="8596668" cy="1826581"/>
           </a:xfrm>
         </p:spPr>
         <p:txBody>
           <a:bodyPr anchor="b"/>
           <a:lstStyle>
-            <a:lvl1pPr>
-              <a:defRPr sz="6000"/>
+            <a:lvl1pPr algn="l">
+              <a:defRPr sz="4000" b="0" cap="none"/>
             </a:lvl1pPr>
           </a:lstStyle>
           <a:p>
@@ -991,19 +3088,13 @@
               <a:rPr lang="en-US"/>
               <a:t>Click to edit Master title style</a:t>
             </a:r>
-            <a:endParaRPr lang="en-GB"/>
-          </a:p>
-        </p:txBody>
-      </p:sp>
-      <p:sp>
-        <p:nvSpPr>
-          <p:cNvPr id="3" name="Text Placeholder 2">
-            <a:extLst>
-              <a:ext uri="{FF2B5EF4-FFF2-40B4-BE49-F238E27FC236}">
-                <a16:creationId xmlns:a16="http://schemas.microsoft.com/office/drawing/2014/main" id="{AAA5C6C3-FD7F-F304-737F-DF804481C306}"/>
-              </a:ext>
-            </a:extLst>
-          </p:cNvPr>
+            <a:endParaRPr lang="en-US" dirty="0"/>
+          </a:p>
+        </p:txBody>
+      </p:sp>
+      <p:sp>
+        <p:nvSpPr>
+          <p:cNvPr id="3" name="Text Placeholder 2"/>
           <p:cNvSpPr>
             <a:spLocks noGrp="1"/>
           </p:cNvSpPr>
@@ -1013,26 +3104,27 @@
         </p:nvSpPr>
         <p:spPr>
           <a:xfrm>
-            <a:off x="831850" y="4589463"/>
-            <a:ext cx="10515600" cy="1500187"/>
+            <a:off x="677335" y="4527448"/>
+            <a:ext cx="8596668" cy="860400"/>
           </a:xfrm>
         </p:spPr>
         <p:txBody>
-          <a:bodyPr/>
+          <a:bodyPr anchor="t"/>
           <a:lstStyle>
-            <a:lvl1pPr marL="0" indent="0">
-              <a:buNone/>
-              <a:defRPr sz="2400">
+            <a:lvl1pPr marL="0" indent="0" algn="l">
+              <a:buNone/>
+              <a:defRPr sz="2000">
                 <a:solidFill>
                   <a:schemeClr val="tx1">
-                    <a:tint val="75000"/>
+                    <a:lumMod val="50000"/>
+                    <a:lumOff val="50000"/>
                   </a:schemeClr>
                 </a:solidFill>
               </a:defRPr>
             </a:lvl1pPr>
             <a:lvl2pPr marL="457200" indent="0">
               <a:buNone/>
-              <a:defRPr sz="2000">
+              <a:defRPr sz="1800">
                 <a:solidFill>
                   <a:schemeClr val="tx1">
                     <a:tint val="75000"/>
@@ -1042,7 +3134,7 @@
             </a:lvl2pPr>
             <a:lvl3pPr marL="914400" indent="0">
               <a:buNone/>
-              <a:defRPr sz="1800">
+              <a:defRPr sz="1600">
                 <a:solidFill>
                   <a:schemeClr val="tx1">
                     <a:tint val="75000"/>
@@ -1052,7 +3144,7 @@
             </a:lvl3pPr>
             <a:lvl4pPr marL="1371600" indent="0">
               <a:buNone/>
-              <a:defRPr sz="1600">
+              <a:defRPr sz="1400">
                 <a:solidFill>
                   <a:schemeClr val="tx1">
                     <a:tint val="75000"/>
@@ -1062,7 +3154,7 @@
             </a:lvl4pPr>
             <a:lvl5pPr marL="1828800" indent="0">
               <a:buNone/>
-              <a:defRPr sz="1600">
+              <a:defRPr sz="1400">
                 <a:solidFill>
                   <a:schemeClr val="tx1">
                     <a:tint val="75000"/>
@@ -1072,7 +3164,7 @@
             </a:lvl5pPr>
             <a:lvl6pPr marL="2286000" indent="0">
               <a:buNone/>
-              <a:defRPr sz="1600">
+              <a:defRPr sz="1400">
                 <a:solidFill>
                   <a:schemeClr val="tx1">
                     <a:tint val="75000"/>
@@ -1082,7 +3174,7 @@
             </a:lvl6pPr>
             <a:lvl7pPr marL="2743200" indent="0">
               <a:buNone/>
-              <a:defRPr sz="1600">
+              <a:defRPr sz="1400">
                 <a:solidFill>
                   <a:schemeClr val="tx1">
                     <a:tint val="75000"/>
@@ -1092,7 +3184,7 @@
             </a:lvl7pPr>
             <a:lvl8pPr marL="3200400" indent="0">
               <a:buNone/>
-              <a:defRPr sz="1600">
+              <a:defRPr sz="1400">
                 <a:solidFill>
                   <a:schemeClr val="tx1">
                     <a:tint val="75000"/>
@@ -1102,7 +3194,7 @@
             </a:lvl8pPr>
             <a:lvl9pPr marL="3657600" indent="0">
               <a:buNone/>
-              <a:defRPr sz="1600">
+              <a:defRPr sz="1400">
                 <a:solidFill>
                   <a:schemeClr val="tx1">
                     <a:tint val="75000"/>
@@ -1122,13 +3214,7 @@
       </p:sp>
       <p:sp>
         <p:nvSpPr>
-          <p:cNvPr id="4" name="Date Placeholder 3">
-            <a:extLst>
-              <a:ext uri="{FF2B5EF4-FFF2-40B4-BE49-F238E27FC236}">
-                <a16:creationId xmlns:a16="http://schemas.microsoft.com/office/drawing/2014/main" id="{717B299D-EB44-4117-B068-C04FD028D57C}"/>
-              </a:ext>
-            </a:extLst>
-          </p:cNvPr>
+          <p:cNvPr id="4" name="Date Placeholder 3"/>
           <p:cNvSpPr>
             <a:spLocks noGrp="1"/>
           </p:cNvSpPr>
@@ -1143,7 +3229,7 @@
           <a:p>
             <a:fld id="{D2420793-031C-4ADB-A567-DC1F189C180B}" type="datetimeFigureOut">
               <a:rPr lang="en-GB" smtClean="0"/>
-              <a:t>26/10/2022</a:t>
+              <a:t>30/10/2022</a:t>
             </a:fld>
             <a:endParaRPr lang="en-GB"/>
           </a:p>
@@ -1151,13 +3237,7 @@
       </p:sp>
       <p:sp>
         <p:nvSpPr>
-          <p:cNvPr id="5" name="Footer Placeholder 4">
-            <a:extLst>
-              <a:ext uri="{FF2B5EF4-FFF2-40B4-BE49-F238E27FC236}">
-                <a16:creationId xmlns:a16="http://schemas.microsoft.com/office/drawing/2014/main" id="{6FEF7F53-04CF-0080-B478-EF1569FEFD87}"/>
-              </a:ext>
-            </a:extLst>
-          </p:cNvPr>
+          <p:cNvPr id="5" name="Footer Placeholder 4"/>
           <p:cNvSpPr>
             <a:spLocks noGrp="1"/>
           </p:cNvSpPr>
@@ -1176,13 +3256,7 @@
       </p:sp>
       <p:sp>
         <p:nvSpPr>
-          <p:cNvPr id="6" name="Slide Number Placeholder 5">
-            <a:extLst>
-              <a:ext uri="{FF2B5EF4-FFF2-40B4-BE49-F238E27FC236}">
-                <a16:creationId xmlns:a16="http://schemas.microsoft.com/office/drawing/2014/main" id="{DD45B917-27C6-372D-BF49-5CDACEB73156}"/>
-              </a:ext>
-            </a:extLst>
-          </p:cNvPr>
+          <p:cNvPr id="6" name="Slide Number Placeholder 5"/>
           <p:cNvSpPr>
             <a:spLocks noGrp="1"/>
           </p:cNvSpPr>
@@ -1206,7 +3280,7 @@
     </p:spTree>
     <p:extLst>
       <p:ext uri="{BB962C8B-B14F-4D97-AF65-F5344CB8AC3E}">
-        <p14:creationId xmlns:p14="http://schemas.microsoft.com/office/powerpoint/2010/main" val="1102496769"/>
+        <p14:creationId xmlns:p14="http://schemas.microsoft.com/office/powerpoint/2010/main" val="707084269"/>
       </p:ext>
     </p:extLst>
   </p:cSld>
@@ -1235,13 +3309,7 @@
       </p:grpSpPr>
       <p:sp>
         <p:nvSpPr>
-          <p:cNvPr id="2" name="Title 1">
-            <a:extLst>
-              <a:ext uri="{FF2B5EF4-FFF2-40B4-BE49-F238E27FC236}">
-                <a16:creationId xmlns:a16="http://schemas.microsoft.com/office/drawing/2014/main" id="{E33E0DF7-DE0C-DF1A-2EDF-580055875DD4}"/>
-              </a:ext>
-            </a:extLst>
-          </p:cNvPr>
+          <p:cNvPr id="2" name="Title 1"/>
           <p:cNvSpPr>
             <a:spLocks noGrp="1"/>
           </p:cNvSpPr>
@@ -1258,19 +3326,13 @@
               <a:rPr lang="en-US"/>
               <a:t>Click to edit Master title style</a:t>
             </a:r>
-            <a:endParaRPr lang="en-GB"/>
-          </a:p>
-        </p:txBody>
-      </p:sp>
-      <p:sp>
-        <p:nvSpPr>
-          <p:cNvPr id="3" name="Content Placeholder 2">
-            <a:extLst>
-              <a:ext uri="{FF2B5EF4-FFF2-40B4-BE49-F238E27FC236}">
-                <a16:creationId xmlns:a16="http://schemas.microsoft.com/office/drawing/2014/main" id="{25BAD5A9-7D70-F5DE-8AC4-EA626593FEE0}"/>
-              </a:ext>
-            </a:extLst>
-          </p:cNvPr>
+            <a:endParaRPr lang="en-US" dirty="0"/>
+          </a:p>
+        </p:txBody>
+      </p:sp>
+      <p:sp>
+        <p:nvSpPr>
+          <p:cNvPr id="3" name="Content Placeholder 2"/>
           <p:cNvSpPr>
             <a:spLocks noGrp="1"/>
           </p:cNvSpPr>
@@ -1280,8 +3342,8 @@
         </p:nvSpPr>
         <p:spPr>
           <a:xfrm>
-            <a:off x="838200" y="1825625"/>
-            <a:ext cx="5181600" cy="4351338"/>
+            <a:off x="677334" y="2160589"/>
+            <a:ext cx="4184035" cy="3880772"/>
           </a:xfrm>
         </p:spPr>
         <p:txBody>
@@ -1321,19 +3383,13 @@
               <a:rPr lang="en-US"/>
               <a:t>Fifth level</a:t>
             </a:r>
-            <a:endParaRPr lang="en-GB"/>
-          </a:p>
-        </p:txBody>
-      </p:sp>
-      <p:sp>
-        <p:nvSpPr>
-          <p:cNvPr id="4" name="Content Placeholder 3">
-            <a:extLst>
-              <a:ext uri="{FF2B5EF4-FFF2-40B4-BE49-F238E27FC236}">
-                <a16:creationId xmlns:a16="http://schemas.microsoft.com/office/drawing/2014/main" id="{67F0832B-ED45-2863-1F98-95E44003D55C}"/>
-              </a:ext>
-            </a:extLst>
-          </p:cNvPr>
+            <a:endParaRPr lang="en-US" dirty="0"/>
+          </a:p>
+        </p:txBody>
+      </p:sp>
+      <p:sp>
+        <p:nvSpPr>
+          <p:cNvPr id="4" name="Content Placeholder 3"/>
           <p:cNvSpPr>
             <a:spLocks noGrp="1"/>
           </p:cNvSpPr>
@@ -1343,8 +3399,8 @@
         </p:nvSpPr>
         <p:spPr>
           <a:xfrm>
-            <a:off x="6172200" y="1825625"/>
-            <a:ext cx="5181600" cy="4351338"/>
+            <a:off x="5089970" y="2160589"/>
+            <a:ext cx="4184034" cy="3880773"/>
           </a:xfrm>
         </p:spPr>
         <p:txBody>
@@ -1384,19 +3440,13 @@
               <a:rPr lang="en-US"/>
               <a:t>Fifth level</a:t>
             </a:r>
-            <a:endParaRPr lang="en-GB"/>
-          </a:p>
-        </p:txBody>
-      </p:sp>
-      <p:sp>
-        <p:nvSpPr>
-          <p:cNvPr id="5" name="Date Placeholder 4">
-            <a:extLst>
-              <a:ext uri="{FF2B5EF4-FFF2-40B4-BE49-F238E27FC236}">
-                <a16:creationId xmlns:a16="http://schemas.microsoft.com/office/drawing/2014/main" id="{EC1CA0C6-09EB-3812-E3B3-B1FFFAE3FB13}"/>
-              </a:ext>
-            </a:extLst>
-          </p:cNvPr>
+            <a:endParaRPr lang="en-US" dirty="0"/>
+          </a:p>
+        </p:txBody>
+      </p:sp>
+      <p:sp>
+        <p:nvSpPr>
+          <p:cNvPr id="5" name="Date Placeholder 4"/>
           <p:cNvSpPr>
             <a:spLocks noGrp="1"/>
           </p:cNvSpPr>
@@ -1411,7 +3461,7 @@
           <a:p>
             <a:fld id="{D2420793-031C-4ADB-A567-DC1F189C180B}" type="datetimeFigureOut">
               <a:rPr lang="en-GB" smtClean="0"/>
-              <a:t>26/10/2022</a:t>
+              <a:t>30/10/2022</a:t>
             </a:fld>
             <a:endParaRPr lang="en-GB"/>
           </a:p>
@@ -1419,13 +3469,7 @@
       </p:sp>
       <p:sp>
         <p:nvSpPr>
-          <p:cNvPr id="6" name="Footer Placeholder 5">
-            <a:extLst>
-              <a:ext uri="{FF2B5EF4-FFF2-40B4-BE49-F238E27FC236}">
-                <a16:creationId xmlns:a16="http://schemas.microsoft.com/office/drawing/2014/main" id="{92DC4EF7-C83A-B59F-3D96-497AC57B3716}"/>
-              </a:ext>
-            </a:extLst>
-          </p:cNvPr>
+          <p:cNvPr id="6" name="Footer Placeholder 5"/>
           <p:cNvSpPr>
             <a:spLocks noGrp="1"/>
           </p:cNvSpPr>
@@ -1444,13 +3488,7 @@
       </p:sp>
       <p:sp>
         <p:nvSpPr>
-          <p:cNvPr id="7" name="Slide Number Placeholder 6">
-            <a:extLst>
-              <a:ext uri="{FF2B5EF4-FFF2-40B4-BE49-F238E27FC236}">
-                <a16:creationId xmlns:a16="http://schemas.microsoft.com/office/drawing/2014/main" id="{BC94B3F3-3195-C7F0-DE41-45911D1F3883}"/>
-              </a:ext>
-            </a:extLst>
-          </p:cNvPr>
+          <p:cNvPr id="7" name="Slide Number Placeholder 6"/>
           <p:cNvSpPr>
             <a:spLocks noGrp="1"/>
           </p:cNvSpPr>
@@ -1474,7 +3512,7 @@
     </p:spTree>
     <p:extLst>
       <p:ext uri="{BB962C8B-B14F-4D97-AF65-F5344CB8AC3E}">
-        <p14:creationId xmlns:p14="http://schemas.microsoft.com/office/powerpoint/2010/main" val="3246387768"/>
+        <p14:creationId xmlns:p14="http://schemas.microsoft.com/office/powerpoint/2010/main" val="885838655"/>
       </p:ext>
     </p:extLst>
   </p:cSld>
@@ -1503,66 +3541,55 @@
       </p:grpSpPr>
       <p:sp>
         <p:nvSpPr>
-          <p:cNvPr id="2" name="Title 1">
-            <a:extLst>
-              <a:ext uri="{FF2B5EF4-FFF2-40B4-BE49-F238E27FC236}">
-                <a16:creationId xmlns:a16="http://schemas.microsoft.com/office/drawing/2014/main" id="{622AD9A9-F56B-9CA4-E41E-86D3BFB30538}"/>
-              </a:ext>
-            </a:extLst>
-          </p:cNvPr>
+          <p:cNvPr id="2" name="Title 1"/>
           <p:cNvSpPr>
             <a:spLocks noGrp="1"/>
           </p:cNvSpPr>
           <p:nvPr>
             <p:ph type="title"/>
+          </p:nvPr>
+        </p:nvSpPr>
+        <p:spPr/>
+        <p:txBody>
+          <a:bodyPr/>
+          <a:lstStyle>
+            <a:lvl1pPr>
+              <a:defRPr/>
+            </a:lvl1pPr>
+          </a:lstStyle>
+          <a:p>
+            <a:r>
+              <a:rPr lang="en-US"/>
+              <a:t>Click to edit Master title style</a:t>
+            </a:r>
+            <a:endParaRPr lang="en-US" dirty="0"/>
+          </a:p>
+        </p:txBody>
+      </p:sp>
+      <p:sp>
+        <p:nvSpPr>
+          <p:cNvPr id="3" name="Text Placeholder 2"/>
+          <p:cNvSpPr>
+            <a:spLocks noGrp="1"/>
+          </p:cNvSpPr>
+          <p:nvPr>
+            <p:ph type="body" idx="1"/>
           </p:nvPr>
         </p:nvSpPr>
         <p:spPr>
           <a:xfrm>
-            <a:off x="839788" y="365125"/>
-            <a:ext cx="10515600" cy="1325563"/>
+            <a:off x="675745" y="2160983"/>
+            <a:ext cx="4185623" cy="576262"/>
           </a:xfrm>
         </p:spPr>
         <p:txBody>
-          <a:bodyPr/>
-          <a:lstStyle/>
-          <a:p>
-            <a:r>
-              <a:rPr lang="en-US"/>
-              <a:t>Click to edit Master title style</a:t>
-            </a:r>
-            <a:endParaRPr lang="en-GB"/>
-          </a:p>
-        </p:txBody>
-      </p:sp>
-      <p:sp>
-        <p:nvSpPr>
-          <p:cNvPr id="3" name="Text Placeholder 2">
-            <a:extLst>
-              <a:ext uri="{FF2B5EF4-FFF2-40B4-BE49-F238E27FC236}">
-                <a16:creationId xmlns:a16="http://schemas.microsoft.com/office/drawing/2014/main" id="{F0CCBA8D-D92E-B52A-8BF5-92C5B8877E7F}"/>
-              </a:ext>
-            </a:extLst>
-          </p:cNvPr>
-          <p:cNvSpPr>
-            <a:spLocks noGrp="1"/>
-          </p:cNvSpPr>
-          <p:nvPr>
-            <p:ph type="body" idx="1"/>
-          </p:nvPr>
-        </p:nvSpPr>
-        <p:spPr>
-          <a:xfrm>
-            <a:off x="839788" y="1681163"/>
-            <a:ext cx="5157787" cy="823912"/>
-          </a:xfrm>
-        </p:spPr>
-        <p:txBody>
-          <a:bodyPr anchor="b"/>
+          <a:bodyPr anchor="b">
+            <a:noAutofit/>
+          </a:bodyPr>
           <a:lstStyle>
             <a:lvl1pPr marL="0" indent="0">
               <a:buNone/>
-              <a:defRPr sz="2400" b="1"/>
+              <a:defRPr sz="2400" b="0"/>
             </a:lvl1pPr>
             <a:lvl2pPr marL="457200" indent="0">
               <a:buNone/>
@@ -1608,13 +3635,7 @@
       </p:sp>
       <p:sp>
         <p:nvSpPr>
-          <p:cNvPr id="4" name="Content Placeholder 3">
-            <a:extLst>
-              <a:ext uri="{FF2B5EF4-FFF2-40B4-BE49-F238E27FC236}">
-                <a16:creationId xmlns:a16="http://schemas.microsoft.com/office/drawing/2014/main" id="{03100A42-B8C6-6542-3376-AC36C7A4019B}"/>
-              </a:ext>
-            </a:extLst>
-          </p:cNvPr>
+          <p:cNvPr id="4" name="Content Placeholder 3"/>
           <p:cNvSpPr>
             <a:spLocks noGrp="1"/>
           </p:cNvSpPr>
@@ -1624,12 +3645,14 @@
         </p:nvSpPr>
         <p:spPr>
           <a:xfrm>
-            <a:off x="839788" y="2505075"/>
-            <a:ext cx="5157787" cy="3684588"/>
+            <a:off x="675745" y="2737245"/>
+            <a:ext cx="4185623" cy="3304117"/>
           </a:xfrm>
         </p:spPr>
         <p:txBody>
-          <a:bodyPr/>
+          <a:bodyPr>
+            <a:normAutofit/>
+          </a:bodyPr>
           <a:lstStyle/>
           <a:p>
             <a:pPr lvl="0"/>
@@ -1665,19 +3688,13 @@
               <a:rPr lang="en-US"/>
               <a:t>Fifth level</a:t>
             </a:r>
-            <a:endParaRPr lang="en-GB"/>
-          </a:p>
-        </p:txBody>
-      </p:sp>
-      <p:sp>
-        <p:nvSpPr>
-          <p:cNvPr id="5" name="Text Placeholder 4">
-            <a:extLst>
-              <a:ext uri="{FF2B5EF4-FFF2-40B4-BE49-F238E27FC236}">
-                <a16:creationId xmlns:a16="http://schemas.microsoft.com/office/drawing/2014/main" id="{6F64F768-9958-FED5-D11B-6199F31AB497}"/>
-              </a:ext>
-            </a:extLst>
-          </p:cNvPr>
+            <a:endParaRPr lang="en-US" dirty="0"/>
+          </a:p>
+        </p:txBody>
+      </p:sp>
+      <p:sp>
+        <p:nvSpPr>
+          <p:cNvPr id="5" name="Text Placeholder 4"/>
           <p:cNvSpPr>
             <a:spLocks noGrp="1"/>
           </p:cNvSpPr>
@@ -1687,16 +3704,18 @@
         </p:nvSpPr>
         <p:spPr>
           <a:xfrm>
-            <a:off x="6172200" y="1681163"/>
-            <a:ext cx="5183188" cy="823912"/>
+            <a:off x="5088383" y="2160983"/>
+            <a:ext cx="4185618" cy="576262"/>
           </a:xfrm>
         </p:spPr>
         <p:txBody>
-          <a:bodyPr anchor="b"/>
+          <a:bodyPr anchor="b">
+            <a:noAutofit/>
+          </a:bodyPr>
           <a:lstStyle>
             <a:lvl1pPr marL="0" indent="0">
               <a:buNone/>
-              <a:defRPr sz="2400" b="1"/>
+              <a:defRPr sz="2400" b="0"/>
             </a:lvl1pPr>
             <a:lvl2pPr marL="457200" indent="0">
               <a:buNone/>
@@ -1742,13 +3761,7 @@
       </p:sp>
       <p:sp>
         <p:nvSpPr>
-          <p:cNvPr id="6" name="Content Placeholder 5">
-            <a:extLst>
-              <a:ext uri="{FF2B5EF4-FFF2-40B4-BE49-F238E27FC236}">
-                <a16:creationId xmlns:a16="http://schemas.microsoft.com/office/drawing/2014/main" id="{7867992D-2212-004B-B2ED-7C5B5E7667F1}"/>
-              </a:ext>
-            </a:extLst>
-          </p:cNvPr>
+          <p:cNvPr id="6" name="Content Placeholder 5"/>
           <p:cNvSpPr>
             <a:spLocks noGrp="1"/>
           </p:cNvSpPr>
@@ -1758,65 +3771,84 @@
         </p:nvSpPr>
         <p:spPr>
           <a:xfrm>
-            <a:off x="6172200" y="2505075"/>
-            <a:ext cx="5183188" cy="3684588"/>
+            <a:off x="5088384" y="2737245"/>
+            <a:ext cx="4185617" cy="3304117"/>
           </a:xfrm>
         </p:spPr>
         <p:txBody>
+          <a:bodyPr>
+            <a:normAutofit/>
+          </a:bodyPr>
+          <a:lstStyle/>
+          <a:p>
+            <a:pPr lvl="0"/>
+            <a:r>
+              <a:rPr lang="en-US"/>
+              <a:t>Click to edit Master text styles</a:t>
+            </a:r>
+          </a:p>
+          <a:p>
+            <a:pPr lvl="1"/>
+            <a:r>
+              <a:rPr lang="en-US"/>
+              <a:t>Second level</a:t>
+            </a:r>
+          </a:p>
+          <a:p>
+            <a:pPr lvl="2"/>
+            <a:r>
+              <a:rPr lang="en-US"/>
+              <a:t>Third level</a:t>
+            </a:r>
+          </a:p>
+          <a:p>
+            <a:pPr lvl="3"/>
+            <a:r>
+              <a:rPr lang="en-US"/>
+              <a:t>Fourth level</a:t>
+            </a:r>
+          </a:p>
+          <a:p>
+            <a:pPr lvl="4"/>
+            <a:r>
+              <a:rPr lang="en-US"/>
+              <a:t>Fifth level</a:t>
+            </a:r>
+            <a:endParaRPr lang="en-US" dirty="0"/>
+          </a:p>
+        </p:txBody>
+      </p:sp>
+      <p:sp>
+        <p:nvSpPr>
+          <p:cNvPr id="7" name="Date Placeholder 6"/>
+          <p:cNvSpPr>
+            <a:spLocks noGrp="1"/>
+          </p:cNvSpPr>
+          <p:nvPr>
+            <p:ph type="dt" sz="half" idx="10"/>
+          </p:nvPr>
+        </p:nvSpPr>
+        <p:spPr/>
+        <p:txBody>
           <a:bodyPr/>
           <a:lstStyle/>
           <a:p>
-            <a:pPr lvl="0"/>
-            <a:r>
-              <a:rPr lang="en-US"/>
-              <a:t>Click to edit Master text styles</a:t>
-            </a:r>
-          </a:p>
-          <a:p>
-            <a:pPr lvl="1"/>
-            <a:r>
-              <a:rPr lang="en-US"/>
-              <a:t>Second level</a:t>
-            </a:r>
-          </a:p>
-          <a:p>
-            <a:pPr lvl="2"/>
-            <a:r>
-              <a:rPr lang="en-US"/>
-              <a:t>Third level</a:t>
-            </a:r>
-          </a:p>
-          <a:p>
-            <a:pPr lvl="3"/>
-            <a:r>
-              <a:rPr lang="en-US"/>
-              <a:t>Fourth level</a:t>
-            </a:r>
-          </a:p>
-          <a:p>
-            <a:pPr lvl="4"/>
-            <a:r>
-              <a:rPr lang="en-US"/>
-              <a:t>Fifth level</a:t>
-            </a:r>
+            <a:fld id="{D2420793-031C-4ADB-A567-DC1F189C180B}" type="datetimeFigureOut">
+              <a:rPr lang="en-GB" smtClean="0"/>
+              <a:t>30/10/2022</a:t>
+            </a:fld>
             <a:endParaRPr lang="en-GB"/>
           </a:p>
         </p:txBody>
       </p:sp>
       <p:sp>
         <p:nvSpPr>
-          <p:cNvPr id="7" name="Date Placeholder 6">
-            <a:extLst>
-              <a:ext uri="{FF2B5EF4-FFF2-40B4-BE49-F238E27FC236}">
-                <a16:creationId xmlns:a16="http://schemas.microsoft.com/office/drawing/2014/main" id="{8BD79C7C-19AA-3E39-CE6F-D58665F4515F}"/>
-              </a:ext>
-            </a:extLst>
-          </p:cNvPr>
-          <p:cNvSpPr>
-            <a:spLocks noGrp="1"/>
-          </p:cNvSpPr>
-          <p:nvPr>
-            <p:ph type="dt" sz="half" idx="10"/>
+          <p:cNvPr id="8" name="Footer Placeholder 7"/>
+          <p:cNvSpPr>
+            <a:spLocks noGrp="1"/>
+          </p:cNvSpPr>
+          <p:nvPr>
+            <p:ph type="ftr" sz="quarter" idx="11"/>
           </p:nvPr>
         </p:nvSpPr>
         <p:spPr/>
@@ -1824,48 +3856,13 @@
           <a:bodyPr/>
           <a:lstStyle/>
           <a:p>
-            <a:fld id="{D2420793-031C-4ADB-A567-DC1F189C180B}" type="datetimeFigureOut">
-              <a:rPr lang="en-GB" smtClean="0"/>
-              <a:t>26/10/2022</a:t>
-            </a:fld>
             <a:endParaRPr lang="en-GB"/>
           </a:p>
         </p:txBody>
       </p:sp>
       <p:sp>
         <p:nvSpPr>
-          <p:cNvPr id="8" name="Footer Placeholder 7">
-            <a:extLst>
-              <a:ext uri="{FF2B5EF4-FFF2-40B4-BE49-F238E27FC236}">
-                <a16:creationId xmlns:a16="http://schemas.microsoft.com/office/drawing/2014/main" id="{12B68ED9-0E2B-58F9-B087-12EC6EF25DEE}"/>
-              </a:ext>
-            </a:extLst>
-          </p:cNvPr>
-          <p:cNvSpPr>
-            <a:spLocks noGrp="1"/>
-          </p:cNvSpPr>
-          <p:nvPr>
-            <p:ph type="ftr" sz="quarter" idx="11"/>
-          </p:nvPr>
-        </p:nvSpPr>
-        <p:spPr/>
-        <p:txBody>
-          <a:bodyPr/>
-          <a:lstStyle/>
-          <a:p>
-            <a:endParaRPr lang="en-GB"/>
-          </a:p>
-        </p:txBody>
-      </p:sp>
-      <p:sp>
-        <p:nvSpPr>
-          <p:cNvPr id="9" name="Slide Number Placeholder 8">
-            <a:extLst>
-              <a:ext uri="{FF2B5EF4-FFF2-40B4-BE49-F238E27FC236}">
-                <a16:creationId xmlns:a16="http://schemas.microsoft.com/office/drawing/2014/main" id="{7762D737-641F-534E-C689-2529F773D15E}"/>
-              </a:ext>
-            </a:extLst>
-          </p:cNvPr>
+          <p:cNvPr id="9" name="Slide Number Placeholder 8"/>
           <p:cNvSpPr>
             <a:spLocks noGrp="1"/>
           </p:cNvSpPr>
@@ -1889,7 +3886,7 @@
     </p:spTree>
     <p:extLst>
       <p:ext uri="{BB962C8B-B14F-4D97-AF65-F5344CB8AC3E}">
-        <p14:creationId xmlns:p14="http://schemas.microsoft.com/office/powerpoint/2010/main" val="3497845364"/>
+        <p14:creationId xmlns:p14="http://schemas.microsoft.com/office/powerpoint/2010/main" val="963861636"/>
       </p:ext>
     </p:extLst>
   </p:cSld>
@@ -1918,13 +3915,7 @@
       </p:grpSpPr>
       <p:sp>
         <p:nvSpPr>
-          <p:cNvPr id="2" name="Title 1">
-            <a:extLst>
-              <a:ext uri="{FF2B5EF4-FFF2-40B4-BE49-F238E27FC236}">
-                <a16:creationId xmlns:a16="http://schemas.microsoft.com/office/drawing/2014/main" id="{4F6CBAAA-69A5-FB91-51A6-5CF1D2549397}"/>
-              </a:ext>
-            </a:extLst>
-          </p:cNvPr>
+          <p:cNvPr id="2" name="Title 1"/>
           <p:cNvSpPr>
             <a:spLocks noGrp="1"/>
           </p:cNvSpPr>
@@ -1932,7 +3923,12 @@
             <p:ph type="title"/>
           </p:nvPr>
         </p:nvSpPr>
-        <p:spPr/>
+        <p:spPr>
+          <a:xfrm>
+            <a:off x="677334" y="609600"/>
+            <a:ext cx="8596668" cy="1320800"/>
+          </a:xfrm>
+        </p:spPr>
         <p:txBody>
           <a:bodyPr/>
           <a:lstStyle/>
@@ -1941,19 +3937,13 @@
               <a:rPr lang="en-US"/>
               <a:t>Click to edit Master title style</a:t>
             </a:r>
-            <a:endParaRPr lang="en-GB"/>
-          </a:p>
-        </p:txBody>
-      </p:sp>
-      <p:sp>
-        <p:nvSpPr>
-          <p:cNvPr id="3" name="Date Placeholder 2">
-            <a:extLst>
-              <a:ext uri="{FF2B5EF4-FFF2-40B4-BE49-F238E27FC236}">
-                <a16:creationId xmlns:a16="http://schemas.microsoft.com/office/drawing/2014/main" id="{CD8D4501-F34F-C490-2FBF-B6B20B96C37A}"/>
-              </a:ext>
-            </a:extLst>
-          </p:cNvPr>
+            <a:endParaRPr lang="en-US" dirty="0"/>
+          </a:p>
+        </p:txBody>
+      </p:sp>
+      <p:sp>
+        <p:nvSpPr>
+          <p:cNvPr id="3" name="Date Placeholder 2"/>
           <p:cNvSpPr>
             <a:spLocks noGrp="1"/>
           </p:cNvSpPr>
@@ -1968,7 +3958,7 @@
           <a:p>
             <a:fld id="{D2420793-031C-4ADB-A567-DC1F189C180B}" type="datetimeFigureOut">
               <a:rPr lang="en-GB" smtClean="0"/>
-              <a:t>26/10/2022</a:t>
+              <a:t>30/10/2022</a:t>
             </a:fld>
             <a:endParaRPr lang="en-GB"/>
           </a:p>
@@ -1976,13 +3966,7 @@
       </p:sp>
       <p:sp>
         <p:nvSpPr>
-          <p:cNvPr id="4" name="Footer Placeholder 3">
-            <a:extLst>
-              <a:ext uri="{FF2B5EF4-FFF2-40B4-BE49-F238E27FC236}">
-                <a16:creationId xmlns:a16="http://schemas.microsoft.com/office/drawing/2014/main" id="{2E812F87-F055-EFD6-67DC-24CB3D92F021}"/>
-              </a:ext>
-            </a:extLst>
-          </p:cNvPr>
+          <p:cNvPr id="4" name="Footer Placeholder 3"/>
           <p:cNvSpPr>
             <a:spLocks noGrp="1"/>
           </p:cNvSpPr>
@@ -2001,13 +3985,7 @@
       </p:sp>
       <p:sp>
         <p:nvSpPr>
-          <p:cNvPr id="5" name="Slide Number Placeholder 4">
-            <a:extLst>
-              <a:ext uri="{FF2B5EF4-FFF2-40B4-BE49-F238E27FC236}">
-                <a16:creationId xmlns:a16="http://schemas.microsoft.com/office/drawing/2014/main" id="{05071794-9822-C642-B922-CB1CD222E526}"/>
-              </a:ext>
-            </a:extLst>
-          </p:cNvPr>
+          <p:cNvPr id="5" name="Slide Number Placeholder 4"/>
           <p:cNvSpPr>
             <a:spLocks noGrp="1"/>
           </p:cNvSpPr>
@@ -2031,7 +4009,7 @@
     </p:spTree>
     <p:extLst>
       <p:ext uri="{BB962C8B-B14F-4D97-AF65-F5344CB8AC3E}">
-        <p14:creationId xmlns:p14="http://schemas.microsoft.com/office/powerpoint/2010/main" val="3979951343"/>
+        <p14:creationId xmlns:p14="http://schemas.microsoft.com/office/powerpoint/2010/main" val="446620238"/>
       </p:ext>
     </p:extLst>
   </p:cSld>
@@ -2060,13 +4038,7 @@
       </p:grpSpPr>
       <p:sp>
         <p:nvSpPr>
-          <p:cNvPr id="2" name="Date Placeholder 1">
-            <a:extLst>
-              <a:ext uri="{FF2B5EF4-FFF2-40B4-BE49-F238E27FC236}">
-                <a16:creationId xmlns:a16="http://schemas.microsoft.com/office/drawing/2014/main" id="{EC474C1F-2463-0241-ECF0-8B6F54C9E09C}"/>
-              </a:ext>
-            </a:extLst>
-          </p:cNvPr>
+          <p:cNvPr id="2" name="Date Placeholder 1"/>
           <p:cNvSpPr>
             <a:spLocks noGrp="1"/>
           </p:cNvSpPr>
@@ -2081,7 +4053,7 @@
           <a:p>
             <a:fld id="{D2420793-031C-4ADB-A567-DC1F189C180B}" type="datetimeFigureOut">
               <a:rPr lang="en-GB" smtClean="0"/>
-              <a:t>26/10/2022</a:t>
+              <a:t>30/10/2022</a:t>
             </a:fld>
             <a:endParaRPr lang="en-GB"/>
           </a:p>
@@ -2089,13 +4061,7 @@
       </p:sp>
       <p:sp>
         <p:nvSpPr>
-          <p:cNvPr id="3" name="Footer Placeholder 2">
-            <a:extLst>
-              <a:ext uri="{FF2B5EF4-FFF2-40B4-BE49-F238E27FC236}">
-                <a16:creationId xmlns:a16="http://schemas.microsoft.com/office/drawing/2014/main" id="{9236AA38-0572-F000-934A-F60C96837A7B}"/>
-              </a:ext>
-            </a:extLst>
-          </p:cNvPr>
+          <p:cNvPr id="3" name="Footer Placeholder 2"/>
           <p:cNvSpPr>
             <a:spLocks noGrp="1"/>
           </p:cNvSpPr>
@@ -2114,13 +4080,7 @@
       </p:sp>
       <p:sp>
         <p:nvSpPr>
-          <p:cNvPr id="4" name="Slide Number Placeholder 3">
-            <a:extLst>
-              <a:ext uri="{FF2B5EF4-FFF2-40B4-BE49-F238E27FC236}">
-                <a16:creationId xmlns:a16="http://schemas.microsoft.com/office/drawing/2014/main" id="{357A3C0C-0848-E9ED-DC3D-D6EC8CE510D2}"/>
-              </a:ext>
-            </a:extLst>
-          </p:cNvPr>
+          <p:cNvPr id="4" name="Slide Number Placeholder 3"/>
           <p:cNvSpPr>
             <a:spLocks noGrp="1"/>
           </p:cNvSpPr>
@@ -2144,7 +4104,7 @@
     </p:spTree>
     <p:extLst>
       <p:ext uri="{BB962C8B-B14F-4D97-AF65-F5344CB8AC3E}">
-        <p14:creationId xmlns:p14="http://schemas.microsoft.com/office/powerpoint/2010/main" val="962865453"/>
+        <p14:creationId xmlns:p14="http://schemas.microsoft.com/office/powerpoint/2010/main" val="2811012974"/>
       </p:ext>
     </p:extLst>
   </p:cSld>
@@ -2173,13 +4133,7 @@
       </p:grpSpPr>
       <p:sp>
         <p:nvSpPr>
-          <p:cNvPr id="2" name="Title 1">
-            <a:extLst>
-              <a:ext uri="{FF2B5EF4-FFF2-40B4-BE49-F238E27FC236}">
-                <a16:creationId xmlns:a16="http://schemas.microsoft.com/office/drawing/2014/main" id="{E1E4D75C-B16E-C3E9-F797-0733D62BABD2}"/>
-              </a:ext>
-            </a:extLst>
-          </p:cNvPr>
+          <p:cNvPr id="2" name="Title 1"/>
           <p:cNvSpPr>
             <a:spLocks noGrp="1"/>
           </p:cNvSpPr>
@@ -2189,15 +4143,17 @@
         </p:nvSpPr>
         <p:spPr>
           <a:xfrm>
-            <a:off x="839788" y="457200"/>
-            <a:ext cx="3932237" cy="1600200"/>
+            <a:off x="677334" y="1498604"/>
+            <a:ext cx="3854528" cy="1278466"/>
           </a:xfrm>
         </p:spPr>
         <p:txBody>
-          <a:bodyPr anchor="b"/>
+          <a:bodyPr anchor="b">
+            <a:normAutofit/>
+          </a:bodyPr>
           <a:lstStyle>
             <a:lvl1pPr>
-              <a:defRPr sz="3200"/>
+              <a:defRPr sz="2000"/>
             </a:lvl1pPr>
           </a:lstStyle>
           <a:p>
@@ -2205,19 +4161,13 @@
               <a:rPr lang="en-US"/>
               <a:t>Click to edit Master title style</a:t>
             </a:r>
-            <a:endParaRPr lang="en-GB"/>
-          </a:p>
-        </p:txBody>
-      </p:sp>
-      <p:sp>
-        <p:nvSpPr>
-          <p:cNvPr id="3" name="Content Placeholder 2">
-            <a:extLst>
-              <a:ext uri="{FF2B5EF4-FFF2-40B4-BE49-F238E27FC236}">
-                <a16:creationId xmlns:a16="http://schemas.microsoft.com/office/drawing/2014/main" id="{D20A2EFA-BDF6-BBC8-FFAF-99775C0E3E79}"/>
-              </a:ext>
-            </a:extLst>
-          </p:cNvPr>
+            <a:endParaRPr lang="en-US" dirty="0"/>
+          </a:p>
+        </p:txBody>
+      </p:sp>
+      <p:sp>
+        <p:nvSpPr>
+          <p:cNvPr id="3" name="Content Placeholder 2"/>
           <p:cNvSpPr>
             <a:spLocks noGrp="1"/>
           </p:cNvSpPr>
@@ -2227,41 +4177,15 @@
         </p:nvSpPr>
         <p:spPr>
           <a:xfrm>
-            <a:off x="5183188" y="987425"/>
-            <a:ext cx="6172200" cy="4873625"/>
+            <a:off x="4760461" y="514924"/>
+            <a:ext cx="4513541" cy="5526437"/>
           </a:xfrm>
         </p:spPr>
         <p:txBody>
-          <a:bodyPr/>
-          <a:lstStyle>
-            <a:lvl1pPr>
-              <a:defRPr sz="3200"/>
-            </a:lvl1pPr>
-            <a:lvl2pPr>
-              <a:defRPr sz="2800"/>
-            </a:lvl2pPr>
-            <a:lvl3pPr>
-              <a:defRPr sz="2400"/>
-            </a:lvl3pPr>
-            <a:lvl4pPr>
-              <a:defRPr sz="2000"/>
-            </a:lvl4pPr>
-            <a:lvl5pPr>
-              <a:defRPr sz="2000"/>
-            </a:lvl5pPr>
-            <a:lvl6pPr>
-              <a:defRPr sz="2000"/>
-            </a:lvl6pPr>
-            <a:lvl7pPr>
-              <a:defRPr sz="2000"/>
-            </a:lvl7pPr>
-            <a:lvl8pPr>
-              <a:defRPr sz="2000"/>
-            </a:lvl8pPr>
-            <a:lvl9pPr>
-              <a:defRPr sz="2000"/>
-            </a:lvl9pPr>
-          </a:lstStyle>
+          <a:bodyPr>
+            <a:normAutofit/>
+          </a:bodyPr>
+          <a:lstStyle/>
           <a:p>
             <a:pPr lvl="0"/>
             <a:r>
@@ -2296,19 +4220,13 @@
               <a:rPr lang="en-US"/>
               <a:t>Fifth level</a:t>
             </a:r>
-            <a:endParaRPr lang="en-GB"/>
-          </a:p>
-        </p:txBody>
-      </p:sp>
-      <p:sp>
-        <p:nvSpPr>
-          <p:cNvPr id="4" name="Text Placeholder 3">
-            <a:extLst>
-              <a:ext uri="{FF2B5EF4-FFF2-40B4-BE49-F238E27FC236}">
-                <a16:creationId xmlns:a16="http://schemas.microsoft.com/office/drawing/2014/main" id="{87750810-86A3-638F-087B-AA416771BFAE}"/>
-              </a:ext>
-            </a:extLst>
-          </p:cNvPr>
+            <a:endParaRPr lang="en-US" dirty="0"/>
+          </a:p>
+        </p:txBody>
+      </p:sp>
+      <p:sp>
+        <p:nvSpPr>
+          <p:cNvPr id="4" name="Text Placeholder 3"/>
           <p:cNvSpPr>
             <a:spLocks noGrp="1"/>
           </p:cNvSpPr>
@@ -2318,46 +4236,48 @@
         </p:nvSpPr>
         <p:spPr>
           <a:xfrm>
-            <a:off x="839788" y="2057400"/>
-            <a:ext cx="3932237" cy="3811588"/>
+            <a:off x="677334" y="2777069"/>
+            <a:ext cx="3854528" cy="2584449"/>
           </a:xfrm>
         </p:spPr>
         <p:txBody>
-          <a:bodyPr/>
+          <a:bodyPr>
+            <a:normAutofit/>
+          </a:bodyPr>
           <a:lstStyle>
             <a:lvl1pPr marL="0" indent="0">
               <a:buNone/>
-              <a:defRPr sz="1600"/>
+              <a:defRPr sz="1400"/>
             </a:lvl1pPr>
-            <a:lvl2pPr marL="457200" indent="0">
+            <a:lvl2pPr marL="457063" indent="0">
               <a:buNone/>
               <a:defRPr sz="1400"/>
             </a:lvl2pPr>
-            <a:lvl3pPr marL="914400" indent="0">
+            <a:lvl3pPr marL="914126" indent="0">
               <a:buNone/>
               <a:defRPr sz="1200"/>
             </a:lvl3pPr>
-            <a:lvl4pPr marL="1371600" indent="0">
+            <a:lvl4pPr marL="1371189" indent="0">
               <a:buNone/>
               <a:defRPr sz="1000"/>
             </a:lvl4pPr>
-            <a:lvl5pPr marL="1828800" indent="0">
+            <a:lvl5pPr marL="1828251" indent="0">
               <a:buNone/>
               <a:defRPr sz="1000"/>
             </a:lvl5pPr>
-            <a:lvl6pPr marL="2286000" indent="0">
+            <a:lvl6pPr marL="2285314" indent="0">
               <a:buNone/>
               <a:defRPr sz="1000"/>
             </a:lvl6pPr>
-            <a:lvl7pPr marL="2743200" indent="0">
+            <a:lvl7pPr marL="2742377" indent="0">
               <a:buNone/>
               <a:defRPr sz="1000"/>
             </a:lvl7pPr>
-            <a:lvl8pPr marL="3200400" indent="0">
+            <a:lvl8pPr marL="3199440" indent="0">
               <a:buNone/>
               <a:defRPr sz="1000"/>
             </a:lvl8pPr>
-            <a:lvl9pPr marL="3657600" indent="0">
+            <a:lvl9pPr marL="3656503" indent="0">
               <a:buNone/>
               <a:defRPr sz="1000"/>
             </a:lvl9pPr>
@@ -2373,13 +4293,7 @@
       </p:sp>
       <p:sp>
         <p:nvSpPr>
-          <p:cNvPr id="5" name="Date Placeholder 4">
-            <a:extLst>
-              <a:ext uri="{FF2B5EF4-FFF2-40B4-BE49-F238E27FC236}">
-                <a16:creationId xmlns:a16="http://schemas.microsoft.com/office/drawing/2014/main" id="{28FDAAFF-BA4E-7A72-53B9-0D157531C466}"/>
-              </a:ext>
-            </a:extLst>
-          </p:cNvPr>
+          <p:cNvPr id="5" name="Date Placeholder 4"/>
           <p:cNvSpPr>
             <a:spLocks noGrp="1"/>
           </p:cNvSpPr>
@@ -2394,7 +4308,7 @@
           <a:p>
             <a:fld id="{D2420793-031C-4ADB-A567-DC1F189C180B}" type="datetimeFigureOut">
               <a:rPr lang="en-GB" smtClean="0"/>
-              <a:t>26/10/2022</a:t>
+              <a:t>30/10/2022</a:t>
             </a:fld>
             <a:endParaRPr lang="en-GB"/>
           </a:p>
@@ -2402,13 +4316,7 @@
       </p:sp>
       <p:sp>
         <p:nvSpPr>
-          <p:cNvPr id="6" name="Footer Placeholder 5">
-            <a:extLst>
-              <a:ext uri="{FF2B5EF4-FFF2-40B4-BE49-F238E27FC236}">
-                <a16:creationId xmlns:a16="http://schemas.microsoft.com/office/drawing/2014/main" id="{DBC986B7-526F-6C20-0E10-60973105DF7D}"/>
-              </a:ext>
-            </a:extLst>
-          </p:cNvPr>
+          <p:cNvPr id="6" name="Footer Placeholder 5"/>
           <p:cNvSpPr>
             <a:spLocks noGrp="1"/>
           </p:cNvSpPr>
@@ -2427,13 +4335,7 @@
       </p:sp>
       <p:sp>
         <p:nvSpPr>
-          <p:cNvPr id="7" name="Slide Number Placeholder 6">
-            <a:extLst>
-              <a:ext uri="{FF2B5EF4-FFF2-40B4-BE49-F238E27FC236}">
-                <a16:creationId xmlns:a16="http://schemas.microsoft.com/office/drawing/2014/main" id="{56CFA6E1-5BC6-1ED7-C3D4-22C621D2BFEA}"/>
-              </a:ext>
-            </a:extLst>
-          </p:cNvPr>
+          <p:cNvPr id="7" name="Slide Number Placeholder 6"/>
           <p:cNvSpPr>
             <a:spLocks noGrp="1"/>
           </p:cNvSpPr>
@@ -2457,7 +4359,7 @@
     </p:spTree>
     <p:extLst>
       <p:ext uri="{BB962C8B-B14F-4D97-AF65-F5344CB8AC3E}">
-        <p14:creationId xmlns:p14="http://schemas.microsoft.com/office/powerpoint/2010/main" val="3207315275"/>
+        <p14:creationId xmlns:p14="http://schemas.microsoft.com/office/powerpoint/2010/main" val="1109006518"/>
       </p:ext>
     </p:extLst>
   </p:cSld>
@@ -2486,13 +4388,7 @@
       </p:grpSpPr>
       <p:sp>
         <p:nvSpPr>
-          <p:cNvPr id="2" name="Title 1">
-            <a:extLst>
-              <a:ext uri="{FF2B5EF4-FFF2-40B4-BE49-F238E27FC236}">
-                <a16:creationId xmlns:a16="http://schemas.microsoft.com/office/drawing/2014/main" id="{DF344332-98D0-1CF0-0633-9B07EECA36B3}"/>
-              </a:ext>
-            </a:extLst>
-          </p:cNvPr>
+          <p:cNvPr id="2" name="Title 1"/>
           <p:cNvSpPr>
             <a:spLocks noGrp="1"/>
           </p:cNvSpPr>
@@ -2502,15 +4398,17 @@
         </p:nvSpPr>
         <p:spPr>
           <a:xfrm>
-            <a:off x="839788" y="457200"/>
-            <a:ext cx="3932237" cy="1600200"/>
+            <a:off x="677334" y="4800600"/>
+            <a:ext cx="8596667" cy="566738"/>
           </a:xfrm>
         </p:spPr>
         <p:txBody>
-          <a:bodyPr anchor="b"/>
+          <a:bodyPr anchor="b">
+            <a:normAutofit/>
+          </a:bodyPr>
           <a:lstStyle>
-            <a:lvl1pPr>
-              <a:defRPr sz="3200"/>
+            <a:lvl1pPr algn="l">
+              <a:defRPr sz="2400" b="0"/>
             </a:lvl1pPr>
           </a:lstStyle>
           <a:p>
@@ -2518,21 +4416,15 @@
               <a:rPr lang="en-US"/>
               <a:t>Click to edit Master title style</a:t>
             </a:r>
-            <a:endParaRPr lang="en-GB"/>
-          </a:p>
-        </p:txBody>
-      </p:sp>
-      <p:sp>
-        <p:nvSpPr>
-          <p:cNvPr id="3" name="Picture Placeholder 2">
-            <a:extLst>
-              <a:ext uri="{FF2B5EF4-FFF2-40B4-BE49-F238E27FC236}">
-                <a16:creationId xmlns:a16="http://schemas.microsoft.com/office/drawing/2014/main" id="{15029FDE-D731-B693-2F33-244577F83F34}"/>
-              </a:ext>
-            </a:extLst>
-          </p:cNvPr>
-          <p:cNvSpPr>
-            <a:spLocks noGrp="1"/>
+            <a:endParaRPr lang="en-US" dirty="0"/>
+          </a:p>
+        </p:txBody>
+      </p:sp>
+      <p:sp>
+        <p:nvSpPr>
+          <p:cNvPr id="3" name="Picture Placeholder 2"/>
+          <p:cNvSpPr>
+            <a:spLocks noGrp="1" noChangeAspect="1"/>
           </p:cNvSpPr>
           <p:nvPr>
             <p:ph type="pic" idx="1"/>
@@ -2540,118 +4432,120 @@
         </p:nvSpPr>
         <p:spPr>
           <a:xfrm>
-            <a:off x="5183188" y="987425"/>
-            <a:ext cx="6172200" cy="4873625"/>
+            <a:off x="677334" y="609600"/>
+            <a:ext cx="8596668" cy="3845718"/>
           </a:xfrm>
         </p:spPr>
         <p:txBody>
-          <a:bodyPr/>
+          <a:bodyPr anchor="t">
+            <a:normAutofit/>
+          </a:bodyPr>
           <a:lstStyle>
-            <a:lvl1pPr marL="0" indent="0">
-              <a:buNone/>
-              <a:defRPr sz="3200"/>
-            </a:lvl1pPr>
-            <a:lvl2pPr marL="457200" indent="0">
-              <a:buNone/>
-              <a:defRPr sz="2800"/>
-            </a:lvl2pPr>
-            <a:lvl3pPr marL="914400" indent="0">
-              <a:buNone/>
-              <a:defRPr sz="2400"/>
-            </a:lvl3pPr>
-            <a:lvl4pPr marL="1371600" indent="0">
-              <a:buNone/>
-              <a:defRPr sz="2000"/>
-            </a:lvl4pPr>
-            <a:lvl5pPr marL="1828800" indent="0">
-              <a:buNone/>
-              <a:defRPr sz="2000"/>
-            </a:lvl5pPr>
-            <a:lvl6pPr marL="2286000" indent="0">
-              <a:buNone/>
-              <a:defRPr sz="2000"/>
-            </a:lvl6pPr>
-            <a:lvl7pPr marL="2743200" indent="0">
-              <a:buNone/>
-              <a:defRPr sz="2000"/>
-            </a:lvl7pPr>
-            <a:lvl8pPr marL="3200400" indent="0">
-              <a:buNone/>
-              <a:defRPr sz="2000"/>
-            </a:lvl8pPr>
-            <a:lvl9pPr marL="3657600" indent="0">
-              <a:buNone/>
-              <a:defRPr sz="2000"/>
-            </a:lvl9pPr>
-          </a:lstStyle>
-          <a:p>
-            <a:endParaRPr lang="en-GB"/>
-          </a:p>
-        </p:txBody>
-      </p:sp>
-      <p:sp>
-        <p:nvSpPr>
-          <p:cNvPr id="4" name="Text Placeholder 3">
-            <a:extLst>
-              <a:ext uri="{FF2B5EF4-FFF2-40B4-BE49-F238E27FC236}">
-                <a16:creationId xmlns:a16="http://schemas.microsoft.com/office/drawing/2014/main" id="{1E7BD652-D68F-03C8-71BD-0AD74177F2F4}"/>
-              </a:ext>
-            </a:extLst>
-          </p:cNvPr>
-          <p:cNvSpPr>
-            <a:spLocks noGrp="1"/>
-          </p:cNvSpPr>
-          <p:nvPr>
-            <p:ph type="body" sz="half" idx="2"/>
-          </p:nvPr>
-        </p:nvSpPr>
-        <p:spPr>
-          <a:xfrm>
-            <a:off x="839788" y="2057400"/>
-            <a:ext cx="3932237" cy="3811588"/>
-          </a:xfrm>
-        </p:spPr>
-        <p:txBody>
-          <a:bodyPr/>
-          <a:lstStyle>
-            <a:lvl1pPr marL="0" indent="0">
+            <a:lvl1pPr marL="0" indent="0" algn="ctr">
               <a:buNone/>
               <a:defRPr sz="1600"/>
             </a:lvl1pPr>
             <a:lvl2pPr marL="457200" indent="0">
               <a:buNone/>
-              <a:defRPr sz="1400"/>
+              <a:defRPr sz="1600"/>
             </a:lvl2pPr>
             <a:lvl3pPr marL="914400" indent="0">
               <a:buNone/>
-              <a:defRPr sz="1200"/>
+              <a:defRPr sz="1600"/>
             </a:lvl3pPr>
             <a:lvl4pPr marL="1371600" indent="0">
               <a:buNone/>
-              <a:defRPr sz="1000"/>
+              <a:defRPr sz="1600"/>
             </a:lvl4pPr>
             <a:lvl5pPr marL="1828800" indent="0">
               <a:buNone/>
-              <a:defRPr sz="1000"/>
+              <a:defRPr sz="1600"/>
             </a:lvl5pPr>
             <a:lvl6pPr marL="2286000" indent="0">
               <a:buNone/>
-              <a:defRPr sz="1000"/>
+              <a:defRPr sz="1600"/>
             </a:lvl6pPr>
             <a:lvl7pPr marL="2743200" indent="0">
               <a:buNone/>
-              <a:defRPr sz="1000"/>
+              <a:defRPr sz="1600"/>
             </a:lvl7pPr>
             <a:lvl8pPr marL="3200400" indent="0">
               <a:buNone/>
-              <a:defRPr sz="1000"/>
+              <a:defRPr sz="1600"/>
             </a:lvl8pPr>
             <a:lvl9pPr marL="3657600" indent="0">
               <a:buNone/>
-              <a:defRPr sz="1000"/>
+              <a:defRPr sz="1600"/>
             </a:lvl9pPr>
           </a:lstStyle>
           <a:p>
+            <a:r>
+              <a:rPr lang="en-US"/>
+              <a:t>Click icon to add picture</a:t>
+            </a:r>
+            <a:endParaRPr lang="en-US" dirty="0"/>
+          </a:p>
+        </p:txBody>
+      </p:sp>
+      <p:sp>
+        <p:nvSpPr>
+          <p:cNvPr id="4" name="Text Placeholder 3"/>
+          <p:cNvSpPr>
+            <a:spLocks noGrp="1"/>
+          </p:cNvSpPr>
+          <p:nvPr>
+            <p:ph type="body" sz="half" idx="2"/>
+          </p:nvPr>
+        </p:nvSpPr>
+        <p:spPr>
+          <a:xfrm>
+            <a:off x="677334" y="5367338"/>
+            <a:ext cx="8596667" cy="674024"/>
+          </a:xfrm>
+        </p:spPr>
+        <p:txBody>
+          <a:bodyPr>
+            <a:normAutofit/>
+          </a:bodyPr>
+          <a:lstStyle>
+            <a:lvl1pPr marL="0" indent="0">
+              <a:buNone/>
+              <a:defRPr sz="1200"/>
+            </a:lvl1pPr>
+            <a:lvl2pPr marL="457200" indent="0">
+              <a:buNone/>
+              <a:defRPr sz="1200"/>
+            </a:lvl2pPr>
+            <a:lvl3pPr marL="914400" indent="0">
+              <a:buNone/>
+              <a:defRPr sz="1000"/>
+            </a:lvl3pPr>
+            <a:lvl4pPr marL="1371600" indent="0">
+              <a:buNone/>
+              <a:defRPr sz="900"/>
+            </a:lvl4pPr>
+            <a:lvl5pPr marL="1828800" indent="0">
+              <a:buNone/>
+              <a:defRPr sz="900"/>
+            </a:lvl5pPr>
+            <a:lvl6pPr marL="2286000" indent="0">
+              <a:buNone/>
+              <a:defRPr sz="900"/>
+            </a:lvl6pPr>
+            <a:lvl7pPr marL="2743200" indent="0">
+              <a:buNone/>
+              <a:defRPr sz="900"/>
+            </a:lvl7pPr>
+            <a:lvl8pPr marL="3200400" indent="0">
+              <a:buNone/>
+              <a:defRPr sz="900"/>
+            </a:lvl8pPr>
+            <a:lvl9pPr marL="3657600" indent="0">
+              <a:buNone/>
+              <a:defRPr sz="900"/>
+            </a:lvl9pPr>
+          </a:lstStyle>
+          <a:p>
             <a:pPr lvl="0"/>
             <a:r>
               <a:rPr lang="en-US"/>
@@ -2662,13 +4556,7 @@
       </p:sp>
       <p:sp>
         <p:nvSpPr>
-          <p:cNvPr id="5" name="Date Placeholder 4">
-            <a:extLst>
-              <a:ext uri="{FF2B5EF4-FFF2-40B4-BE49-F238E27FC236}">
-                <a16:creationId xmlns:a16="http://schemas.microsoft.com/office/drawing/2014/main" id="{F3DAC5A0-8638-841B-6D63-86DAC61F98D3}"/>
-              </a:ext>
-            </a:extLst>
-          </p:cNvPr>
+          <p:cNvPr id="5" name="Date Placeholder 4"/>
           <p:cNvSpPr>
             <a:spLocks noGrp="1"/>
           </p:cNvSpPr>
@@ -2683,7 +4571,7 @@
           <a:p>
             <a:fld id="{D2420793-031C-4ADB-A567-DC1F189C180B}" type="datetimeFigureOut">
               <a:rPr lang="en-GB" smtClean="0"/>
-              <a:t>26/10/2022</a:t>
+              <a:t>30/10/2022</a:t>
             </a:fld>
             <a:endParaRPr lang="en-GB"/>
           </a:p>
@@ -2691,13 +4579,7 @@
       </p:sp>
       <p:sp>
         <p:nvSpPr>
-          <p:cNvPr id="6" name="Footer Placeholder 5">
-            <a:extLst>
-              <a:ext uri="{FF2B5EF4-FFF2-40B4-BE49-F238E27FC236}">
-                <a16:creationId xmlns:a16="http://schemas.microsoft.com/office/drawing/2014/main" id="{28FFC681-3559-BB27-599A-BD52AFBF9DFD}"/>
-              </a:ext>
-            </a:extLst>
-          </p:cNvPr>
+          <p:cNvPr id="6" name="Footer Placeholder 5"/>
           <p:cNvSpPr>
             <a:spLocks noGrp="1"/>
           </p:cNvSpPr>
@@ -2716,13 +4598,7 @@
       </p:sp>
       <p:sp>
         <p:nvSpPr>
-          <p:cNvPr id="7" name="Slide Number Placeholder 6">
-            <a:extLst>
-              <a:ext uri="{FF2B5EF4-FFF2-40B4-BE49-F238E27FC236}">
-                <a16:creationId xmlns:a16="http://schemas.microsoft.com/office/drawing/2014/main" id="{D992522B-8BFF-037D-9C93-DEE31C1B7815}"/>
-              </a:ext>
-            </a:extLst>
-          </p:cNvPr>
+          <p:cNvPr id="7" name="Slide Number Placeholder 6"/>
           <p:cNvSpPr>
             <a:spLocks noGrp="1"/>
           </p:cNvSpPr>
@@ -2746,7 +4622,7 @@
     </p:spTree>
     <p:extLst>
       <p:ext uri="{BB962C8B-B14F-4D97-AF65-F5344CB8AC3E}">
-        <p14:creationId xmlns:p14="http://schemas.microsoft.com/office/powerpoint/2010/main" val="414639147"/>
+        <p14:creationId xmlns:p14="http://schemas.microsoft.com/office/powerpoint/2010/main" val="1888821898"/>
       </p:ext>
     </p:extLst>
   </p:cSld>
@@ -2778,15 +4654,539 @@
           <a:chExt cx="0" cy="0"/>
         </a:xfrm>
       </p:grpSpPr>
-      <p:sp>
-        <p:nvSpPr>
-          <p:cNvPr id="2" name="Title Placeholder 1">
-            <a:extLst>
-              <a:ext uri="{FF2B5EF4-FFF2-40B4-BE49-F238E27FC236}">
-                <a16:creationId xmlns:a16="http://schemas.microsoft.com/office/drawing/2014/main" id="{AE32F8F6-30CF-78F3-4696-D2F818008CFA}"/>
-              </a:ext>
-            </a:extLst>
-          </p:cNvPr>
+      <p:grpSp>
+        <p:nvGrpSpPr>
+          <p:cNvPr id="7" name="Group 6"/>
+          <p:cNvGrpSpPr/>
+          <p:nvPr/>
+        </p:nvGrpSpPr>
+        <p:grpSpPr>
+          <a:xfrm>
+            <a:off x="0" y="-8467"/>
+            <a:ext cx="12192000" cy="6866467"/>
+            <a:chOff x="0" y="-8467"/>
+            <a:chExt cx="12192000" cy="6866467"/>
+          </a:xfrm>
+        </p:grpSpPr>
+        <p:cxnSp>
+          <p:nvCxnSpPr>
+            <p:cNvPr id="20" name="Straight Connector 19"/>
+            <p:cNvCxnSpPr/>
+            <p:nvPr/>
+          </p:nvCxnSpPr>
+          <p:spPr>
+            <a:xfrm>
+              <a:off x="9371012" y="0"/>
+              <a:ext cx="1219200" cy="6858000"/>
+            </a:xfrm>
+            <a:prstGeom prst="line">
+              <a:avLst/>
+            </a:prstGeom>
+            <a:ln w="9525">
+              <a:solidFill>
+                <a:schemeClr val="bg1">
+                  <a:lumMod val="75000"/>
+                </a:schemeClr>
+              </a:solidFill>
+            </a:ln>
+          </p:spPr>
+          <p:style>
+            <a:lnRef idx="2">
+              <a:schemeClr val="accent1"/>
+            </a:lnRef>
+            <a:fillRef idx="0">
+              <a:schemeClr val="accent1"/>
+            </a:fillRef>
+            <a:effectRef idx="1">
+              <a:schemeClr val="accent1"/>
+            </a:effectRef>
+            <a:fontRef idx="minor">
+              <a:schemeClr val="tx1"/>
+            </a:fontRef>
+          </p:style>
+        </p:cxnSp>
+        <p:cxnSp>
+          <p:nvCxnSpPr>
+            <p:cNvPr id="21" name="Straight Connector 20"/>
+            <p:cNvCxnSpPr/>
+            <p:nvPr/>
+          </p:nvCxnSpPr>
+          <p:spPr>
+            <a:xfrm flipH="1">
+              <a:off x="7425267" y="3681413"/>
+              <a:ext cx="4763558" cy="3176587"/>
+            </a:xfrm>
+            <a:prstGeom prst="line">
+              <a:avLst/>
+            </a:prstGeom>
+            <a:ln w="9525">
+              <a:solidFill>
+                <a:schemeClr val="bg1">
+                  <a:lumMod val="85000"/>
+                </a:schemeClr>
+              </a:solidFill>
+            </a:ln>
+          </p:spPr>
+          <p:style>
+            <a:lnRef idx="2">
+              <a:schemeClr val="accent1"/>
+            </a:lnRef>
+            <a:fillRef idx="0">
+              <a:schemeClr val="accent1"/>
+            </a:fillRef>
+            <a:effectRef idx="1">
+              <a:schemeClr val="accent1"/>
+            </a:effectRef>
+            <a:fontRef idx="minor">
+              <a:schemeClr val="tx1"/>
+            </a:fontRef>
+          </p:style>
+        </p:cxnSp>
+        <p:sp>
+          <p:nvSpPr>
+            <p:cNvPr id="22" name="Rectangle 23"/>
+            <p:cNvSpPr/>
+            <p:nvPr/>
+          </p:nvSpPr>
+          <p:spPr>
+            <a:xfrm>
+              <a:off x="9181476" y="-8467"/>
+              <a:ext cx="3007349" cy="6866467"/>
+            </a:xfrm>
+            <a:custGeom>
+              <a:avLst/>
+              <a:gdLst/>
+              <a:ahLst/>
+              <a:cxnLst/>
+              <a:rect l="l" t="t" r="r" b="b"/>
+              <a:pathLst>
+                <a:path w="3007349" h="6866467">
+                  <a:moveTo>
+                    <a:pt x="2045532" y="0"/>
+                  </a:moveTo>
+                  <a:lnTo>
+                    <a:pt x="3007349" y="0"/>
+                  </a:lnTo>
+                  <a:lnTo>
+                    <a:pt x="3007349" y="6866467"/>
+                  </a:lnTo>
+                  <a:lnTo>
+                    <a:pt x="0" y="6866467"/>
+                  </a:lnTo>
+                  <a:lnTo>
+                    <a:pt x="2045532" y="0"/>
+                  </a:lnTo>
+                  <a:close/>
+                </a:path>
+              </a:pathLst>
+            </a:custGeom>
+            <a:solidFill>
+              <a:schemeClr val="accent1">
+                <a:alpha val="30000"/>
+              </a:schemeClr>
+            </a:solidFill>
+            <a:ln>
+              <a:noFill/>
+            </a:ln>
+            <a:effectLst/>
+          </p:spPr>
+          <p:style>
+            <a:lnRef idx="1">
+              <a:schemeClr val="accent1"/>
+            </a:lnRef>
+            <a:fillRef idx="3">
+              <a:schemeClr val="accent1"/>
+            </a:fillRef>
+            <a:effectRef idx="2">
+              <a:schemeClr val="accent1"/>
+            </a:effectRef>
+            <a:fontRef idx="minor">
+              <a:schemeClr val="lt1"/>
+            </a:fontRef>
+          </p:style>
+        </p:sp>
+        <p:sp>
+          <p:nvSpPr>
+            <p:cNvPr id="23" name="Rectangle 25"/>
+            <p:cNvSpPr/>
+            <p:nvPr/>
+          </p:nvSpPr>
+          <p:spPr>
+            <a:xfrm>
+              <a:off x="9603442" y="-8467"/>
+              <a:ext cx="2588558" cy="6866467"/>
+            </a:xfrm>
+            <a:custGeom>
+              <a:avLst/>
+              <a:gdLst/>
+              <a:ahLst/>
+              <a:cxnLst/>
+              <a:rect l="l" t="t" r="r" b="b"/>
+              <a:pathLst>
+                <a:path w="2573311" h="6866467">
+                  <a:moveTo>
+                    <a:pt x="0" y="0"/>
+                  </a:moveTo>
+                  <a:lnTo>
+                    <a:pt x="2573311" y="0"/>
+                  </a:lnTo>
+                  <a:lnTo>
+                    <a:pt x="2573311" y="6866467"/>
+                  </a:lnTo>
+                  <a:lnTo>
+                    <a:pt x="1202336" y="6866467"/>
+                  </a:lnTo>
+                  <a:lnTo>
+                    <a:pt x="0" y="0"/>
+                  </a:lnTo>
+                  <a:close/>
+                </a:path>
+              </a:pathLst>
+            </a:custGeom>
+            <a:solidFill>
+              <a:schemeClr val="accent1">
+                <a:alpha val="20000"/>
+              </a:schemeClr>
+            </a:solidFill>
+            <a:ln>
+              <a:noFill/>
+            </a:ln>
+            <a:effectLst/>
+          </p:spPr>
+          <p:style>
+            <a:lnRef idx="1">
+              <a:schemeClr val="accent1"/>
+            </a:lnRef>
+            <a:fillRef idx="3">
+              <a:schemeClr val="accent1"/>
+            </a:fillRef>
+            <a:effectRef idx="2">
+              <a:schemeClr val="accent1"/>
+            </a:effectRef>
+            <a:fontRef idx="minor">
+              <a:schemeClr val="lt1"/>
+            </a:fontRef>
+          </p:style>
+        </p:sp>
+        <p:sp>
+          <p:nvSpPr>
+            <p:cNvPr id="24" name="Isosceles Triangle 23"/>
+            <p:cNvSpPr/>
+            <p:nvPr/>
+          </p:nvSpPr>
+          <p:spPr>
+            <a:xfrm>
+              <a:off x="8932333" y="3048000"/>
+              <a:ext cx="3259667" cy="3810000"/>
+            </a:xfrm>
+            <a:prstGeom prst="triangle">
+              <a:avLst>
+                <a:gd name="adj" fmla="val 100000"/>
+              </a:avLst>
+            </a:prstGeom>
+            <a:solidFill>
+              <a:schemeClr val="accent2">
+                <a:alpha val="72000"/>
+              </a:schemeClr>
+            </a:solidFill>
+            <a:ln>
+              <a:noFill/>
+            </a:ln>
+            <a:effectLst/>
+          </p:spPr>
+          <p:style>
+            <a:lnRef idx="1">
+              <a:schemeClr val="accent1"/>
+            </a:lnRef>
+            <a:fillRef idx="3">
+              <a:schemeClr val="accent1"/>
+            </a:fillRef>
+            <a:effectRef idx="2">
+              <a:schemeClr val="accent1"/>
+            </a:effectRef>
+            <a:fontRef idx="minor">
+              <a:schemeClr val="lt1"/>
+            </a:fontRef>
+          </p:style>
+        </p:sp>
+        <p:sp>
+          <p:nvSpPr>
+            <p:cNvPr id="25" name="Rectangle 27"/>
+            <p:cNvSpPr/>
+            <p:nvPr/>
+          </p:nvSpPr>
+          <p:spPr>
+            <a:xfrm>
+              <a:off x="9334500" y="-8467"/>
+              <a:ext cx="2854326" cy="6866467"/>
+            </a:xfrm>
+            <a:custGeom>
+              <a:avLst/>
+              <a:gdLst/>
+              <a:ahLst/>
+              <a:cxnLst/>
+              <a:rect l="l" t="t" r="r" b="b"/>
+              <a:pathLst>
+                <a:path w="2858013" h="6866467">
+                  <a:moveTo>
+                    <a:pt x="0" y="0"/>
+                  </a:moveTo>
+                  <a:lnTo>
+                    <a:pt x="2858013" y="0"/>
+                  </a:lnTo>
+                  <a:lnTo>
+                    <a:pt x="2858013" y="6866467"/>
+                  </a:lnTo>
+                  <a:lnTo>
+                    <a:pt x="2473942" y="6866467"/>
+                  </a:lnTo>
+                  <a:lnTo>
+                    <a:pt x="0" y="0"/>
+                  </a:lnTo>
+                  <a:close/>
+                </a:path>
+              </a:pathLst>
+            </a:custGeom>
+            <a:solidFill>
+              <a:schemeClr val="accent2">
+                <a:lumMod val="75000"/>
+                <a:alpha val="70000"/>
+              </a:schemeClr>
+            </a:solidFill>
+            <a:ln>
+              <a:noFill/>
+            </a:ln>
+            <a:effectLst/>
+          </p:spPr>
+          <p:style>
+            <a:lnRef idx="1">
+              <a:schemeClr val="accent1"/>
+            </a:lnRef>
+            <a:fillRef idx="3">
+              <a:schemeClr val="accent1"/>
+            </a:fillRef>
+            <a:effectRef idx="2">
+              <a:schemeClr val="accent1"/>
+            </a:effectRef>
+            <a:fontRef idx="minor">
+              <a:schemeClr val="lt1"/>
+            </a:fontRef>
+          </p:style>
+        </p:sp>
+        <p:sp>
+          <p:nvSpPr>
+            <p:cNvPr id="26" name="Rectangle 28"/>
+            <p:cNvSpPr/>
+            <p:nvPr/>
+          </p:nvSpPr>
+          <p:spPr>
+            <a:xfrm>
+              <a:off x="10898730" y="-8467"/>
+              <a:ext cx="1290094" cy="6866467"/>
+            </a:xfrm>
+            <a:custGeom>
+              <a:avLst/>
+              <a:gdLst/>
+              <a:ahLst/>
+              <a:cxnLst/>
+              <a:rect l="l" t="t" r="r" b="b"/>
+              <a:pathLst>
+                <a:path w="1290094" h="6858000">
+                  <a:moveTo>
+                    <a:pt x="1019735" y="0"/>
+                  </a:moveTo>
+                  <a:lnTo>
+                    <a:pt x="1290094" y="0"/>
+                  </a:lnTo>
+                  <a:lnTo>
+                    <a:pt x="1290094" y="6858000"/>
+                  </a:lnTo>
+                  <a:lnTo>
+                    <a:pt x="0" y="6858000"/>
+                  </a:lnTo>
+                  <a:lnTo>
+                    <a:pt x="1019735" y="0"/>
+                  </a:lnTo>
+                  <a:close/>
+                </a:path>
+              </a:pathLst>
+            </a:custGeom>
+            <a:solidFill>
+              <a:schemeClr val="accent1">
+                <a:lumMod val="60000"/>
+                <a:lumOff val="40000"/>
+                <a:alpha val="70000"/>
+              </a:schemeClr>
+            </a:solidFill>
+            <a:ln>
+              <a:noFill/>
+            </a:ln>
+            <a:effectLst/>
+          </p:spPr>
+          <p:style>
+            <a:lnRef idx="1">
+              <a:schemeClr val="accent1"/>
+            </a:lnRef>
+            <a:fillRef idx="3">
+              <a:schemeClr val="accent1"/>
+            </a:fillRef>
+            <a:effectRef idx="2">
+              <a:schemeClr val="accent1"/>
+            </a:effectRef>
+            <a:fontRef idx="minor">
+              <a:schemeClr val="lt1"/>
+            </a:fontRef>
+          </p:style>
+        </p:sp>
+        <p:sp>
+          <p:nvSpPr>
+            <p:cNvPr id="27" name="Rectangle 29"/>
+            <p:cNvSpPr/>
+            <p:nvPr/>
+          </p:nvSpPr>
+          <p:spPr>
+            <a:xfrm>
+              <a:off x="10938999" y="-8467"/>
+              <a:ext cx="1249825" cy="6866467"/>
+            </a:xfrm>
+            <a:custGeom>
+              <a:avLst/>
+              <a:gdLst/>
+              <a:ahLst/>
+              <a:cxnLst/>
+              <a:rect l="l" t="t" r="r" b="b"/>
+              <a:pathLst>
+                <a:path w="1249825" h="6858000">
+                  <a:moveTo>
+                    <a:pt x="0" y="0"/>
+                  </a:moveTo>
+                  <a:lnTo>
+                    <a:pt x="1249825" y="0"/>
+                  </a:lnTo>
+                  <a:lnTo>
+                    <a:pt x="1249825" y="6858000"/>
+                  </a:lnTo>
+                  <a:lnTo>
+                    <a:pt x="1109382" y="6858000"/>
+                  </a:lnTo>
+                  <a:lnTo>
+                    <a:pt x="0" y="0"/>
+                  </a:lnTo>
+                  <a:close/>
+                </a:path>
+              </a:pathLst>
+            </a:custGeom>
+            <a:solidFill>
+              <a:schemeClr val="accent1">
+                <a:alpha val="65000"/>
+              </a:schemeClr>
+            </a:solidFill>
+            <a:ln>
+              <a:noFill/>
+            </a:ln>
+            <a:effectLst/>
+          </p:spPr>
+          <p:style>
+            <a:lnRef idx="1">
+              <a:schemeClr val="accent1"/>
+            </a:lnRef>
+            <a:fillRef idx="3">
+              <a:schemeClr val="accent1"/>
+            </a:fillRef>
+            <a:effectRef idx="2">
+              <a:schemeClr val="accent1"/>
+            </a:effectRef>
+            <a:fontRef idx="minor">
+              <a:schemeClr val="lt1"/>
+            </a:fontRef>
+          </p:style>
+        </p:sp>
+        <p:sp>
+          <p:nvSpPr>
+            <p:cNvPr id="28" name="Isosceles Triangle 27"/>
+            <p:cNvSpPr/>
+            <p:nvPr/>
+          </p:nvSpPr>
+          <p:spPr>
+            <a:xfrm>
+              <a:off x="10371666" y="3589867"/>
+              <a:ext cx="1817159" cy="3268133"/>
+            </a:xfrm>
+            <a:prstGeom prst="triangle">
+              <a:avLst>
+                <a:gd name="adj" fmla="val 100000"/>
+              </a:avLst>
+            </a:prstGeom>
+            <a:solidFill>
+              <a:schemeClr val="accent1">
+                <a:alpha val="80000"/>
+              </a:schemeClr>
+            </a:solidFill>
+            <a:ln>
+              <a:noFill/>
+            </a:ln>
+            <a:effectLst/>
+          </p:spPr>
+          <p:style>
+            <a:lnRef idx="1">
+              <a:schemeClr val="accent1"/>
+            </a:lnRef>
+            <a:fillRef idx="3">
+              <a:schemeClr val="accent1"/>
+            </a:fillRef>
+            <a:effectRef idx="2">
+              <a:schemeClr val="accent1"/>
+            </a:effectRef>
+            <a:fontRef idx="minor">
+              <a:schemeClr val="lt1"/>
+            </a:fontRef>
+          </p:style>
+        </p:sp>
+        <p:sp>
+          <p:nvSpPr>
+            <p:cNvPr id="29" name="Isosceles Triangle 28"/>
+            <p:cNvSpPr/>
+            <p:nvPr/>
+          </p:nvSpPr>
+          <p:spPr>
+            <a:xfrm>
+              <a:off x="0" y="4013200"/>
+              <a:ext cx="448733" cy="2844800"/>
+            </a:xfrm>
+            <a:prstGeom prst="triangle">
+              <a:avLst>
+                <a:gd name="adj" fmla="val 0"/>
+              </a:avLst>
+            </a:prstGeom>
+            <a:solidFill>
+              <a:schemeClr val="accent1">
+                <a:alpha val="85000"/>
+              </a:schemeClr>
+            </a:solidFill>
+            <a:ln>
+              <a:noFill/>
+            </a:ln>
+            <a:effectLst/>
+          </p:spPr>
+          <p:style>
+            <a:lnRef idx="1">
+              <a:schemeClr val="accent1"/>
+            </a:lnRef>
+            <a:fillRef idx="3">
+              <a:schemeClr val="accent1"/>
+            </a:fillRef>
+            <a:effectRef idx="2">
+              <a:schemeClr val="accent1"/>
+            </a:effectRef>
+            <a:fontRef idx="minor">
+              <a:schemeClr val="lt1"/>
+            </a:fontRef>
+          </p:style>
+        </p:sp>
+      </p:grpSp>
+      <p:sp>
+        <p:nvSpPr>
+          <p:cNvPr id="2" name="Title Placeholder 1"/>
           <p:cNvSpPr>
             <a:spLocks noGrp="1"/>
           </p:cNvSpPr>
@@ -2796,15 +5196,15 @@
         </p:nvSpPr>
         <p:spPr>
           <a:xfrm>
-            <a:off x="838200" y="365125"/>
-            <a:ext cx="10515600" cy="1325563"/>
+            <a:off x="677334" y="609600"/>
+            <a:ext cx="8596668" cy="1320800"/>
           </a:xfrm>
           <a:prstGeom prst="rect">
             <a:avLst/>
           </a:prstGeom>
         </p:spPr>
         <p:txBody>
-          <a:bodyPr vert="horz" lIns="91440" tIns="45720" rIns="91440" bIns="45720" rtlCol="0" anchor="ctr">
+          <a:bodyPr vert="horz" lIns="91440" tIns="45720" rIns="91440" bIns="45720" rtlCol="0" anchor="t">
             <a:normAutofit/>
           </a:bodyPr>
           <a:lstStyle/>
@@ -2813,19 +5213,13 @@
               <a:rPr lang="en-US"/>
               <a:t>Click to edit Master title style</a:t>
             </a:r>
-            <a:endParaRPr lang="en-GB"/>
-          </a:p>
-        </p:txBody>
-      </p:sp>
-      <p:sp>
-        <p:nvSpPr>
-          <p:cNvPr id="3" name="Text Placeholder 2">
-            <a:extLst>
-              <a:ext uri="{FF2B5EF4-FFF2-40B4-BE49-F238E27FC236}">
-                <a16:creationId xmlns:a16="http://schemas.microsoft.com/office/drawing/2014/main" id="{F2FAF117-A868-4E66-73A6-FC16F446309C}"/>
-              </a:ext>
-            </a:extLst>
-          </p:cNvPr>
+            <a:endParaRPr lang="en-US" dirty="0"/>
+          </a:p>
+        </p:txBody>
+      </p:sp>
+      <p:sp>
+        <p:nvSpPr>
+          <p:cNvPr id="3" name="Text Placeholder 2"/>
           <p:cNvSpPr>
             <a:spLocks noGrp="1"/>
           </p:cNvSpPr>
@@ -2835,8 +5229,8 @@
         </p:nvSpPr>
         <p:spPr>
           <a:xfrm>
-            <a:off x="838200" y="1825625"/>
-            <a:ext cx="10515600" cy="4351338"/>
+            <a:off x="677334" y="2160589"/>
+            <a:ext cx="8596668" cy="3880773"/>
           </a:xfrm>
           <a:prstGeom prst="rect">
             <a:avLst/>
@@ -2881,19 +5275,13 @@
               <a:rPr lang="en-US"/>
               <a:t>Fifth level</a:t>
             </a:r>
-            <a:endParaRPr lang="en-GB"/>
-          </a:p>
-        </p:txBody>
-      </p:sp>
-      <p:sp>
-        <p:nvSpPr>
-          <p:cNvPr id="4" name="Date Placeholder 3">
-            <a:extLst>
-              <a:ext uri="{FF2B5EF4-FFF2-40B4-BE49-F238E27FC236}">
-                <a16:creationId xmlns:a16="http://schemas.microsoft.com/office/drawing/2014/main" id="{C4BB7E47-B081-8617-CD25-5B9823A063A6}"/>
-              </a:ext>
-            </a:extLst>
-          </p:cNvPr>
+            <a:endParaRPr lang="en-US" dirty="0"/>
+          </a:p>
+        </p:txBody>
+      </p:sp>
+      <p:sp>
+        <p:nvSpPr>
+          <p:cNvPr id="4" name="Date Placeholder 3"/>
           <p:cNvSpPr>
             <a:spLocks noGrp="1"/>
           </p:cNvSpPr>
@@ -2903,8 +5291,8 @@
         </p:nvSpPr>
         <p:spPr>
           <a:xfrm>
-            <a:off x="838200" y="6356350"/>
-            <a:ext cx="2743200" cy="365125"/>
+            <a:off x="7205133" y="6041362"/>
+            <a:ext cx="911939" cy="365125"/>
           </a:xfrm>
           <a:prstGeom prst="rect">
             <a:avLst/>
@@ -2913,8 +5301,8 @@
         <p:txBody>
           <a:bodyPr vert="horz" lIns="91440" tIns="45720" rIns="91440" bIns="45720" rtlCol="0" anchor="ctr"/>
           <a:lstStyle>
-            <a:lvl1pPr algn="l">
-              <a:defRPr sz="1200">
+            <a:lvl1pPr algn="r">
+              <a:defRPr sz="900">
                 <a:solidFill>
                   <a:schemeClr val="tx1">
                     <a:tint val="75000"/>
@@ -2926,7 +5314,7 @@
           <a:p>
             <a:fld id="{D2420793-031C-4ADB-A567-DC1F189C180B}" type="datetimeFigureOut">
               <a:rPr lang="en-GB" smtClean="0"/>
-              <a:t>26/10/2022</a:t>
+              <a:t>30/10/2022</a:t>
             </a:fld>
             <a:endParaRPr lang="en-GB"/>
           </a:p>
@@ -2934,13 +5322,7 @@
       </p:sp>
       <p:sp>
         <p:nvSpPr>
-          <p:cNvPr id="5" name="Footer Placeholder 4">
-            <a:extLst>
-              <a:ext uri="{FF2B5EF4-FFF2-40B4-BE49-F238E27FC236}">
-                <a16:creationId xmlns:a16="http://schemas.microsoft.com/office/drawing/2014/main" id="{881D473F-1ABA-4101-A01A-4FC79D48EC40}"/>
-              </a:ext>
-            </a:extLst>
-          </p:cNvPr>
+          <p:cNvPr id="5" name="Footer Placeholder 4"/>
           <p:cNvSpPr>
             <a:spLocks noGrp="1"/>
           </p:cNvSpPr>
@@ -2950,8 +5332,8 @@
         </p:nvSpPr>
         <p:spPr>
           <a:xfrm>
-            <a:off x="4038600" y="6356350"/>
-            <a:ext cx="4114800" cy="365125"/>
+            <a:off x="677334" y="6041362"/>
+            <a:ext cx="6297612" cy="365125"/>
           </a:xfrm>
           <a:prstGeom prst="rect">
             <a:avLst/>
@@ -2960,8 +5342,8 @@
         <p:txBody>
           <a:bodyPr vert="horz" lIns="91440" tIns="45720" rIns="91440" bIns="45720" rtlCol="0" anchor="ctr"/>
           <a:lstStyle>
-            <a:lvl1pPr algn="ctr">
-              <a:defRPr sz="1200">
+            <a:lvl1pPr algn="l">
+              <a:defRPr sz="900">
                 <a:solidFill>
                   <a:schemeClr val="tx1">
                     <a:tint val="75000"/>
@@ -2977,13 +5359,7 @@
       </p:sp>
       <p:sp>
         <p:nvSpPr>
-          <p:cNvPr id="6" name="Slide Number Placeholder 5">
-            <a:extLst>
-              <a:ext uri="{FF2B5EF4-FFF2-40B4-BE49-F238E27FC236}">
-                <a16:creationId xmlns:a16="http://schemas.microsoft.com/office/drawing/2014/main" id="{4C0EEAA3-5C55-9CF4-0234-CDA3D4849686}"/>
-              </a:ext>
-            </a:extLst>
-          </p:cNvPr>
+          <p:cNvPr id="6" name="Slide Number Placeholder 5"/>
           <p:cNvSpPr>
             <a:spLocks noGrp="1"/>
           </p:cNvSpPr>
@@ -2993,8 +5369,8 @@
         </p:nvSpPr>
         <p:spPr>
           <a:xfrm>
-            <a:off x="8610600" y="6356350"/>
-            <a:ext cx="2743200" cy="365125"/>
+            <a:off x="8590663" y="6041362"/>
+            <a:ext cx="683339" cy="365125"/>
           </a:xfrm>
           <a:prstGeom prst="rect">
             <a:avLst/>
@@ -3004,11 +5380,9 @@
           <a:bodyPr vert="horz" lIns="91440" tIns="45720" rIns="91440" bIns="45720" rtlCol="0" anchor="ctr"/>
           <a:lstStyle>
             <a:lvl1pPr algn="r">
-              <a:defRPr sz="1200">
+              <a:defRPr sz="900">
                 <a:solidFill>
-                  <a:schemeClr val="tx1">
-                    <a:tint val="75000"/>
-                  </a:schemeClr>
+                  <a:schemeClr val="accent1"/>
                 </a:solidFill>
               </a:defRPr>
             </a:lvl1pPr>
@@ -3025,201 +5399,322 @@
     </p:spTree>
     <p:extLst>
       <p:ext uri="{BB962C8B-B14F-4D97-AF65-F5344CB8AC3E}">
-        <p14:creationId xmlns:p14="http://schemas.microsoft.com/office/powerpoint/2010/main" val="3621263767"/>
+        <p14:creationId xmlns:p14="http://schemas.microsoft.com/office/powerpoint/2010/main" val="4271297405"/>
       </p:ext>
     </p:extLst>
   </p:cSld>
   <p:clrMap bg1="lt1" tx1="dk1" bg2="lt2" tx2="dk2" accent1="accent1" accent2="accent2" accent3="accent3" accent4="accent4" accent5="accent5" accent6="accent6" hlink="hlink" folHlink="folHlink"/>
   <p:sldLayoutIdLst>
-    <p:sldLayoutId id="2147483649" r:id="rId1"/>
-    <p:sldLayoutId id="2147483650" r:id="rId2"/>
-    <p:sldLayoutId id="2147483651" r:id="rId3"/>
-    <p:sldLayoutId id="2147483652" r:id="rId4"/>
-    <p:sldLayoutId id="2147483653" r:id="rId5"/>
-    <p:sldLayoutId id="2147483654" r:id="rId6"/>
-    <p:sldLayoutId id="2147483655" r:id="rId7"/>
-    <p:sldLayoutId id="2147483656" r:id="rId8"/>
-    <p:sldLayoutId id="2147483657" r:id="rId9"/>
-    <p:sldLayoutId id="2147483658" r:id="rId10"/>
-    <p:sldLayoutId id="2147483659" r:id="rId11"/>
+    <p:sldLayoutId id="2147483702" r:id="rId1"/>
+    <p:sldLayoutId id="2147483703" r:id="rId2"/>
+    <p:sldLayoutId id="2147483704" r:id="rId3"/>
+    <p:sldLayoutId id="2147483705" r:id="rId4"/>
+    <p:sldLayoutId id="2147483706" r:id="rId5"/>
+    <p:sldLayoutId id="2147483707" r:id="rId6"/>
+    <p:sldLayoutId id="2147483708" r:id="rId7"/>
+    <p:sldLayoutId id="2147483709" r:id="rId8"/>
+    <p:sldLayoutId id="2147483710" r:id="rId9"/>
+    <p:sldLayoutId id="2147483711" r:id="rId10"/>
+    <p:sldLayoutId id="2147483712" r:id="rId11"/>
+    <p:sldLayoutId id="2147483713" r:id="rId12"/>
+    <p:sldLayoutId id="2147483714" r:id="rId13"/>
+    <p:sldLayoutId id="2147483715" r:id="rId14"/>
+    <p:sldLayoutId id="2147483716" r:id="rId15"/>
+    <p:sldLayoutId id="2147483717" r:id="rId16"/>
   </p:sldLayoutIdLst>
   <p:txStyles>
     <p:titleStyle>
-      <a:lvl1pPr algn="l" defTabSz="914400" rtl="0" eaLnBrk="1" latinLnBrk="0" hangingPunct="1">
-        <a:lnSpc>
-          <a:spcPct val="90000"/>
-        </a:lnSpc>
+      <a:lvl1pPr algn="l" defTabSz="457200" rtl="0" eaLnBrk="1" latinLnBrk="0" hangingPunct="1">
         <a:spcBef>
           <a:spcPct val="0"/>
         </a:spcBef>
         <a:buNone/>
-        <a:defRPr sz="4400" kern="1200">
+        <a:defRPr sz="3600" kern="1200">
           <a:solidFill>
-            <a:schemeClr val="tx1"/>
+            <a:schemeClr val="accent1"/>
           </a:solidFill>
           <a:latin typeface="+mj-lt"/>
           <a:ea typeface="+mj-ea"/>
           <a:cs typeface="+mj-cs"/>
         </a:defRPr>
       </a:lvl1pPr>
+      <a:lvl2pPr eaLnBrk="1" hangingPunct="1">
+        <a:defRPr>
+          <a:solidFill>
+            <a:schemeClr val="tx2"/>
+          </a:solidFill>
+        </a:defRPr>
+      </a:lvl2pPr>
+      <a:lvl3pPr eaLnBrk="1" hangingPunct="1">
+        <a:defRPr>
+          <a:solidFill>
+            <a:schemeClr val="tx2"/>
+          </a:solidFill>
+        </a:defRPr>
+      </a:lvl3pPr>
+      <a:lvl4pPr eaLnBrk="1" hangingPunct="1">
+        <a:defRPr>
+          <a:solidFill>
+            <a:schemeClr val="tx2"/>
+          </a:solidFill>
+        </a:defRPr>
+      </a:lvl4pPr>
+      <a:lvl5pPr eaLnBrk="1" hangingPunct="1">
+        <a:defRPr>
+          <a:solidFill>
+            <a:schemeClr val="tx2"/>
+          </a:solidFill>
+        </a:defRPr>
+      </a:lvl5pPr>
+      <a:lvl6pPr eaLnBrk="1" hangingPunct="1">
+        <a:defRPr>
+          <a:solidFill>
+            <a:schemeClr val="tx2"/>
+          </a:solidFill>
+        </a:defRPr>
+      </a:lvl6pPr>
+      <a:lvl7pPr eaLnBrk="1" hangingPunct="1">
+        <a:defRPr>
+          <a:solidFill>
+            <a:schemeClr val="tx2"/>
+          </a:solidFill>
+        </a:defRPr>
+      </a:lvl7pPr>
+      <a:lvl8pPr eaLnBrk="1" hangingPunct="1">
+        <a:defRPr>
+          <a:solidFill>
+            <a:schemeClr val="tx2"/>
+          </a:solidFill>
+        </a:defRPr>
+      </a:lvl8pPr>
+      <a:lvl9pPr eaLnBrk="1" hangingPunct="1">
+        <a:defRPr>
+          <a:solidFill>
+            <a:schemeClr val="tx2"/>
+          </a:solidFill>
+        </a:defRPr>
+      </a:lvl9pPr>
     </p:titleStyle>
     <p:bodyStyle>
-      <a:lvl1pPr marL="228600" indent="-228600" algn="l" defTabSz="914400" rtl="0" eaLnBrk="1" latinLnBrk="0" hangingPunct="1">
-        <a:lnSpc>
-          <a:spcPct val="90000"/>
-        </a:lnSpc>
+      <a:lvl1pPr marL="342900" indent="-342900" algn="l" defTabSz="457200" rtl="0" eaLnBrk="1" latinLnBrk="0" hangingPunct="1">
         <a:spcBef>
           <a:spcPts val="1000"/>
         </a:spcBef>
-        <a:buFont typeface="Arial" panose="020B0604020202020204" pitchFamily="34" charset="0"/>
-        <a:buChar char="•"/>
-        <a:defRPr sz="2800" kern="1200">
+        <a:spcAft>
+          <a:spcPts val="0"/>
+        </a:spcAft>
+        <a:buClr>
+          <a:schemeClr val="accent1"/>
+        </a:buClr>
+        <a:buSzPct val="80000"/>
+        <a:buFont typeface="Wingdings 3" charset="2"/>
+        <a:buChar char=""/>
+        <a:defRPr sz="1800" kern="1200">
           <a:solidFill>
-            <a:schemeClr val="tx1"/>
+            <a:schemeClr val="tx1">
+              <a:lumMod val="75000"/>
+              <a:lumOff val="25000"/>
+            </a:schemeClr>
           </a:solidFill>
           <a:latin typeface="+mn-lt"/>
           <a:ea typeface="+mn-ea"/>
           <a:cs typeface="+mn-cs"/>
         </a:defRPr>
       </a:lvl1pPr>
-      <a:lvl2pPr marL="685800" indent="-228600" algn="l" defTabSz="914400" rtl="0" eaLnBrk="1" latinLnBrk="0" hangingPunct="1">
-        <a:lnSpc>
-          <a:spcPct val="90000"/>
-        </a:lnSpc>
+      <a:lvl2pPr marL="742950" indent="-285750" algn="l" defTabSz="457200" rtl="0" eaLnBrk="1" latinLnBrk="0" hangingPunct="1">
         <a:spcBef>
-          <a:spcPts val="500"/>
+          <a:spcPts val="1000"/>
         </a:spcBef>
-        <a:buFont typeface="Arial" panose="020B0604020202020204" pitchFamily="34" charset="0"/>
-        <a:buChar char="•"/>
-        <a:defRPr sz="2400" kern="1200">
+        <a:spcAft>
+          <a:spcPts val="0"/>
+        </a:spcAft>
+        <a:buClr>
+          <a:schemeClr val="accent1"/>
+        </a:buClr>
+        <a:buSzPct val="80000"/>
+        <a:buFont typeface="Wingdings 3" charset="2"/>
+        <a:buChar char=""/>
+        <a:defRPr sz="1600" kern="1200">
           <a:solidFill>
-            <a:schemeClr val="tx1"/>
+            <a:schemeClr val="tx1">
+              <a:lumMod val="75000"/>
+              <a:lumOff val="25000"/>
+            </a:schemeClr>
           </a:solidFill>
           <a:latin typeface="+mn-lt"/>
           <a:ea typeface="+mn-ea"/>
           <a:cs typeface="+mn-cs"/>
         </a:defRPr>
       </a:lvl2pPr>
-      <a:lvl3pPr marL="1143000" indent="-228600" algn="l" defTabSz="914400" rtl="0" eaLnBrk="1" latinLnBrk="0" hangingPunct="1">
-        <a:lnSpc>
-          <a:spcPct val="90000"/>
-        </a:lnSpc>
+      <a:lvl3pPr marL="1143000" indent="-228600" algn="l" defTabSz="457200" rtl="0" eaLnBrk="1" latinLnBrk="0" hangingPunct="1">
         <a:spcBef>
-          <a:spcPts val="500"/>
+          <a:spcPts val="1000"/>
         </a:spcBef>
-        <a:buFont typeface="Arial" panose="020B0604020202020204" pitchFamily="34" charset="0"/>
-        <a:buChar char="•"/>
-        <a:defRPr sz="2000" kern="1200">
+        <a:spcAft>
+          <a:spcPts val="0"/>
+        </a:spcAft>
+        <a:buClr>
+          <a:schemeClr val="accent1"/>
+        </a:buClr>
+        <a:buSzPct val="80000"/>
+        <a:buFont typeface="Wingdings 3" charset="2"/>
+        <a:buChar char=""/>
+        <a:defRPr sz="1400" kern="1200">
           <a:solidFill>
-            <a:schemeClr val="tx1"/>
+            <a:schemeClr val="tx1">
+              <a:lumMod val="75000"/>
+              <a:lumOff val="25000"/>
+            </a:schemeClr>
           </a:solidFill>
           <a:latin typeface="+mn-lt"/>
           <a:ea typeface="+mn-ea"/>
           <a:cs typeface="+mn-cs"/>
         </a:defRPr>
       </a:lvl3pPr>
-      <a:lvl4pPr marL="1600200" indent="-228600" algn="l" defTabSz="914400" rtl="0" eaLnBrk="1" latinLnBrk="0" hangingPunct="1">
-        <a:lnSpc>
-          <a:spcPct val="90000"/>
-        </a:lnSpc>
+      <a:lvl4pPr marL="1600200" indent="-228600" algn="l" defTabSz="457200" rtl="0" eaLnBrk="1" latinLnBrk="0" hangingPunct="1">
         <a:spcBef>
-          <a:spcPts val="500"/>
+          <a:spcPts val="1000"/>
         </a:spcBef>
-        <a:buFont typeface="Arial" panose="020B0604020202020204" pitchFamily="34" charset="0"/>
-        <a:buChar char="•"/>
-        <a:defRPr sz="1800" kern="1200">
+        <a:spcAft>
+          <a:spcPts val="0"/>
+        </a:spcAft>
+        <a:buClr>
+          <a:schemeClr val="accent1"/>
+        </a:buClr>
+        <a:buSzPct val="80000"/>
+        <a:buFont typeface="Wingdings 3" charset="2"/>
+        <a:buChar char=""/>
+        <a:defRPr sz="1200" kern="1200">
           <a:solidFill>
-            <a:schemeClr val="tx1"/>
+            <a:schemeClr val="tx1">
+              <a:lumMod val="75000"/>
+              <a:lumOff val="25000"/>
+            </a:schemeClr>
           </a:solidFill>
           <a:latin typeface="+mn-lt"/>
           <a:ea typeface="+mn-ea"/>
           <a:cs typeface="+mn-cs"/>
         </a:defRPr>
       </a:lvl4pPr>
-      <a:lvl5pPr marL="2057400" indent="-228600" algn="l" defTabSz="914400" rtl="0" eaLnBrk="1" latinLnBrk="0" hangingPunct="1">
-        <a:lnSpc>
-          <a:spcPct val="90000"/>
-        </a:lnSpc>
+      <a:lvl5pPr marL="2057400" indent="-228600" algn="l" defTabSz="457200" rtl="0" eaLnBrk="1" latinLnBrk="0" hangingPunct="1">
         <a:spcBef>
-          <a:spcPts val="500"/>
+          <a:spcPts val="1000"/>
         </a:spcBef>
-        <a:buFont typeface="Arial" panose="020B0604020202020204" pitchFamily="34" charset="0"/>
-        <a:buChar char="•"/>
-        <a:defRPr sz="1800" kern="1200">
+        <a:spcAft>
+          <a:spcPts val="0"/>
+        </a:spcAft>
+        <a:buClr>
+          <a:schemeClr val="accent1"/>
+        </a:buClr>
+        <a:buSzPct val="80000"/>
+        <a:buFont typeface="Wingdings 3" charset="2"/>
+        <a:buChar char=""/>
+        <a:defRPr sz="1200" kern="1200">
           <a:solidFill>
-            <a:schemeClr val="tx1"/>
+            <a:schemeClr val="tx1">
+              <a:lumMod val="75000"/>
+              <a:lumOff val="25000"/>
+            </a:schemeClr>
           </a:solidFill>
           <a:latin typeface="+mn-lt"/>
           <a:ea typeface="+mn-ea"/>
           <a:cs typeface="+mn-cs"/>
         </a:defRPr>
       </a:lvl5pPr>
-      <a:lvl6pPr marL="2514600" indent="-228600" algn="l" defTabSz="914400" rtl="0" eaLnBrk="1" latinLnBrk="0" hangingPunct="1">
-        <a:lnSpc>
-          <a:spcPct val="90000"/>
-        </a:lnSpc>
+      <a:lvl6pPr marL="2514600" indent="-228600" algn="l" defTabSz="457200" rtl="0" eaLnBrk="1" latinLnBrk="0" hangingPunct="1">
         <a:spcBef>
-          <a:spcPts val="500"/>
+          <a:spcPts val="1000"/>
         </a:spcBef>
-        <a:buFont typeface="Arial" panose="020B0604020202020204" pitchFamily="34" charset="0"/>
-        <a:buChar char="•"/>
-        <a:defRPr sz="1800" kern="1200">
+        <a:spcAft>
+          <a:spcPts val="0"/>
+        </a:spcAft>
+        <a:buClr>
+          <a:schemeClr val="accent1"/>
+        </a:buClr>
+        <a:buSzPct val="80000"/>
+        <a:buFont typeface="Wingdings 3" charset="2"/>
+        <a:buChar char=""/>
+        <a:defRPr sz="1200" kern="1200">
           <a:solidFill>
-            <a:schemeClr val="tx1"/>
+            <a:schemeClr val="tx1">
+              <a:lumMod val="75000"/>
+              <a:lumOff val="25000"/>
+            </a:schemeClr>
           </a:solidFill>
           <a:latin typeface="+mn-lt"/>
           <a:ea typeface="+mn-ea"/>
           <a:cs typeface="+mn-cs"/>
         </a:defRPr>
       </a:lvl6pPr>
-      <a:lvl7pPr marL="2971800" indent="-228600" algn="l" defTabSz="914400" rtl="0" eaLnBrk="1" latinLnBrk="0" hangingPunct="1">
-        <a:lnSpc>
-          <a:spcPct val="90000"/>
-        </a:lnSpc>
+      <a:lvl7pPr marL="2971800" indent="-228600" algn="l" defTabSz="457200" rtl="0" eaLnBrk="1" latinLnBrk="0" hangingPunct="1">
         <a:spcBef>
-          <a:spcPts val="500"/>
+          <a:spcPts val="1000"/>
         </a:spcBef>
-        <a:buFont typeface="Arial" panose="020B0604020202020204" pitchFamily="34" charset="0"/>
-        <a:buChar char="•"/>
-        <a:defRPr sz="1800" kern="1200">
+        <a:spcAft>
+          <a:spcPts val="0"/>
+        </a:spcAft>
+        <a:buClr>
+          <a:schemeClr val="accent1"/>
+        </a:buClr>
+        <a:buSzPct val="80000"/>
+        <a:buFont typeface="Wingdings 3" charset="2"/>
+        <a:buChar char=""/>
+        <a:defRPr sz="1200" kern="1200">
           <a:solidFill>
-            <a:schemeClr val="tx1"/>
+            <a:schemeClr val="tx1">
+              <a:lumMod val="75000"/>
+              <a:lumOff val="25000"/>
+            </a:schemeClr>
           </a:solidFill>
           <a:latin typeface="+mn-lt"/>
           <a:ea typeface="+mn-ea"/>
           <a:cs typeface="+mn-cs"/>
         </a:defRPr>
       </a:lvl7pPr>
-      <a:lvl8pPr marL="3429000" indent="-228600" algn="l" defTabSz="914400" rtl="0" eaLnBrk="1" latinLnBrk="0" hangingPunct="1">
-        <a:lnSpc>
-          <a:spcPct val="90000"/>
-        </a:lnSpc>
+      <a:lvl8pPr marL="3429000" indent="-228600" algn="l" defTabSz="457200" rtl="0" eaLnBrk="1" latinLnBrk="0" hangingPunct="1">
         <a:spcBef>
-          <a:spcPts val="500"/>
+          <a:spcPts val="1000"/>
         </a:spcBef>
-        <a:buFont typeface="Arial" panose="020B0604020202020204" pitchFamily="34" charset="0"/>
-        <a:buChar char="•"/>
-        <a:defRPr sz="1800" kern="1200">
+        <a:spcAft>
+          <a:spcPts val="0"/>
+        </a:spcAft>
+        <a:buClr>
+          <a:schemeClr val="accent1"/>
+        </a:buClr>
+        <a:buSzPct val="80000"/>
+        <a:buFont typeface="Wingdings 3" charset="2"/>
+        <a:buChar char=""/>
+        <a:defRPr sz="1200" kern="1200">
           <a:solidFill>
-            <a:schemeClr val="tx1"/>
+            <a:schemeClr val="tx1">
+              <a:lumMod val="75000"/>
+              <a:lumOff val="25000"/>
+            </a:schemeClr>
           </a:solidFill>
           <a:latin typeface="+mn-lt"/>
           <a:ea typeface="+mn-ea"/>
           <a:cs typeface="+mn-cs"/>
         </a:defRPr>
       </a:lvl8pPr>
-      <a:lvl9pPr marL="3886200" indent="-228600" algn="l" defTabSz="914400" rtl="0" eaLnBrk="1" latinLnBrk="0" hangingPunct="1">
-        <a:lnSpc>
-          <a:spcPct val="90000"/>
-        </a:lnSpc>
+      <a:lvl9pPr marL="3886200" indent="-228600" algn="l" defTabSz="457200" rtl="0" eaLnBrk="1" latinLnBrk="0" hangingPunct="1">
         <a:spcBef>
-          <a:spcPts val="500"/>
+          <a:spcPts val="1000"/>
         </a:spcBef>
-        <a:buFont typeface="Arial" panose="020B0604020202020204" pitchFamily="34" charset="0"/>
-        <a:buChar char="•"/>
-        <a:defRPr sz="1800" kern="1200">
+        <a:spcAft>
+          <a:spcPts val="0"/>
+        </a:spcAft>
+        <a:buClr>
+          <a:schemeClr val="accent1"/>
+        </a:buClr>
+        <a:buSzPct val="80000"/>
+        <a:buFont typeface="Wingdings 3" charset="2"/>
+        <a:buChar char=""/>
+        <a:defRPr sz="1200" kern="1200">
           <a:solidFill>
-            <a:schemeClr val="tx1"/>
+            <a:schemeClr val="tx1">
+              <a:lumMod val="75000"/>
+              <a:lumOff val="25000"/>
+            </a:schemeClr>
           </a:solidFill>
           <a:latin typeface="+mn-lt"/>
           <a:ea typeface="+mn-ea"/>
@@ -3231,7 +5726,7 @@
       <a:defPPr>
         <a:defRPr lang="en-US"/>
       </a:defPPr>
-      <a:lvl1pPr marL="0" algn="l" defTabSz="914400" rtl="0" eaLnBrk="1" latinLnBrk="0" hangingPunct="1">
+      <a:lvl1pPr marL="0" algn="l" defTabSz="457200" rtl="0" eaLnBrk="1" latinLnBrk="0" hangingPunct="1">
         <a:defRPr sz="1800" kern="1200">
           <a:solidFill>
             <a:schemeClr val="tx1"/>
@@ -3241,7 +5736,7 @@
           <a:cs typeface="+mn-cs"/>
         </a:defRPr>
       </a:lvl1pPr>
-      <a:lvl2pPr marL="457200" algn="l" defTabSz="914400" rtl="0" eaLnBrk="1" latinLnBrk="0" hangingPunct="1">
+      <a:lvl2pPr marL="457200" algn="l" defTabSz="457200" rtl="0" eaLnBrk="1" latinLnBrk="0" hangingPunct="1">
         <a:defRPr sz="1800" kern="1200">
           <a:solidFill>
             <a:schemeClr val="tx1"/>
@@ -3251,7 +5746,7 @@
           <a:cs typeface="+mn-cs"/>
         </a:defRPr>
       </a:lvl2pPr>
-      <a:lvl3pPr marL="914400" algn="l" defTabSz="914400" rtl="0" eaLnBrk="1" latinLnBrk="0" hangingPunct="1">
+      <a:lvl3pPr marL="914400" algn="l" defTabSz="457200" rtl="0" eaLnBrk="1" latinLnBrk="0" hangingPunct="1">
         <a:defRPr sz="1800" kern="1200">
           <a:solidFill>
             <a:schemeClr val="tx1"/>
@@ -3261,7 +5756,7 @@
           <a:cs typeface="+mn-cs"/>
         </a:defRPr>
       </a:lvl3pPr>
-      <a:lvl4pPr marL="1371600" algn="l" defTabSz="914400" rtl="0" eaLnBrk="1" latinLnBrk="0" hangingPunct="1">
+      <a:lvl4pPr marL="1371600" algn="l" defTabSz="457200" rtl="0" eaLnBrk="1" latinLnBrk="0" hangingPunct="1">
         <a:defRPr sz="1800" kern="1200">
           <a:solidFill>
             <a:schemeClr val="tx1"/>
@@ -3271,7 +5766,7 @@
           <a:cs typeface="+mn-cs"/>
         </a:defRPr>
       </a:lvl4pPr>
-      <a:lvl5pPr marL="1828800" algn="l" defTabSz="914400" rtl="0" eaLnBrk="1" latinLnBrk="0" hangingPunct="1">
+      <a:lvl5pPr marL="1828800" algn="l" defTabSz="457200" rtl="0" eaLnBrk="1" latinLnBrk="0" hangingPunct="1">
         <a:defRPr sz="1800" kern="1200">
           <a:solidFill>
             <a:schemeClr val="tx1"/>
@@ -3281,7 +5776,7 @@
           <a:cs typeface="+mn-cs"/>
         </a:defRPr>
       </a:lvl5pPr>
-      <a:lvl6pPr marL="2286000" algn="l" defTabSz="914400" rtl="0" eaLnBrk="1" latinLnBrk="0" hangingPunct="1">
+      <a:lvl6pPr marL="2286000" algn="l" defTabSz="457200" rtl="0" eaLnBrk="1" latinLnBrk="0" hangingPunct="1">
         <a:defRPr sz="1800" kern="1200">
           <a:solidFill>
             <a:schemeClr val="tx1"/>
@@ -3291,7 +5786,7 @@
           <a:cs typeface="+mn-cs"/>
         </a:defRPr>
       </a:lvl6pPr>
-      <a:lvl7pPr marL="2743200" algn="l" defTabSz="914400" rtl="0" eaLnBrk="1" latinLnBrk="0" hangingPunct="1">
+      <a:lvl7pPr marL="2743200" algn="l" defTabSz="457200" rtl="0" eaLnBrk="1" latinLnBrk="0" hangingPunct="1">
         <a:defRPr sz="1800" kern="1200">
           <a:solidFill>
             <a:schemeClr val="tx1"/>
@@ -3301,7 +5796,7 @@
           <a:cs typeface="+mn-cs"/>
         </a:defRPr>
       </a:lvl7pPr>
-      <a:lvl8pPr marL="3200400" algn="l" defTabSz="914400" rtl="0" eaLnBrk="1" latinLnBrk="0" hangingPunct="1">
+      <a:lvl8pPr marL="3200400" algn="l" defTabSz="457200" rtl="0" eaLnBrk="1" latinLnBrk="0" hangingPunct="1">
         <a:defRPr sz="1800" kern="1200">
           <a:solidFill>
             <a:schemeClr val="tx1"/>
@@ -3311,7 +5806,7 @@
           <a:cs typeface="+mn-cs"/>
         </a:defRPr>
       </a:lvl8pPr>
-      <a:lvl9pPr marL="3657600" algn="l" defTabSz="914400" rtl="0" eaLnBrk="1" latinLnBrk="0" hangingPunct="1">
+      <a:lvl9pPr marL="3657600" algn="l" defTabSz="457200" rtl="0" eaLnBrk="1" latinLnBrk="0" hangingPunct="1">
         <a:defRPr sz="1800" kern="1200">
           <a:solidFill>
             <a:schemeClr val="tx1"/>
@@ -3359,15 +5854,20 @@
             <p:ph type="ctrTitle"/>
           </p:nvPr>
         </p:nvSpPr>
-        <p:spPr/>
+        <p:spPr>
+          <a:xfrm>
+            <a:off x="1507067" y="1710268"/>
+            <a:ext cx="7766936" cy="2340568"/>
+          </a:xfrm>
+        </p:spPr>
         <p:txBody>
           <a:bodyPr>
-            <a:normAutofit fontScale="90000"/>
+            <a:normAutofit/>
           </a:bodyPr>
           <a:lstStyle/>
           <a:p>
             <a:r>
-              <a:rPr lang="en-GB" dirty="0"/>
+              <a:rPr lang="en-GB" sz="4000" dirty="0"/>
               <a:t>Continual Learning Techniques for Image Classification</a:t>
             </a:r>
           </a:p>
@@ -3391,7 +5891,9 @@
         </p:nvSpPr>
         <p:spPr/>
         <p:txBody>
-          <a:bodyPr/>
+          <a:bodyPr>
+            <a:normAutofit lnSpcReduction="10000"/>
+          </a:bodyPr>
           <a:lstStyle/>
           <a:p>
             <a:r>
@@ -3426,7 +5928,7 @@
 </p:sld>
 </file>
 
-<file path=ppt/slides/slide2.xml><?xml version="1.0" encoding="utf-8"?>
+<file path=ppt/slides/slide10.xml><?xml version="1.0" encoding="utf-8"?>
 <p:sld xmlns:a="http://schemas.openxmlformats.org/drawingml/2006/main" xmlns:r="http://schemas.openxmlformats.org/officeDocument/2006/relationships" xmlns:p="http://schemas.openxmlformats.org/presentationml/2006/main">
   <p:cSld>
     <p:spTree>
@@ -3448,6 +5950,833 @@
           <p:cNvPr id="2" name="Title 1">
             <a:extLst>
               <a:ext uri="{FF2B5EF4-FFF2-40B4-BE49-F238E27FC236}">
+                <a16:creationId xmlns:a16="http://schemas.microsoft.com/office/drawing/2014/main" id="{D64979BA-5600-320E-3FA3-6EDC893CB962}"/>
+              </a:ext>
+            </a:extLst>
+          </p:cNvPr>
+          <p:cNvSpPr>
+            <a:spLocks noGrp="1"/>
+          </p:cNvSpPr>
+          <p:nvPr>
+            <p:ph type="title"/>
+          </p:nvPr>
+        </p:nvSpPr>
+        <p:spPr/>
+        <p:txBody>
+          <a:bodyPr/>
+          <a:lstStyle/>
+          <a:p>
+            <a:r>
+              <a:rPr lang="en-GB" dirty="0"/>
+              <a:t>References</a:t>
+            </a:r>
+          </a:p>
+        </p:txBody>
+      </p:sp>
+      <p:sp>
+        <p:nvSpPr>
+          <p:cNvPr id="3" name="Content Placeholder 2">
+            <a:extLst>
+              <a:ext uri="{FF2B5EF4-FFF2-40B4-BE49-F238E27FC236}">
+                <a16:creationId xmlns:a16="http://schemas.microsoft.com/office/drawing/2014/main" id="{0F840084-54A1-6CE9-18A1-0C1FB7925106}"/>
+              </a:ext>
+            </a:extLst>
+          </p:cNvPr>
+          <p:cNvSpPr>
+            <a:spLocks noGrp="1"/>
+          </p:cNvSpPr>
+          <p:nvPr>
+            <p:ph idx="1"/>
+          </p:nvPr>
+        </p:nvSpPr>
+        <p:spPr>
+          <a:xfrm>
+            <a:off x="677334" y="1437779"/>
+            <a:ext cx="8596668" cy="4810621"/>
+          </a:xfrm>
+        </p:spPr>
+        <p:txBody>
+          <a:bodyPr>
+            <a:normAutofit/>
+          </a:bodyPr>
+          <a:lstStyle/>
+          <a:p>
+            <a:pPr marL="0" indent="0">
+              <a:spcBef>
+                <a:spcPts val="600"/>
+              </a:spcBef>
+              <a:buNone/>
+            </a:pPr>
+            <a:r>
+              <a:rPr lang="en-GB" sz="1100" dirty="0"/>
+              <a:t>[1] Hecht-Nielsen, Robert. "Neurocomputing: picking the human brain." IEEE spectrum 25.3 (1988): 36-41.</a:t>
+            </a:r>
+          </a:p>
+          <a:p>
+            <a:pPr marL="0" indent="0">
+              <a:spcBef>
+                <a:spcPts val="600"/>
+              </a:spcBef>
+              <a:buNone/>
+            </a:pPr>
+            <a:r>
+              <a:rPr lang="en-GB" sz="1100" dirty="0"/>
+              <a:t>[2] McCloskey, Michael, and Neal J. Cohen. "Catastrophic interference in connectionist networks: The sequential learning problem." Psychology of learning and motivation. Vol. 24. Academic Press, 1989. 109-165.</a:t>
+            </a:r>
+          </a:p>
+          <a:p>
+            <a:pPr marL="0" indent="0">
+              <a:spcBef>
+                <a:spcPts val="600"/>
+              </a:spcBef>
+              <a:buNone/>
+            </a:pPr>
+            <a:r>
+              <a:rPr lang="en-GB" sz="1100" dirty="0"/>
+              <a:t>[3] </a:t>
+            </a:r>
+            <a:r>
+              <a:rPr lang="en-GB" sz="1100" dirty="0" err="1"/>
+              <a:t>Parisi</a:t>
+            </a:r>
+            <a:r>
+              <a:rPr lang="en-GB" sz="1100" dirty="0"/>
+              <a:t>, German I., et al. "Continual lifelong learning with neural networks: A review." Neural Networks 113 (2019): 54-71.</a:t>
+            </a:r>
+          </a:p>
+          <a:p>
+            <a:pPr marL="0" indent="0">
+              <a:spcBef>
+                <a:spcPts val="600"/>
+              </a:spcBef>
+              <a:buNone/>
+            </a:pPr>
+            <a:r>
+              <a:rPr lang="en-GB" sz="1100" dirty="0"/>
+              <a:t>[4] Kirkpatrick, James, et al. "Overcoming catastrophic forgetting in neural networks." Proceedings of the national academy of sciences 114.13 (2017): 3521-3526.</a:t>
+            </a:r>
+          </a:p>
+          <a:p>
+            <a:pPr marL="0" indent="0">
+              <a:spcBef>
+                <a:spcPts val="600"/>
+              </a:spcBef>
+              <a:buNone/>
+            </a:pPr>
+            <a:r>
+              <a:rPr lang="en-GB" sz="1100" dirty="0"/>
+              <a:t>[5] Wiggers, Kyle. "AI Weekly: AI Model Training Costs on the Rise, Highlighting Need for New Solutions." VentureBeat, 15 Oct. 2021, https://venturebeat.com/ai/ai-weekly-ai-model-training-costs-on-the-rise-highlighting-need-for-new-solutions/.</a:t>
+            </a:r>
+          </a:p>
+          <a:p>
+            <a:pPr marL="0" indent="0">
+              <a:spcBef>
+                <a:spcPts val="600"/>
+              </a:spcBef>
+              <a:buNone/>
+            </a:pPr>
+            <a:r>
+              <a:rPr lang="en-GB" sz="1100" dirty="0"/>
+              <a:t>[6] Mai, </a:t>
+            </a:r>
+            <a:r>
+              <a:rPr lang="en-GB" sz="1100" dirty="0" err="1"/>
+              <a:t>Zheda</a:t>
+            </a:r>
+            <a:r>
+              <a:rPr lang="en-GB" sz="1100" dirty="0"/>
+              <a:t>, et al. "Online continual learning in image classification: An empirical survey." Neurocomputing 469 (2022): 28-51.</a:t>
+            </a:r>
+          </a:p>
+          <a:p>
+            <a:pPr marL="0" indent="0">
+              <a:spcBef>
+                <a:spcPts val="600"/>
+              </a:spcBef>
+              <a:buNone/>
+            </a:pPr>
+            <a:r>
+              <a:rPr lang="en-GB" sz="1100" dirty="0"/>
+              <a:t>[7] </a:t>
+            </a:r>
+            <a:r>
+              <a:rPr lang="en-GB" sz="1100" dirty="0" err="1"/>
+              <a:t>Biesialska</a:t>
+            </a:r>
+            <a:r>
+              <a:rPr lang="en-GB" sz="1100" dirty="0"/>
+              <a:t>, Magdalena, Katarzyna </a:t>
+            </a:r>
+            <a:r>
+              <a:rPr lang="en-GB" sz="1100" dirty="0" err="1"/>
+              <a:t>Biesialska</a:t>
+            </a:r>
+            <a:r>
+              <a:rPr lang="en-GB" sz="1100" dirty="0"/>
+              <a:t>, and Marta R. Costa-</a:t>
+            </a:r>
+            <a:r>
+              <a:rPr lang="en-GB" sz="1100" dirty="0" err="1"/>
+              <a:t>Jussa</a:t>
+            </a:r>
+            <a:r>
+              <a:rPr lang="en-GB" sz="1100" dirty="0"/>
+              <a:t>. "Continual lifelong learning in natural language processing: A survey." </a:t>
+            </a:r>
+            <a:r>
+              <a:rPr lang="en-GB" sz="1100" dirty="0" err="1"/>
+              <a:t>arXiv</a:t>
+            </a:r>
+            <a:r>
+              <a:rPr lang="en-GB" sz="1100" dirty="0"/>
+              <a:t> preprint arXiv:2012.09823 (2020).</a:t>
+            </a:r>
+          </a:p>
+          <a:p>
+            <a:pPr marL="0" indent="0">
+              <a:spcBef>
+                <a:spcPts val="600"/>
+              </a:spcBef>
+              <a:buNone/>
+            </a:pPr>
+            <a:r>
+              <a:rPr lang="en-GB" sz="1100" dirty="0"/>
+              <a:t>[8] Prabhu, </a:t>
+            </a:r>
+            <a:r>
+              <a:rPr lang="en-GB" sz="1100" dirty="0" err="1"/>
+              <a:t>Ameya</a:t>
+            </a:r>
+            <a:r>
+              <a:rPr lang="en-GB" sz="1100" dirty="0"/>
+              <a:t>, Philip HS Torr, and Puneet K. </a:t>
+            </a:r>
+            <a:r>
+              <a:rPr lang="en-GB" sz="1100" dirty="0" err="1"/>
+              <a:t>Dokania</a:t>
+            </a:r>
+            <a:r>
+              <a:rPr lang="en-GB" sz="1100" dirty="0"/>
+              <a:t>. "</a:t>
+            </a:r>
+            <a:r>
+              <a:rPr lang="en-GB" sz="1100" dirty="0" err="1"/>
+              <a:t>Gdumb</a:t>
+            </a:r>
+            <a:r>
+              <a:rPr lang="en-GB" sz="1100" dirty="0"/>
+              <a:t>: A simple approach that questions our progress in continual learning." European conference on computer vision. Springer, Cham, 2020.</a:t>
+            </a:r>
+          </a:p>
+          <a:p>
+            <a:pPr marL="0" indent="0">
+              <a:spcBef>
+                <a:spcPts val="600"/>
+              </a:spcBef>
+              <a:buNone/>
+            </a:pPr>
+            <a:r>
+              <a:rPr lang="en-GB" sz="1100" dirty="0"/>
+              <a:t>[9] </a:t>
+            </a:r>
+            <a:r>
+              <a:rPr lang="en-GB" sz="1100" dirty="0" err="1"/>
+              <a:t>Rebuffi</a:t>
+            </a:r>
+            <a:r>
+              <a:rPr lang="en-GB" sz="1100" dirty="0"/>
+              <a:t>, </a:t>
+            </a:r>
+            <a:r>
+              <a:rPr lang="en-GB" sz="1100" dirty="0" err="1"/>
+              <a:t>Sylvestre-Alvise</a:t>
+            </a:r>
+            <a:r>
+              <a:rPr lang="en-GB" sz="1100" dirty="0"/>
+              <a:t>, et al. “</a:t>
+            </a:r>
+            <a:r>
+              <a:rPr lang="en-GB" sz="1100" dirty="0" err="1"/>
+              <a:t>iCaRL</a:t>
+            </a:r>
+            <a:r>
+              <a:rPr lang="en-GB" sz="1100" dirty="0"/>
+              <a:t>: Incremental classifier and representation learning." Proceedings of the IEEE conference on Computer Vision and Pattern Recognition. 2017.</a:t>
+            </a:r>
+          </a:p>
+          <a:p>
+            <a:pPr marL="0" indent="0">
+              <a:spcBef>
+                <a:spcPts val="600"/>
+              </a:spcBef>
+              <a:buNone/>
+            </a:pPr>
+            <a:r>
+              <a:rPr lang="en-GB" sz="1100" dirty="0"/>
+              <a:t>[10] Bang, </a:t>
+            </a:r>
+            <a:r>
+              <a:rPr lang="en-GB" sz="1100" dirty="0" err="1"/>
+              <a:t>Jihwan</a:t>
+            </a:r>
+            <a:r>
+              <a:rPr lang="en-GB" sz="1100" dirty="0"/>
+              <a:t>, et al. "Rainbow memory: Continual learning with a memory of diverse samples." Proceedings of the IEEE/CVF Conference on Computer Vision and Pattern Recognition. 2021.</a:t>
+            </a:r>
+          </a:p>
+          <a:p>
+            <a:pPr marL="0" indent="0">
+              <a:spcBef>
+                <a:spcPts val="600"/>
+              </a:spcBef>
+              <a:buNone/>
+            </a:pPr>
+            <a:r>
+              <a:rPr lang="en-GB" sz="1100" dirty="0"/>
+              <a:t>[11] Liu, </a:t>
+            </a:r>
+            <a:r>
+              <a:rPr lang="en-GB" sz="1100" dirty="0" err="1"/>
+              <a:t>Yaoyao</a:t>
+            </a:r>
+            <a:r>
+              <a:rPr lang="en-GB" sz="1100" dirty="0"/>
+              <a:t>, et al. "Mnemonics training: Multi-class incremental learning without forgetting." Proceedings of the IEEE/CVF conference on Computer Vision and Pattern Recognition. 2020.</a:t>
+            </a:r>
+          </a:p>
+          <a:p>
+            <a:pPr marL="0" indent="0">
+              <a:spcBef>
+                <a:spcPts val="600"/>
+              </a:spcBef>
+              <a:buNone/>
+            </a:pPr>
+            <a:r>
+              <a:rPr lang="en-GB" sz="1100" dirty="0"/>
+              <a:t>[12] Wang, </a:t>
+            </a:r>
+            <a:r>
+              <a:rPr lang="en-GB" sz="1100" dirty="0" err="1"/>
+              <a:t>Zifeng</a:t>
+            </a:r>
+            <a:r>
+              <a:rPr lang="en-GB" sz="1100" dirty="0"/>
+              <a:t>, et al. "Learning to prompt for continual learning." Proceedings of the IEEE/CVF Conference on Computer Vision and Pattern Recognition. 2022.</a:t>
+            </a:r>
+          </a:p>
+          <a:p>
+            <a:pPr marL="0" indent="0">
+              <a:spcBef>
+                <a:spcPts val="600"/>
+              </a:spcBef>
+              <a:buNone/>
+            </a:pPr>
+            <a:r>
+              <a:rPr lang="en-GB" sz="1100" dirty="0"/>
+              <a:t>[13] </a:t>
+            </a:r>
+            <a:r>
+              <a:rPr lang="en-GB" sz="1100" dirty="0" err="1"/>
+              <a:t>Mirzadeh</a:t>
+            </a:r>
+            <a:r>
+              <a:rPr lang="en-GB" sz="1100" dirty="0"/>
+              <a:t>, </a:t>
+            </a:r>
+            <a:r>
+              <a:rPr lang="en-GB" sz="1100" dirty="0" err="1"/>
+              <a:t>Seyed</a:t>
+            </a:r>
+            <a:r>
+              <a:rPr lang="en-GB" sz="1100" dirty="0"/>
+              <a:t> Iman, et al. "Architecture matters in continual learning." </a:t>
+            </a:r>
+            <a:r>
+              <a:rPr lang="en-GB" sz="1100" dirty="0" err="1"/>
+              <a:t>arXiv</a:t>
+            </a:r>
+            <a:r>
+              <a:rPr lang="en-GB" sz="1100" dirty="0"/>
+              <a:t> preprint arXiv:2202.00275 (2022).</a:t>
+            </a:r>
+          </a:p>
+        </p:txBody>
+      </p:sp>
+    </p:spTree>
+    <p:extLst>
+      <p:ext uri="{BB962C8B-B14F-4D97-AF65-F5344CB8AC3E}">
+        <p14:creationId xmlns:p14="http://schemas.microsoft.com/office/powerpoint/2010/main" val="540120488"/>
+      </p:ext>
+    </p:extLst>
+  </p:cSld>
+  <p:clrMapOvr>
+    <a:masterClrMapping/>
+  </p:clrMapOvr>
+</p:sld>
+</file>
+
+<file path=ppt/slides/slide2.xml><?xml version="1.0" encoding="utf-8"?>
+<p:sld xmlns:a="http://schemas.openxmlformats.org/drawingml/2006/main" xmlns:r="http://schemas.openxmlformats.org/officeDocument/2006/relationships" xmlns:p="http://schemas.openxmlformats.org/presentationml/2006/main">
+  <p:cSld>
+    <p:bg>
+      <p:bgPr>
+        <a:solidFill>
+          <a:schemeClr val="bg1"/>
+        </a:solidFill>
+        <a:effectLst/>
+      </p:bgPr>
+    </p:bg>
+    <p:spTree>
+      <p:nvGrpSpPr>
+        <p:cNvPr id="1" name=""/>
+        <p:cNvGrpSpPr/>
+        <p:nvPr/>
+      </p:nvGrpSpPr>
+      <p:grpSpPr>
+        <a:xfrm>
+          <a:off x="0" y="0"/>
+          <a:ext cx="0" cy="0"/>
+          <a:chOff x="0" y="0"/>
+          <a:chExt cx="0" cy="0"/>
+        </a:xfrm>
+      </p:grpSpPr>
+      <p:sp useBgFill="1">
+        <p:nvSpPr>
+          <p:cNvPr id="8" name="Rectangle 7">
+            <a:extLst>
+              <a:ext uri="{FF2B5EF4-FFF2-40B4-BE49-F238E27FC236}">
+                <a16:creationId xmlns:a16="http://schemas.microsoft.com/office/drawing/2014/main" id="{E80B86A7-A1EC-475B-9166-88902B033A38}"/>
+              </a:ext>
+              <a:ext uri="{C183D7F6-B498-43B3-948B-1728B52AA6E4}">
+                <adec:decorative xmlns:adec="http://schemas.microsoft.com/office/drawing/2017/decorative" val="1"/>
+              </a:ext>
+            </a:extLst>
+          </p:cNvPr>
+          <p:cNvSpPr>
+            <a:spLocks noGrp="1" noRot="1" noChangeAspect="1" noMove="1" noResize="1" noEditPoints="1" noAdjustHandles="1" noChangeArrowheads="1" noChangeShapeType="1" noTextEdit="1"/>
+          </p:cNvSpPr>
+          <p:nvPr>
+            <p:extLst>
+              <p:ext uri="{386F3935-93C4-4BCD-93E2-E3B085C9AB24}">
+                <p16:designElem xmlns:p16="http://schemas.microsoft.com/office/powerpoint/2015/main" val="1"/>
+              </p:ext>
+            </p:extLst>
+          </p:nvPr>
+        </p:nvSpPr>
+        <p:spPr>
+          <a:xfrm>
+            <a:off x="0" y="0"/>
+            <a:ext cx="12192000" cy="6858000"/>
+          </a:xfrm>
+          <a:prstGeom prst="rect">
+            <a:avLst/>
+          </a:prstGeom>
+          <a:ln>
+            <a:noFill/>
+          </a:ln>
+        </p:spPr>
+        <p:style>
+          <a:lnRef idx="2">
+            <a:schemeClr val="accent1">
+              <a:shade val="50000"/>
+            </a:schemeClr>
+          </a:lnRef>
+          <a:fillRef idx="1">
+            <a:schemeClr val="accent1"/>
+          </a:fillRef>
+          <a:effectRef idx="0">
+            <a:schemeClr val="accent1"/>
+          </a:effectRef>
+          <a:fontRef idx="minor">
+            <a:schemeClr val="lt1"/>
+          </a:fontRef>
+        </p:style>
+        <p:txBody>
+          <a:bodyPr rtlCol="0" anchor="ctr"/>
+          <a:lstStyle/>
+          <a:p>
+            <a:pPr algn="ctr"/>
+            <a:endParaRPr lang="en-US"/>
+          </a:p>
+        </p:txBody>
+      </p:sp>
+      <p:sp>
+        <p:nvSpPr>
+          <p:cNvPr id="2" name="Title 1">
+            <a:extLst>
+              <a:ext uri="{FF2B5EF4-FFF2-40B4-BE49-F238E27FC236}">
+                <a16:creationId xmlns:a16="http://schemas.microsoft.com/office/drawing/2014/main" id="{5318FE7F-C3D6-CF8A-6E12-B4134B8D7193}"/>
+              </a:ext>
+            </a:extLst>
+          </p:cNvPr>
+          <p:cNvSpPr>
+            <a:spLocks noGrp="1"/>
+          </p:cNvSpPr>
+          <p:nvPr>
+            <p:ph type="title"/>
+          </p:nvPr>
+        </p:nvSpPr>
+        <p:spPr>
+          <a:xfrm>
+            <a:off x="1333502" y="609600"/>
+            <a:ext cx="8596668" cy="1320800"/>
+          </a:xfrm>
+        </p:spPr>
+        <p:txBody>
+          <a:bodyPr>
+            <a:normAutofit/>
+          </a:bodyPr>
+          <a:lstStyle/>
+          <a:p>
+            <a:r>
+              <a:rPr lang="en-GB" dirty="0"/>
+              <a:t>Training Machine Learning Models</a:t>
+            </a:r>
+          </a:p>
+        </p:txBody>
+      </p:sp>
+      <p:sp>
+        <p:nvSpPr>
+          <p:cNvPr id="10" name="Isosceles Triangle 9">
+            <a:extLst>
+              <a:ext uri="{FF2B5EF4-FFF2-40B4-BE49-F238E27FC236}">
+                <a16:creationId xmlns:a16="http://schemas.microsoft.com/office/drawing/2014/main" id="{C2C29CB1-9F74-4879-A6AF-AEA67B6F1F4D}"/>
+              </a:ext>
+              <a:ext uri="{C183D7F6-B498-43B3-948B-1728B52AA6E4}">
+                <adec:decorative xmlns:adec="http://schemas.microsoft.com/office/drawing/2017/decorative" val="1"/>
+              </a:ext>
+            </a:extLst>
+          </p:cNvPr>
+          <p:cNvSpPr>
+            <a:spLocks noGrp="1" noRot="1" noChangeAspect="1" noMove="1" noResize="1" noEditPoints="1" noAdjustHandles="1" noChangeArrowheads="1" noChangeShapeType="1" noTextEdit="1"/>
+          </p:cNvSpPr>
+          <p:nvPr>
+            <p:extLst>
+              <p:ext uri="{386F3935-93C4-4BCD-93E2-E3B085C9AB24}">
+                <p16:designElem xmlns:p16="http://schemas.microsoft.com/office/powerpoint/2015/main" val="1"/>
+              </p:ext>
+            </p:extLst>
+          </p:nvPr>
+        </p:nvSpPr>
+        <p:spPr>
+          <a:xfrm rot="10800000">
+            <a:off x="0" y="0"/>
+            <a:ext cx="842596" cy="5666154"/>
+          </a:xfrm>
+          <a:prstGeom prst="triangle">
+            <a:avLst>
+              <a:gd name="adj" fmla="val 100000"/>
+            </a:avLst>
+          </a:prstGeom>
+          <a:solidFill>
+            <a:schemeClr val="accent1">
+              <a:alpha val="85000"/>
+            </a:schemeClr>
+          </a:solidFill>
+          <a:ln>
+            <a:noFill/>
+          </a:ln>
+          <a:effectLst/>
+        </p:spPr>
+        <p:style>
+          <a:lnRef idx="1">
+            <a:schemeClr val="accent1"/>
+          </a:lnRef>
+          <a:fillRef idx="3">
+            <a:schemeClr val="accent1"/>
+          </a:fillRef>
+          <a:effectRef idx="2">
+            <a:schemeClr val="accent1"/>
+          </a:effectRef>
+          <a:fontRef idx="minor">
+            <a:schemeClr val="lt1"/>
+          </a:fontRef>
+        </p:style>
+      </p:sp>
+      <p:sp>
+        <p:nvSpPr>
+          <p:cNvPr id="3" name="Content Placeholder 2">
+            <a:extLst>
+              <a:ext uri="{FF2B5EF4-FFF2-40B4-BE49-F238E27FC236}">
+                <a16:creationId xmlns:a16="http://schemas.microsoft.com/office/drawing/2014/main" id="{E8583893-31F2-1A7E-E160-461E1094B459}"/>
+              </a:ext>
+            </a:extLst>
+          </p:cNvPr>
+          <p:cNvSpPr>
+            <a:spLocks noGrp="1"/>
+          </p:cNvSpPr>
+          <p:nvPr>
+            <p:ph idx="1"/>
+          </p:nvPr>
+        </p:nvSpPr>
+        <p:spPr>
+          <a:xfrm>
+            <a:off x="1328514" y="1863543"/>
+            <a:ext cx="6778653" cy="3880773"/>
+          </a:xfrm>
+        </p:spPr>
+        <p:txBody>
+          <a:bodyPr>
+            <a:normAutofit/>
+          </a:bodyPr>
+          <a:lstStyle/>
+          <a:p>
+            <a:r>
+              <a:rPr lang="en-GB" dirty="0"/>
+              <a:t>Standard method of training models is known as </a:t>
+            </a:r>
+            <a:r>
+              <a:rPr lang="en-GB" b="1" dirty="0"/>
+              <a:t>Offline Training</a:t>
+            </a:r>
+          </a:p>
+          <a:p>
+            <a:pPr lvl="1"/>
+            <a:r>
+              <a:rPr lang="en-GB" dirty="0"/>
+              <a:t>Repeatedly optimise over batches of data from the dataset</a:t>
+            </a:r>
+          </a:p>
+          <a:p>
+            <a:pPr lvl="1"/>
+            <a:r>
+              <a:rPr lang="en-GB" dirty="0"/>
+              <a:t>Requires access to </a:t>
+            </a:r>
+            <a:r>
+              <a:rPr lang="en-GB" b="1" dirty="0"/>
+              <a:t>all of the data </a:t>
+            </a:r>
+            <a:r>
+              <a:rPr lang="en-GB" dirty="0"/>
+              <a:t>for the whole training process</a:t>
+            </a:r>
+          </a:p>
+          <a:p>
+            <a:pPr lvl="1"/>
+            <a:r>
+              <a:rPr lang="en-GB" dirty="0"/>
+              <a:t>Capable of producing high-quality results </a:t>
+            </a:r>
+          </a:p>
+          <a:p>
+            <a:r>
+              <a:rPr lang="en-GB" dirty="0"/>
+              <a:t>Some limitations exist:</a:t>
+            </a:r>
+          </a:p>
+          <a:p>
+            <a:pPr lvl="1"/>
+            <a:r>
+              <a:rPr lang="en-GB" dirty="0"/>
+              <a:t>What if the data is not all readily available?</a:t>
+            </a:r>
+          </a:p>
+          <a:p>
+            <a:pPr lvl="1"/>
+            <a:r>
+              <a:rPr lang="en-GB" dirty="0"/>
+              <a:t>What if it is too expensive or infeasible to store all of the data? </a:t>
+            </a:r>
+          </a:p>
+          <a:p>
+            <a:r>
+              <a:rPr lang="en-GB" dirty="0"/>
+              <a:t>Inspiration for neural networks comes from nature [1] but ability to learn continuously is often overlooked </a:t>
+            </a:r>
+          </a:p>
+        </p:txBody>
+      </p:sp>
+      <p:sp>
+        <p:nvSpPr>
+          <p:cNvPr id="12" name="Isosceles Triangle 11">
+            <a:extLst>
+              <a:ext uri="{FF2B5EF4-FFF2-40B4-BE49-F238E27FC236}">
+                <a16:creationId xmlns:a16="http://schemas.microsoft.com/office/drawing/2014/main" id="{7E2C7115-5336-410C-AD71-0F0952A2E5A7}"/>
+              </a:ext>
+              <a:ext uri="{C183D7F6-B498-43B3-948B-1728B52AA6E4}">
+                <adec:decorative xmlns:adec="http://schemas.microsoft.com/office/drawing/2017/decorative" val="1"/>
+              </a:ext>
+            </a:extLst>
+          </p:cNvPr>
+          <p:cNvSpPr>
+            <a:spLocks noGrp="1" noRot="1" noChangeAspect="1" noMove="1" noResize="1" noEditPoints="1" noAdjustHandles="1" noChangeArrowheads="1" noChangeShapeType="1" noTextEdit="1"/>
+          </p:cNvSpPr>
+          <p:nvPr>
+            <p:extLst>
+              <p:ext uri="{386F3935-93C4-4BCD-93E2-E3B085C9AB24}">
+                <p16:designElem xmlns:p16="http://schemas.microsoft.com/office/powerpoint/2015/main" val="1"/>
+              </p:ext>
+            </p:extLst>
+          </p:nvPr>
+        </p:nvSpPr>
+        <p:spPr>
+          <a:xfrm flipH="1">
+            <a:off x="11743267" y="4013200"/>
+            <a:ext cx="448733" cy="2844800"/>
+          </a:xfrm>
+          <a:prstGeom prst="triangle">
+            <a:avLst>
+              <a:gd name="adj" fmla="val 0"/>
+            </a:avLst>
+          </a:prstGeom>
+          <a:solidFill>
+            <a:schemeClr val="accent1">
+              <a:alpha val="85000"/>
+            </a:schemeClr>
+          </a:solidFill>
+          <a:ln>
+            <a:noFill/>
+          </a:ln>
+          <a:effectLst/>
+        </p:spPr>
+        <p:style>
+          <a:lnRef idx="1">
+            <a:schemeClr val="accent1"/>
+          </a:lnRef>
+          <a:fillRef idx="3">
+            <a:schemeClr val="accent1"/>
+          </a:fillRef>
+          <a:effectRef idx="2">
+            <a:schemeClr val="accent1"/>
+          </a:effectRef>
+          <a:fontRef idx="minor">
+            <a:schemeClr val="lt1"/>
+          </a:fontRef>
+        </p:style>
+      </p:sp>
+      <p:grpSp>
+        <p:nvGrpSpPr>
+          <p:cNvPr id="4" name="Group 3">
+            <a:extLst>
+              <a:ext uri="{FF2B5EF4-FFF2-40B4-BE49-F238E27FC236}">
+                <a16:creationId xmlns:a16="http://schemas.microsoft.com/office/drawing/2014/main" id="{AC63F983-DA35-73EB-9A0D-EBB6B46BED41}"/>
+              </a:ext>
+            </a:extLst>
+          </p:cNvPr>
+          <p:cNvGrpSpPr/>
+          <p:nvPr/>
+        </p:nvGrpSpPr>
+        <p:grpSpPr>
+          <a:xfrm>
+            <a:off x="7854555" y="1679612"/>
+            <a:ext cx="4151230" cy="3137438"/>
+            <a:chOff x="7563390" y="1428620"/>
+            <a:chExt cx="3110831" cy="2559037"/>
+          </a:xfrm>
+        </p:grpSpPr>
+        <p:pic>
+          <p:nvPicPr>
+            <p:cNvPr id="5" name="Picture 4" descr="Chart, bar chart&#10;&#10;Description automatically generated">
+              <a:extLst>
+                <a:ext uri="{FF2B5EF4-FFF2-40B4-BE49-F238E27FC236}">
+                  <a16:creationId xmlns:a16="http://schemas.microsoft.com/office/drawing/2014/main" id="{FC4A3F0A-B805-3801-4213-A81367601EA1}"/>
+                </a:ext>
+              </a:extLst>
+            </p:cNvPr>
+            <p:cNvPicPr>
+              <a:picLocks noChangeAspect="1"/>
+            </p:cNvPicPr>
+            <p:nvPr/>
+          </p:nvPicPr>
+          <p:blipFill>
+            <a:blip r:embed="rId2">
+              <a:extLst>
+                <a:ext uri="{28A0092B-C50C-407E-A947-70E740481C1C}">
+                  <a14:useLocalDpi xmlns:a14="http://schemas.microsoft.com/office/drawing/2010/main" val="0"/>
+                </a:ext>
+              </a:extLst>
+            </a:blip>
+            <a:stretch>
+              <a:fillRect/>
+            </a:stretch>
+          </p:blipFill>
+          <p:spPr>
+            <a:xfrm>
+              <a:off x="7563390" y="1428620"/>
+              <a:ext cx="3110831" cy="2333123"/>
+            </a:xfrm>
+            <a:prstGeom prst="rect">
+              <a:avLst/>
+            </a:prstGeom>
+          </p:spPr>
+        </p:pic>
+        <p:sp>
+          <p:nvSpPr>
+            <p:cNvPr id="6" name="TextBox 5">
+              <a:extLst>
+                <a:ext uri="{FF2B5EF4-FFF2-40B4-BE49-F238E27FC236}">
+                  <a16:creationId xmlns:a16="http://schemas.microsoft.com/office/drawing/2014/main" id="{28BAC0B7-8D26-F58F-FC00-B13806468EB4}"/>
+                </a:ext>
+              </a:extLst>
+            </p:cNvPr>
+            <p:cNvSpPr txBox="1"/>
+            <p:nvPr/>
+          </p:nvSpPr>
+          <p:spPr>
+            <a:xfrm>
+              <a:off x="7563390" y="3758666"/>
+              <a:ext cx="3107093" cy="228991"/>
+            </a:xfrm>
+            <a:prstGeom prst="rect">
+              <a:avLst/>
+            </a:prstGeom>
+            <a:noFill/>
+          </p:spPr>
+          <p:txBody>
+            <a:bodyPr wrap="square" rtlCol="0">
+              <a:spAutoFit/>
+            </a:bodyPr>
+            <a:lstStyle/>
+            <a:p>
+              <a:pPr algn="ctr"/>
+              <a:r>
+                <a:rPr lang="en-GB" sz="1100" dirty="0">
+                  <a:solidFill>
+                    <a:srgbClr val="404040"/>
+                  </a:solidFill>
+                </a:rPr>
+                <a:t>Figure 1: Offline Training on CIFAR-10 for 100 epochs </a:t>
+              </a:r>
+            </a:p>
+          </p:txBody>
+        </p:sp>
+      </p:grpSp>
+    </p:spTree>
+    <p:extLst>
+      <p:ext uri="{BB962C8B-B14F-4D97-AF65-F5344CB8AC3E}">
+        <p14:creationId xmlns:p14="http://schemas.microsoft.com/office/powerpoint/2010/main" val="1849331419"/>
+      </p:ext>
+    </p:extLst>
+  </p:cSld>
+  <p:clrMapOvr>
+    <a:masterClrMapping/>
+  </p:clrMapOvr>
+</p:sld>
+</file>
+
+<file path=ppt/slides/slide3.xml><?xml version="1.0" encoding="utf-8"?>
+<p:sld xmlns:a="http://schemas.openxmlformats.org/drawingml/2006/main" xmlns:r="http://schemas.openxmlformats.org/officeDocument/2006/relationships" xmlns:p="http://schemas.openxmlformats.org/presentationml/2006/main">
+  <p:cSld>
+    <p:spTree>
+      <p:nvGrpSpPr>
+        <p:cNvPr id="1" name=""/>
+        <p:cNvGrpSpPr/>
+        <p:nvPr/>
+      </p:nvGrpSpPr>
+      <p:grpSpPr>
+        <a:xfrm>
+          <a:off x="0" y="0"/>
+          <a:ext cx="0" cy="0"/>
+          <a:chOff x="0" y="0"/>
+          <a:chExt cx="0" cy="0"/>
+        </a:xfrm>
+      </p:grpSpPr>
+      <p:sp>
+        <p:nvSpPr>
+          <p:cNvPr id="2" name="Title 1">
+            <a:extLst>
+              <a:ext uri="{FF2B5EF4-FFF2-40B4-BE49-F238E27FC236}">
                 <a16:creationId xmlns:a16="http://schemas.microsoft.com/office/drawing/2014/main" id="{9440B361-669A-B2EE-03CA-36EAE315BC4D}"/>
               </a:ext>
             </a:extLst>
@@ -3466,7 +6795,7 @@
           <a:p>
             <a:r>
               <a:rPr lang="en-GB" dirty="0"/>
-              <a:t>Continual Learning</a:t>
+              <a:t>Catastrophic Forgetting</a:t>
             </a:r>
           </a:p>
         </p:txBody>
@@ -3492,7 +6821,41 @@
           <a:bodyPr/>
           <a:lstStyle/>
           <a:p>
-            <a:endParaRPr lang="en-GB"/>
+            <a:r>
+              <a:rPr lang="en-GB" b="1" dirty="0"/>
+              <a:t>Catastrophic Forgetting</a:t>
+            </a:r>
+            <a:r>
+              <a:rPr lang="en-GB" dirty="0"/>
+              <a:t>: a phenomenon were a neural network overwrites any existing knowledge in the network when training on new data [2]</a:t>
+            </a:r>
+          </a:p>
+          <a:p>
+            <a:r>
+              <a:rPr lang="en-GB" dirty="0"/>
+              <a:t>Occurs when naively using Offline Training to update an already trained neural network about new classes sequentially</a:t>
+            </a:r>
+          </a:p>
+          <a:p>
+            <a:r>
+              <a:rPr lang="en-GB" dirty="0"/>
+              <a:t>Offline Training does not preserve the existing knowledge in the network</a:t>
+            </a:r>
+          </a:p>
+          <a:p>
+            <a:r>
+              <a:rPr lang="en-GB" dirty="0"/>
+              <a:t>Training process does not have the context that the existing weights in the network represent prior knowledge</a:t>
+            </a:r>
+          </a:p>
+          <a:p>
+            <a:r>
+              <a:rPr lang="en-GB" dirty="0"/>
+              <a:t>Can view them as an initialisation of the network instead</a:t>
+            </a:r>
+          </a:p>
+          <a:p>
+            <a:endParaRPr lang="en-GB" dirty="0"/>
           </a:p>
         </p:txBody>
       </p:sp>
@@ -3509,10 +6872,1934 @@
 </p:sld>
 </file>
 
+<file path=ppt/slides/slide4.xml><?xml version="1.0" encoding="utf-8"?>
+<p:sld xmlns:a="http://schemas.openxmlformats.org/drawingml/2006/main" xmlns:r="http://schemas.openxmlformats.org/officeDocument/2006/relationships" xmlns:p="http://schemas.openxmlformats.org/presentationml/2006/main">
+  <p:cSld>
+    <p:bg>
+      <p:bgPr>
+        <a:solidFill>
+          <a:schemeClr val="bg1"/>
+        </a:solidFill>
+        <a:effectLst/>
+      </p:bgPr>
+    </p:bg>
+    <p:spTree>
+      <p:nvGrpSpPr>
+        <p:cNvPr id="1" name=""/>
+        <p:cNvGrpSpPr/>
+        <p:nvPr/>
+      </p:nvGrpSpPr>
+      <p:grpSpPr>
+        <a:xfrm>
+          <a:off x="0" y="0"/>
+          <a:ext cx="0" cy="0"/>
+          <a:chOff x="0" y="0"/>
+          <a:chExt cx="0" cy="0"/>
+        </a:xfrm>
+      </p:grpSpPr>
+      <p:grpSp>
+        <p:nvGrpSpPr>
+          <p:cNvPr id="11" name="Group 10">
+            <a:extLst>
+              <a:ext uri="{FF2B5EF4-FFF2-40B4-BE49-F238E27FC236}">
+                <a16:creationId xmlns:a16="http://schemas.microsoft.com/office/drawing/2014/main" id="{D920209C-E85B-4D6F-A56F-724F5ADA811C}"/>
+              </a:ext>
+              <a:ext uri="{C183D7F6-B498-43B3-948B-1728B52AA6E4}">
+                <adec:decorative xmlns:adec="http://schemas.microsoft.com/office/drawing/2017/decorative" val="1"/>
+              </a:ext>
+            </a:extLst>
+          </p:cNvPr>
+          <p:cNvGrpSpPr>
+            <a:grpSpLocks noGrp="1" noUngrp="1" noRot="1" noChangeAspect="1" noMove="1" noResize="1"/>
+          </p:cNvGrpSpPr>
+          <p:nvPr>
+            <p:extLst>
+              <p:ext uri="{386F3935-93C4-4BCD-93E2-E3B085C9AB24}">
+                <p16:designElem xmlns:p16="http://schemas.microsoft.com/office/powerpoint/2015/main" val="1"/>
+              </p:ext>
+            </p:extLst>
+          </p:nvPr>
+        </p:nvGrpSpPr>
+        <p:grpSpPr>
+          <a:xfrm>
+            <a:off x="0" y="-8467"/>
+            <a:ext cx="12192000" cy="6866467"/>
+            <a:chOff x="0" y="-8467"/>
+            <a:chExt cx="12192000" cy="6866467"/>
+          </a:xfrm>
+        </p:grpSpPr>
+        <p:cxnSp>
+          <p:nvCxnSpPr>
+            <p:cNvPr id="12" name="Straight Connector 11">
+              <a:extLst>
+                <a:ext uri="{FF2B5EF4-FFF2-40B4-BE49-F238E27FC236}">
+                  <a16:creationId xmlns:a16="http://schemas.microsoft.com/office/drawing/2014/main" id="{9125522E-1DFD-4F78-912B-B922A2D39DAE}"/>
+                </a:ext>
+                <a:ext uri="{C183D7F6-B498-43B3-948B-1728B52AA6E4}">
+                  <adec:decorative xmlns:adec="http://schemas.microsoft.com/office/drawing/2017/decorative" val="1"/>
+                </a:ext>
+              </a:extLst>
+            </p:cNvPr>
+            <p:cNvCxnSpPr/>
+            <p:nvPr>
+              <p:extLst>
+                <p:ext uri="{386F3935-93C4-4BCD-93E2-E3B085C9AB24}">
+                  <p16:designElem xmlns:p16="http://schemas.microsoft.com/office/powerpoint/2015/main" val="1"/>
+                </p:ext>
+              </p:extLst>
+            </p:nvPr>
+          </p:nvCxnSpPr>
+          <p:spPr>
+            <a:xfrm>
+              <a:off x="9371012" y="0"/>
+              <a:ext cx="1219200" cy="6858000"/>
+            </a:xfrm>
+            <a:prstGeom prst="line">
+              <a:avLst/>
+            </a:prstGeom>
+            <a:ln w="9525">
+              <a:solidFill>
+                <a:schemeClr val="bg1">
+                  <a:lumMod val="75000"/>
+                </a:schemeClr>
+              </a:solidFill>
+            </a:ln>
+          </p:spPr>
+          <p:style>
+            <a:lnRef idx="2">
+              <a:schemeClr val="accent1"/>
+            </a:lnRef>
+            <a:fillRef idx="0">
+              <a:schemeClr val="accent1"/>
+            </a:fillRef>
+            <a:effectRef idx="1">
+              <a:schemeClr val="accent1"/>
+            </a:effectRef>
+            <a:fontRef idx="minor">
+              <a:schemeClr val="tx1"/>
+            </a:fontRef>
+          </p:style>
+        </p:cxnSp>
+        <p:cxnSp>
+          <p:nvCxnSpPr>
+            <p:cNvPr id="13" name="Straight Connector 12">
+              <a:extLst>
+                <a:ext uri="{FF2B5EF4-FFF2-40B4-BE49-F238E27FC236}">
+                  <a16:creationId xmlns:a16="http://schemas.microsoft.com/office/drawing/2014/main" id="{FDA72C10-FE9D-49B3-80CB-A7EE8BCB38F9}"/>
+                </a:ext>
+                <a:ext uri="{C183D7F6-B498-43B3-948B-1728B52AA6E4}">
+                  <adec:decorative xmlns:adec="http://schemas.microsoft.com/office/drawing/2017/decorative" val="1"/>
+                </a:ext>
+              </a:extLst>
+            </p:cNvPr>
+            <p:cNvCxnSpPr/>
+            <p:nvPr>
+              <p:extLst>
+                <p:ext uri="{386F3935-93C4-4BCD-93E2-E3B085C9AB24}">
+                  <p16:designElem xmlns:p16="http://schemas.microsoft.com/office/powerpoint/2015/main" val="1"/>
+                </p:ext>
+              </p:extLst>
+            </p:nvPr>
+          </p:nvCxnSpPr>
+          <p:spPr>
+            <a:xfrm flipH="1">
+              <a:off x="7425267" y="3681413"/>
+              <a:ext cx="4763558" cy="3176587"/>
+            </a:xfrm>
+            <a:prstGeom prst="line">
+              <a:avLst/>
+            </a:prstGeom>
+            <a:ln w="9525">
+              <a:solidFill>
+                <a:schemeClr val="bg1">
+                  <a:lumMod val="85000"/>
+                </a:schemeClr>
+              </a:solidFill>
+            </a:ln>
+          </p:spPr>
+          <p:style>
+            <a:lnRef idx="2">
+              <a:schemeClr val="accent1"/>
+            </a:lnRef>
+            <a:fillRef idx="0">
+              <a:schemeClr val="accent1"/>
+            </a:fillRef>
+            <a:effectRef idx="1">
+              <a:schemeClr val="accent1"/>
+            </a:effectRef>
+            <a:fontRef idx="minor">
+              <a:schemeClr val="tx1"/>
+            </a:fontRef>
+          </p:style>
+        </p:cxnSp>
+        <p:sp>
+          <p:nvSpPr>
+            <p:cNvPr id="14" name="Rectangle 23">
+              <a:extLst>
+                <a:ext uri="{FF2B5EF4-FFF2-40B4-BE49-F238E27FC236}">
+                  <a16:creationId xmlns:a16="http://schemas.microsoft.com/office/drawing/2014/main" id="{6E7DF470-1055-45E4-AB9D-11E42EC53870}"/>
+                </a:ext>
+                <a:ext uri="{C183D7F6-B498-43B3-948B-1728B52AA6E4}">
+                  <adec:decorative xmlns:adec="http://schemas.microsoft.com/office/drawing/2017/decorative" val="1"/>
+                </a:ext>
+              </a:extLst>
+            </p:cNvPr>
+            <p:cNvSpPr/>
+            <p:nvPr>
+              <p:extLst>
+                <p:ext uri="{386F3935-93C4-4BCD-93E2-E3B085C9AB24}">
+                  <p16:designElem xmlns:p16="http://schemas.microsoft.com/office/powerpoint/2015/main" val="1"/>
+                </p:ext>
+              </p:extLst>
+            </p:nvPr>
+          </p:nvSpPr>
+          <p:spPr>
+            <a:xfrm>
+              <a:off x="9181476" y="-8467"/>
+              <a:ext cx="3007349" cy="6866467"/>
+            </a:xfrm>
+            <a:custGeom>
+              <a:avLst/>
+              <a:gdLst/>
+              <a:ahLst/>
+              <a:cxnLst/>
+              <a:rect l="l" t="t" r="r" b="b"/>
+              <a:pathLst>
+                <a:path w="3007349" h="6866467">
+                  <a:moveTo>
+                    <a:pt x="2045532" y="0"/>
+                  </a:moveTo>
+                  <a:lnTo>
+                    <a:pt x="3007349" y="0"/>
+                  </a:lnTo>
+                  <a:lnTo>
+                    <a:pt x="3007349" y="6866467"/>
+                  </a:lnTo>
+                  <a:lnTo>
+                    <a:pt x="0" y="6866467"/>
+                  </a:lnTo>
+                  <a:lnTo>
+                    <a:pt x="2045532" y="0"/>
+                  </a:lnTo>
+                  <a:close/>
+                </a:path>
+              </a:pathLst>
+            </a:custGeom>
+            <a:solidFill>
+              <a:schemeClr val="accent1">
+                <a:alpha val="30000"/>
+              </a:schemeClr>
+            </a:solidFill>
+            <a:ln>
+              <a:noFill/>
+            </a:ln>
+            <a:effectLst/>
+          </p:spPr>
+          <p:style>
+            <a:lnRef idx="1">
+              <a:schemeClr val="accent1"/>
+            </a:lnRef>
+            <a:fillRef idx="3">
+              <a:schemeClr val="accent1"/>
+            </a:fillRef>
+            <a:effectRef idx="2">
+              <a:schemeClr val="accent1"/>
+            </a:effectRef>
+            <a:fontRef idx="minor">
+              <a:schemeClr val="lt1"/>
+            </a:fontRef>
+          </p:style>
+        </p:sp>
+        <p:sp>
+          <p:nvSpPr>
+            <p:cNvPr id="15" name="Rectangle 25">
+              <a:extLst>
+                <a:ext uri="{FF2B5EF4-FFF2-40B4-BE49-F238E27FC236}">
+                  <a16:creationId xmlns:a16="http://schemas.microsoft.com/office/drawing/2014/main" id="{6AA35CFF-3837-4B7F-B875-718AC2E14EE7}"/>
+                </a:ext>
+                <a:ext uri="{C183D7F6-B498-43B3-948B-1728B52AA6E4}">
+                  <adec:decorative xmlns:adec="http://schemas.microsoft.com/office/drawing/2017/decorative" val="1"/>
+                </a:ext>
+              </a:extLst>
+            </p:cNvPr>
+            <p:cNvSpPr/>
+            <p:nvPr>
+              <p:extLst>
+                <p:ext uri="{386F3935-93C4-4BCD-93E2-E3B085C9AB24}">
+                  <p16:designElem xmlns:p16="http://schemas.microsoft.com/office/powerpoint/2015/main" val="1"/>
+                </p:ext>
+              </p:extLst>
+            </p:nvPr>
+          </p:nvSpPr>
+          <p:spPr>
+            <a:xfrm>
+              <a:off x="9603442" y="-8467"/>
+              <a:ext cx="2588558" cy="6866467"/>
+            </a:xfrm>
+            <a:custGeom>
+              <a:avLst/>
+              <a:gdLst/>
+              <a:ahLst/>
+              <a:cxnLst/>
+              <a:rect l="l" t="t" r="r" b="b"/>
+              <a:pathLst>
+                <a:path w="2573311" h="6866467">
+                  <a:moveTo>
+                    <a:pt x="0" y="0"/>
+                  </a:moveTo>
+                  <a:lnTo>
+                    <a:pt x="2573311" y="0"/>
+                  </a:lnTo>
+                  <a:lnTo>
+                    <a:pt x="2573311" y="6866467"/>
+                  </a:lnTo>
+                  <a:lnTo>
+                    <a:pt x="1202336" y="6866467"/>
+                  </a:lnTo>
+                  <a:lnTo>
+                    <a:pt x="0" y="0"/>
+                  </a:lnTo>
+                  <a:close/>
+                </a:path>
+              </a:pathLst>
+            </a:custGeom>
+            <a:solidFill>
+              <a:schemeClr val="accent1">
+                <a:alpha val="20000"/>
+              </a:schemeClr>
+            </a:solidFill>
+            <a:ln>
+              <a:noFill/>
+            </a:ln>
+            <a:effectLst/>
+          </p:spPr>
+          <p:style>
+            <a:lnRef idx="1">
+              <a:schemeClr val="accent1"/>
+            </a:lnRef>
+            <a:fillRef idx="3">
+              <a:schemeClr val="accent1"/>
+            </a:fillRef>
+            <a:effectRef idx="2">
+              <a:schemeClr val="accent1"/>
+            </a:effectRef>
+            <a:fontRef idx="minor">
+              <a:schemeClr val="lt1"/>
+            </a:fontRef>
+          </p:style>
+        </p:sp>
+        <p:sp>
+          <p:nvSpPr>
+            <p:cNvPr id="16" name="Isosceles Triangle 15">
+              <a:extLst>
+                <a:ext uri="{FF2B5EF4-FFF2-40B4-BE49-F238E27FC236}">
+                  <a16:creationId xmlns:a16="http://schemas.microsoft.com/office/drawing/2014/main" id="{62F41804-A347-47E3-8BD8-BD00CF2F6441}"/>
+                </a:ext>
+                <a:ext uri="{C183D7F6-B498-43B3-948B-1728B52AA6E4}">
+                  <adec:decorative xmlns:adec="http://schemas.microsoft.com/office/drawing/2017/decorative" val="1"/>
+                </a:ext>
+              </a:extLst>
+            </p:cNvPr>
+            <p:cNvSpPr/>
+            <p:nvPr>
+              <p:extLst>
+                <p:ext uri="{386F3935-93C4-4BCD-93E2-E3B085C9AB24}">
+                  <p16:designElem xmlns:p16="http://schemas.microsoft.com/office/powerpoint/2015/main" val="1"/>
+                </p:ext>
+              </p:extLst>
+            </p:nvPr>
+          </p:nvSpPr>
+          <p:spPr>
+            <a:xfrm>
+              <a:off x="8932333" y="3048000"/>
+              <a:ext cx="3259667" cy="3810000"/>
+            </a:xfrm>
+            <a:prstGeom prst="triangle">
+              <a:avLst>
+                <a:gd name="adj" fmla="val 100000"/>
+              </a:avLst>
+            </a:prstGeom>
+            <a:solidFill>
+              <a:schemeClr val="accent2">
+                <a:alpha val="72000"/>
+              </a:schemeClr>
+            </a:solidFill>
+            <a:ln>
+              <a:noFill/>
+            </a:ln>
+            <a:effectLst/>
+          </p:spPr>
+          <p:style>
+            <a:lnRef idx="1">
+              <a:schemeClr val="accent1"/>
+            </a:lnRef>
+            <a:fillRef idx="3">
+              <a:schemeClr val="accent1"/>
+            </a:fillRef>
+            <a:effectRef idx="2">
+              <a:schemeClr val="accent1"/>
+            </a:effectRef>
+            <a:fontRef idx="minor">
+              <a:schemeClr val="lt1"/>
+            </a:fontRef>
+          </p:style>
+        </p:sp>
+        <p:sp>
+          <p:nvSpPr>
+            <p:cNvPr id="17" name="Rectangle 27">
+              <a:extLst>
+                <a:ext uri="{FF2B5EF4-FFF2-40B4-BE49-F238E27FC236}">
+                  <a16:creationId xmlns:a16="http://schemas.microsoft.com/office/drawing/2014/main" id="{76894B81-EE9C-4546-BCFA-DD9ED2C0ADB6}"/>
+                </a:ext>
+                <a:ext uri="{C183D7F6-B498-43B3-948B-1728B52AA6E4}">
+                  <adec:decorative xmlns:adec="http://schemas.microsoft.com/office/drawing/2017/decorative" val="1"/>
+                </a:ext>
+              </a:extLst>
+            </p:cNvPr>
+            <p:cNvSpPr/>
+            <p:nvPr>
+              <p:extLst>
+                <p:ext uri="{386F3935-93C4-4BCD-93E2-E3B085C9AB24}">
+                  <p16:designElem xmlns:p16="http://schemas.microsoft.com/office/powerpoint/2015/main" val="1"/>
+                </p:ext>
+              </p:extLst>
+            </p:nvPr>
+          </p:nvSpPr>
+          <p:spPr>
+            <a:xfrm>
+              <a:off x="9334500" y="-8467"/>
+              <a:ext cx="2854326" cy="6866467"/>
+            </a:xfrm>
+            <a:custGeom>
+              <a:avLst/>
+              <a:gdLst/>
+              <a:ahLst/>
+              <a:cxnLst/>
+              <a:rect l="l" t="t" r="r" b="b"/>
+              <a:pathLst>
+                <a:path w="2858013" h="6866467">
+                  <a:moveTo>
+                    <a:pt x="0" y="0"/>
+                  </a:moveTo>
+                  <a:lnTo>
+                    <a:pt x="2858013" y="0"/>
+                  </a:lnTo>
+                  <a:lnTo>
+                    <a:pt x="2858013" y="6866467"/>
+                  </a:lnTo>
+                  <a:lnTo>
+                    <a:pt x="2473942" y="6866467"/>
+                  </a:lnTo>
+                  <a:lnTo>
+                    <a:pt x="0" y="0"/>
+                  </a:lnTo>
+                  <a:close/>
+                </a:path>
+              </a:pathLst>
+            </a:custGeom>
+            <a:solidFill>
+              <a:schemeClr val="accent2">
+                <a:lumMod val="75000"/>
+                <a:alpha val="70000"/>
+              </a:schemeClr>
+            </a:solidFill>
+            <a:ln>
+              <a:noFill/>
+            </a:ln>
+            <a:effectLst/>
+          </p:spPr>
+          <p:style>
+            <a:lnRef idx="1">
+              <a:schemeClr val="accent1"/>
+            </a:lnRef>
+            <a:fillRef idx="3">
+              <a:schemeClr val="accent1"/>
+            </a:fillRef>
+            <a:effectRef idx="2">
+              <a:schemeClr val="accent1"/>
+            </a:effectRef>
+            <a:fontRef idx="minor">
+              <a:schemeClr val="lt1"/>
+            </a:fontRef>
+          </p:style>
+        </p:sp>
+        <p:sp>
+          <p:nvSpPr>
+            <p:cNvPr id="18" name="Rectangle 28">
+              <a:extLst>
+                <a:ext uri="{FF2B5EF4-FFF2-40B4-BE49-F238E27FC236}">
+                  <a16:creationId xmlns:a16="http://schemas.microsoft.com/office/drawing/2014/main" id="{3AF181D1-71AC-43D8-A6E1-D4C488D5DC56}"/>
+                </a:ext>
+                <a:ext uri="{C183D7F6-B498-43B3-948B-1728B52AA6E4}">
+                  <adec:decorative xmlns:adec="http://schemas.microsoft.com/office/drawing/2017/decorative" val="1"/>
+                </a:ext>
+              </a:extLst>
+            </p:cNvPr>
+            <p:cNvSpPr/>
+            <p:nvPr>
+              <p:extLst>
+                <p:ext uri="{386F3935-93C4-4BCD-93E2-E3B085C9AB24}">
+                  <p16:designElem xmlns:p16="http://schemas.microsoft.com/office/powerpoint/2015/main" val="1"/>
+                </p:ext>
+              </p:extLst>
+            </p:nvPr>
+          </p:nvSpPr>
+          <p:spPr>
+            <a:xfrm>
+              <a:off x="10898730" y="-8467"/>
+              <a:ext cx="1290094" cy="6866467"/>
+            </a:xfrm>
+            <a:custGeom>
+              <a:avLst/>
+              <a:gdLst/>
+              <a:ahLst/>
+              <a:cxnLst/>
+              <a:rect l="l" t="t" r="r" b="b"/>
+              <a:pathLst>
+                <a:path w="1290094" h="6858000">
+                  <a:moveTo>
+                    <a:pt x="1019735" y="0"/>
+                  </a:moveTo>
+                  <a:lnTo>
+                    <a:pt x="1290094" y="0"/>
+                  </a:lnTo>
+                  <a:lnTo>
+                    <a:pt x="1290094" y="6858000"/>
+                  </a:lnTo>
+                  <a:lnTo>
+                    <a:pt x="0" y="6858000"/>
+                  </a:lnTo>
+                  <a:lnTo>
+                    <a:pt x="1019735" y="0"/>
+                  </a:lnTo>
+                  <a:close/>
+                </a:path>
+              </a:pathLst>
+            </a:custGeom>
+            <a:solidFill>
+              <a:schemeClr val="accent1">
+                <a:lumMod val="60000"/>
+                <a:lumOff val="40000"/>
+                <a:alpha val="70000"/>
+              </a:schemeClr>
+            </a:solidFill>
+            <a:ln>
+              <a:noFill/>
+            </a:ln>
+            <a:effectLst/>
+          </p:spPr>
+          <p:style>
+            <a:lnRef idx="1">
+              <a:schemeClr val="accent1"/>
+            </a:lnRef>
+            <a:fillRef idx="3">
+              <a:schemeClr val="accent1"/>
+            </a:fillRef>
+            <a:effectRef idx="2">
+              <a:schemeClr val="accent1"/>
+            </a:effectRef>
+            <a:fontRef idx="minor">
+              <a:schemeClr val="lt1"/>
+            </a:fontRef>
+          </p:style>
+        </p:sp>
+        <p:sp>
+          <p:nvSpPr>
+            <p:cNvPr id="19" name="Rectangle 29">
+              <a:extLst>
+                <a:ext uri="{FF2B5EF4-FFF2-40B4-BE49-F238E27FC236}">
+                  <a16:creationId xmlns:a16="http://schemas.microsoft.com/office/drawing/2014/main" id="{4132D661-917C-4D2D-8E37-8590B55D91F8}"/>
+                </a:ext>
+                <a:ext uri="{C183D7F6-B498-43B3-948B-1728B52AA6E4}">
+                  <adec:decorative xmlns:adec="http://schemas.microsoft.com/office/drawing/2017/decorative" val="1"/>
+                </a:ext>
+              </a:extLst>
+            </p:cNvPr>
+            <p:cNvSpPr/>
+            <p:nvPr>
+              <p:extLst>
+                <p:ext uri="{386F3935-93C4-4BCD-93E2-E3B085C9AB24}">
+                  <p16:designElem xmlns:p16="http://schemas.microsoft.com/office/powerpoint/2015/main" val="1"/>
+                </p:ext>
+              </p:extLst>
+            </p:nvPr>
+          </p:nvSpPr>
+          <p:spPr>
+            <a:xfrm>
+              <a:off x="10938999" y="-8467"/>
+              <a:ext cx="1249825" cy="6866467"/>
+            </a:xfrm>
+            <a:custGeom>
+              <a:avLst/>
+              <a:gdLst/>
+              <a:ahLst/>
+              <a:cxnLst/>
+              <a:rect l="l" t="t" r="r" b="b"/>
+              <a:pathLst>
+                <a:path w="1249825" h="6858000">
+                  <a:moveTo>
+                    <a:pt x="0" y="0"/>
+                  </a:moveTo>
+                  <a:lnTo>
+                    <a:pt x="1249825" y="0"/>
+                  </a:lnTo>
+                  <a:lnTo>
+                    <a:pt x="1249825" y="6858000"/>
+                  </a:lnTo>
+                  <a:lnTo>
+                    <a:pt x="1109382" y="6858000"/>
+                  </a:lnTo>
+                  <a:lnTo>
+                    <a:pt x="0" y="0"/>
+                  </a:lnTo>
+                  <a:close/>
+                </a:path>
+              </a:pathLst>
+            </a:custGeom>
+            <a:solidFill>
+              <a:schemeClr val="accent1">
+                <a:alpha val="65000"/>
+              </a:schemeClr>
+            </a:solidFill>
+            <a:ln>
+              <a:noFill/>
+            </a:ln>
+            <a:effectLst/>
+          </p:spPr>
+          <p:style>
+            <a:lnRef idx="1">
+              <a:schemeClr val="accent1"/>
+            </a:lnRef>
+            <a:fillRef idx="3">
+              <a:schemeClr val="accent1"/>
+            </a:fillRef>
+            <a:effectRef idx="2">
+              <a:schemeClr val="accent1"/>
+            </a:effectRef>
+            <a:fontRef idx="minor">
+              <a:schemeClr val="lt1"/>
+            </a:fontRef>
+          </p:style>
+        </p:sp>
+        <p:sp>
+          <p:nvSpPr>
+            <p:cNvPr id="20" name="Isosceles Triangle 19">
+              <a:extLst>
+                <a:ext uri="{FF2B5EF4-FFF2-40B4-BE49-F238E27FC236}">
+                  <a16:creationId xmlns:a16="http://schemas.microsoft.com/office/drawing/2014/main" id="{7969643D-8B71-434D-A235-68CB241F9DCF}"/>
+                </a:ext>
+                <a:ext uri="{C183D7F6-B498-43B3-948B-1728B52AA6E4}">
+                  <adec:decorative xmlns:adec="http://schemas.microsoft.com/office/drawing/2017/decorative" val="1"/>
+                </a:ext>
+              </a:extLst>
+            </p:cNvPr>
+            <p:cNvSpPr/>
+            <p:nvPr>
+              <p:extLst>
+                <p:ext uri="{386F3935-93C4-4BCD-93E2-E3B085C9AB24}">
+                  <p16:designElem xmlns:p16="http://schemas.microsoft.com/office/powerpoint/2015/main" val="1"/>
+                </p:ext>
+              </p:extLst>
+            </p:nvPr>
+          </p:nvSpPr>
+          <p:spPr>
+            <a:xfrm>
+              <a:off x="10371666" y="3589867"/>
+              <a:ext cx="1817159" cy="3268133"/>
+            </a:xfrm>
+            <a:prstGeom prst="triangle">
+              <a:avLst>
+                <a:gd name="adj" fmla="val 100000"/>
+              </a:avLst>
+            </a:prstGeom>
+            <a:solidFill>
+              <a:schemeClr val="accent1">
+                <a:alpha val="80000"/>
+              </a:schemeClr>
+            </a:solidFill>
+            <a:ln>
+              <a:noFill/>
+            </a:ln>
+            <a:effectLst/>
+          </p:spPr>
+          <p:style>
+            <a:lnRef idx="1">
+              <a:schemeClr val="accent1"/>
+            </a:lnRef>
+            <a:fillRef idx="3">
+              <a:schemeClr val="accent1"/>
+            </a:fillRef>
+            <a:effectRef idx="2">
+              <a:schemeClr val="accent1"/>
+            </a:effectRef>
+            <a:fontRef idx="minor">
+              <a:schemeClr val="lt1"/>
+            </a:fontRef>
+          </p:style>
+        </p:sp>
+        <p:sp>
+          <p:nvSpPr>
+            <p:cNvPr id="21" name="Isosceles Triangle 20">
+              <a:extLst>
+                <a:ext uri="{FF2B5EF4-FFF2-40B4-BE49-F238E27FC236}">
+                  <a16:creationId xmlns:a16="http://schemas.microsoft.com/office/drawing/2014/main" id="{DF15C24A-4BCF-47C0-B2FA-76A0EF3384D1}"/>
+                </a:ext>
+                <a:ext uri="{C183D7F6-B498-43B3-948B-1728B52AA6E4}">
+                  <adec:decorative xmlns:adec="http://schemas.microsoft.com/office/drawing/2017/decorative" val="1"/>
+                </a:ext>
+              </a:extLst>
+            </p:cNvPr>
+            <p:cNvSpPr/>
+            <p:nvPr>
+              <p:extLst>
+                <p:ext uri="{386F3935-93C4-4BCD-93E2-E3B085C9AB24}">
+                  <p16:designElem xmlns:p16="http://schemas.microsoft.com/office/powerpoint/2015/main" val="1"/>
+                </p:ext>
+              </p:extLst>
+            </p:nvPr>
+          </p:nvSpPr>
+          <p:spPr>
+            <a:xfrm>
+              <a:off x="0" y="4013200"/>
+              <a:ext cx="448733" cy="2844800"/>
+            </a:xfrm>
+            <a:prstGeom prst="triangle">
+              <a:avLst>
+                <a:gd name="adj" fmla="val 0"/>
+              </a:avLst>
+            </a:prstGeom>
+            <a:solidFill>
+              <a:schemeClr val="accent1">
+                <a:alpha val="85000"/>
+              </a:schemeClr>
+            </a:solidFill>
+            <a:ln>
+              <a:noFill/>
+            </a:ln>
+            <a:effectLst/>
+          </p:spPr>
+          <p:style>
+            <a:lnRef idx="1">
+              <a:schemeClr val="accent1"/>
+            </a:lnRef>
+            <a:fillRef idx="3">
+              <a:schemeClr val="accent1"/>
+            </a:fillRef>
+            <a:effectRef idx="2">
+              <a:schemeClr val="accent1"/>
+            </a:effectRef>
+            <a:fontRef idx="minor">
+              <a:schemeClr val="lt1"/>
+            </a:fontRef>
+          </p:style>
+        </p:sp>
+      </p:grpSp>
+      <p:sp useBgFill="1">
+        <p:nvSpPr>
+          <p:cNvPr id="23" name="Rectangle 22">
+            <a:extLst>
+              <a:ext uri="{FF2B5EF4-FFF2-40B4-BE49-F238E27FC236}">
+                <a16:creationId xmlns:a16="http://schemas.microsoft.com/office/drawing/2014/main" id="{9F4444CE-BC8D-4D61-B303-4C05614E62AB}"/>
+              </a:ext>
+              <a:ext uri="{C183D7F6-B498-43B3-948B-1728B52AA6E4}">
+                <adec:decorative xmlns:adec="http://schemas.microsoft.com/office/drawing/2017/decorative" val="1"/>
+              </a:ext>
+            </a:extLst>
+          </p:cNvPr>
+          <p:cNvSpPr>
+            <a:spLocks noGrp="1" noRot="1" noChangeAspect="1" noMove="1" noResize="1" noEditPoints="1" noAdjustHandles="1" noChangeArrowheads="1" noChangeShapeType="1" noTextEdit="1"/>
+          </p:cNvSpPr>
+          <p:nvPr>
+            <p:extLst>
+              <p:ext uri="{386F3935-93C4-4BCD-93E2-E3B085C9AB24}">
+                <p16:designElem xmlns:p16="http://schemas.microsoft.com/office/powerpoint/2015/main" val="1"/>
+              </p:ext>
+            </p:extLst>
+          </p:nvPr>
+        </p:nvSpPr>
+        <p:spPr>
+          <a:xfrm>
+            <a:off x="0" y="0"/>
+            <a:ext cx="12192000" cy="6858000"/>
+          </a:xfrm>
+          <a:prstGeom prst="rect">
+            <a:avLst/>
+          </a:prstGeom>
+          <a:ln>
+            <a:noFill/>
+          </a:ln>
+        </p:spPr>
+        <p:style>
+          <a:lnRef idx="2">
+            <a:schemeClr val="accent1">
+              <a:shade val="50000"/>
+            </a:schemeClr>
+          </a:lnRef>
+          <a:fillRef idx="1">
+            <a:schemeClr val="accent1"/>
+          </a:fillRef>
+          <a:effectRef idx="0">
+            <a:schemeClr val="accent1"/>
+          </a:effectRef>
+          <a:fontRef idx="minor">
+            <a:schemeClr val="lt1"/>
+          </a:fontRef>
+        </p:style>
+        <p:txBody>
+          <a:bodyPr rtlCol="0" anchor="ctr"/>
+          <a:lstStyle/>
+          <a:p>
+            <a:pPr algn="ctr"/>
+            <a:endParaRPr lang="en-US"/>
+          </a:p>
+        </p:txBody>
+      </p:sp>
+      <p:sp>
+        <p:nvSpPr>
+          <p:cNvPr id="2" name="Title 1">
+            <a:extLst>
+              <a:ext uri="{FF2B5EF4-FFF2-40B4-BE49-F238E27FC236}">
+                <a16:creationId xmlns:a16="http://schemas.microsoft.com/office/drawing/2014/main" id="{79B8C30F-F02C-E5DD-BF93-DB46C17A8359}"/>
+              </a:ext>
+            </a:extLst>
+          </p:cNvPr>
+          <p:cNvSpPr>
+            <a:spLocks noGrp="1"/>
+          </p:cNvSpPr>
+          <p:nvPr>
+            <p:ph type="title"/>
+          </p:nvPr>
+        </p:nvSpPr>
+        <p:spPr>
+          <a:xfrm>
+            <a:off x="1286933" y="609600"/>
+            <a:ext cx="10197494" cy="1099457"/>
+          </a:xfrm>
+        </p:spPr>
+        <p:txBody>
+          <a:bodyPr vert="horz" lIns="91440" tIns="45720" rIns="91440" bIns="45720" rtlCol="0" anchor="t">
+            <a:normAutofit/>
+          </a:bodyPr>
+          <a:lstStyle/>
+          <a:p>
+            <a:r>
+              <a:rPr lang="en-US" dirty="0"/>
+              <a:t>Example of Catastrophic Forgetting</a:t>
+            </a:r>
+          </a:p>
+        </p:txBody>
+      </p:sp>
+      <p:sp>
+        <p:nvSpPr>
+          <p:cNvPr id="25" name="Isosceles Triangle 24">
+            <a:extLst>
+              <a:ext uri="{FF2B5EF4-FFF2-40B4-BE49-F238E27FC236}">
+                <a16:creationId xmlns:a16="http://schemas.microsoft.com/office/drawing/2014/main" id="{73772B81-181F-48B7-8826-4D9686D15DF5}"/>
+              </a:ext>
+              <a:ext uri="{C183D7F6-B498-43B3-948B-1728B52AA6E4}">
+                <adec:decorative xmlns:adec="http://schemas.microsoft.com/office/drawing/2017/decorative" val="1"/>
+              </a:ext>
+            </a:extLst>
+          </p:cNvPr>
+          <p:cNvSpPr>
+            <a:spLocks noGrp="1" noRot="1" noChangeAspect="1" noMove="1" noResize="1" noEditPoints="1" noAdjustHandles="1" noChangeArrowheads="1" noChangeShapeType="1" noTextEdit="1"/>
+          </p:cNvSpPr>
+          <p:nvPr>
+            <p:extLst>
+              <p:ext uri="{386F3935-93C4-4BCD-93E2-E3B085C9AB24}">
+                <p16:designElem xmlns:p16="http://schemas.microsoft.com/office/powerpoint/2015/main" val="1"/>
+              </p:ext>
+            </p:extLst>
+          </p:nvPr>
+        </p:nvSpPr>
+        <p:spPr>
+          <a:xfrm rot="10800000">
+            <a:off x="0" y="0"/>
+            <a:ext cx="842596" cy="5666154"/>
+          </a:xfrm>
+          <a:prstGeom prst="triangle">
+            <a:avLst>
+              <a:gd name="adj" fmla="val 100000"/>
+            </a:avLst>
+          </a:prstGeom>
+          <a:solidFill>
+            <a:schemeClr val="accent1">
+              <a:alpha val="85000"/>
+            </a:schemeClr>
+          </a:solidFill>
+          <a:ln>
+            <a:noFill/>
+          </a:ln>
+          <a:effectLst/>
+        </p:spPr>
+        <p:style>
+          <a:lnRef idx="1">
+            <a:schemeClr val="accent1"/>
+          </a:lnRef>
+          <a:fillRef idx="3">
+            <a:schemeClr val="accent1"/>
+          </a:fillRef>
+          <a:effectRef idx="2">
+            <a:schemeClr val="accent1"/>
+          </a:effectRef>
+          <a:fontRef idx="minor">
+            <a:schemeClr val="lt1"/>
+          </a:fontRef>
+        </p:style>
+      </p:sp>
+      <p:sp>
+        <p:nvSpPr>
+          <p:cNvPr id="27" name="Isosceles Triangle 26">
+            <a:extLst>
+              <a:ext uri="{FF2B5EF4-FFF2-40B4-BE49-F238E27FC236}">
+                <a16:creationId xmlns:a16="http://schemas.microsoft.com/office/drawing/2014/main" id="{B2205F6E-03C6-4E92-877C-E2482F6599AA}"/>
+              </a:ext>
+              <a:ext uri="{C183D7F6-B498-43B3-948B-1728B52AA6E4}">
+                <adec:decorative xmlns:adec="http://schemas.microsoft.com/office/drawing/2017/decorative" val="1"/>
+              </a:ext>
+            </a:extLst>
+          </p:cNvPr>
+          <p:cNvSpPr>
+            <a:spLocks noGrp="1" noRot="1" noChangeAspect="1" noMove="1" noResize="1" noEditPoints="1" noAdjustHandles="1" noChangeArrowheads="1" noChangeShapeType="1" noTextEdit="1"/>
+          </p:cNvSpPr>
+          <p:nvPr>
+            <p:extLst>
+              <p:ext uri="{386F3935-93C4-4BCD-93E2-E3B085C9AB24}">
+                <p16:designElem xmlns:p16="http://schemas.microsoft.com/office/powerpoint/2015/main" val="1"/>
+              </p:ext>
+            </p:extLst>
+          </p:nvPr>
+        </p:nvSpPr>
+        <p:spPr>
+          <a:xfrm flipH="1">
+            <a:off x="11743267" y="4013200"/>
+            <a:ext cx="448733" cy="2844800"/>
+          </a:xfrm>
+          <a:prstGeom prst="triangle">
+            <a:avLst>
+              <a:gd name="adj" fmla="val 0"/>
+            </a:avLst>
+          </a:prstGeom>
+          <a:solidFill>
+            <a:schemeClr val="accent1">
+              <a:alpha val="85000"/>
+            </a:schemeClr>
+          </a:solidFill>
+          <a:ln>
+            <a:noFill/>
+          </a:ln>
+          <a:effectLst/>
+        </p:spPr>
+        <p:style>
+          <a:lnRef idx="1">
+            <a:schemeClr val="accent1"/>
+          </a:lnRef>
+          <a:fillRef idx="3">
+            <a:schemeClr val="accent1"/>
+          </a:fillRef>
+          <a:effectRef idx="2">
+            <a:schemeClr val="accent1"/>
+          </a:effectRef>
+          <a:fontRef idx="minor">
+            <a:schemeClr val="lt1"/>
+          </a:fontRef>
+        </p:style>
+      </p:sp>
+      <p:grpSp>
+        <p:nvGrpSpPr>
+          <p:cNvPr id="7" name="Group 6">
+            <a:extLst>
+              <a:ext uri="{FF2B5EF4-FFF2-40B4-BE49-F238E27FC236}">
+                <a16:creationId xmlns:a16="http://schemas.microsoft.com/office/drawing/2014/main" id="{00CC59AB-4D96-E21E-9158-347E363D30EB}"/>
+              </a:ext>
+            </a:extLst>
+          </p:cNvPr>
+          <p:cNvGrpSpPr/>
+          <p:nvPr/>
+        </p:nvGrpSpPr>
+        <p:grpSpPr>
+          <a:xfrm>
+            <a:off x="1700384" y="1583411"/>
+            <a:ext cx="9370591" cy="5400235"/>
+            <a:chOff x="2602585" y="1948543"/>
+            <a:chExt cx="7059765" cy="4385638"/>
+          </a:xfrm>
+        </p:grpSpPr>
+        <p:pic>
+          <p:nvPicPr>
+            <p:cNvPr id="4" name="Picture 3">
+              <a:extLst>
+                <a:ext uri="{FF2B5EF4-FFF2-40B4-BE49-F238E27FC236}">
+                  <a16:creationId xmlns:a16="http://schemas.microsoft.com/office/drawing/2014/main" id="{CC66E6F1-80FF-57FA-3665-53BEC71288B2}"/>
+                </a:ext>
+              </a:extLst>
+            </p:cNvPr>
+            <p:cNvPicPr>
+              <a:picLocks noChangeAspect="1"/>
+            </p:cNvPicPr>
+            <p:nvPr/>
+          </p:nvPicPr>
+          <p:blipFill>
+            <a:blip r:embed="rId2">
+              <a:extLst>
+                <a:ext uri="{28A0092B-C50C-407E-A947-70E740481C1C}">
+                  <a14:useLocalDpi xmlns:a14="http://schemas.microsoft.com/office/drawing/2010/main" val="0"/>
+                </a:ext>
+              </a:extLst>
+            </a:blip>
+            <a:srcRect/>
+            <a:stretch/>
+          </p:blipFill>
+          <p:spPr>
+            <a:xfrm>
+              <a:off x="2602586" y="1948543"/>
+              <a:ext cx="7059764" cy="3529882"/>
+            </a:xfrm>
+            <a:prstGeom prst="rect">
+              <a:avLst/>
+            </a:prstGeom>
+          </p:spPr>
+        </p:pic>
+        <p:sp>
+          <p:nvSpPr>
+            <p:cNvPr id="5" name="TextBox 4">
+              <a:extLst>
+                <a:ext uri="{FF2B5EF4-FFF2-40B4-BE49-F238E27FC236}">
+                  <a16:creationId xmlns:a16="http://schemas.microsoft.com/office/drawing/2014/main" id="{67130DC0-9F9E-C051-025E-6D496E441F58}"/>
+                </a:ext>
+              </a:extLst>
+            </p:cNvPr>
+            <p:cNvSpPr txBox="1"/>
+            <p:nvPr/>
+          </p:nvSpPr>
+          <p:spPr>
+            <a:xfrm>
+              <a:off x="2602585" y="5495695"/>
+              <a:ext cx="7059765" cy="838486"/>
+            </a:xfrm>
+            <a:prstGeom prst="rect">
+              <a:avLst/>
+            </a:prstGeom>
+            <a:noFill/>
+          </p:spPr>
+          <p:txBody>
+            <a:bodyPr wrap="square" rtlCol="0">
+              <a:normAutofit/>
+            </a:bodyPr>
+            <a:lstStyle/>
+            <a:p>
+              <a:pPr algn="ctr">
+                <a:lnSpc>
+                  <a:spcPct val="90000"/>
+                </a:lnSpc>
+                <a:spcAft>
+                  <a:spcPts val="600"/>
+                </a:spcAft>
+              </a:pPr>
+              <a:r>
+                <a:rPr lang="en-GB" sz="1600" dirty="0">
+                  <a:solidFill>
+                    <a:srgbClr val="404040"/>
+                  </a:solidFill>
+                </a:rPr>
+                <a:t>Figure 2: Applying Offline Training on the same model with separate tasks causes Catastrophic Forgetting. Bottom right: Overall loss, other images are classification accuracy</a:t>
+              </a:r>
+            </a:p>
+            <a:p>
+              <a:pPr>
+                <a:lnSpc>
+                  <a:spcPct val="90000"/>
+                </a:lnSpc>
+                <a:spcAft>
+                  <a:spcPts val="600"/>
+                </a:spcAft>
+              </a:pPr>
+              <a:endParaRPr lang="en-GB" sz="1600" dirty="0">
+                <a:solidFill>
+                  <a:srgbClr val="404040"/>
+                </a:solidFill>
+              </a:endParaRPr>
+            </a:p>
+          </p:txBody>
+        </p:sp>
+      </p:grpSp>
+    </p:spTree>
+    <p:extLst>
+      <p:ext uri="{BB962C8B-B14F-4D97-AF65-F5344CB8AC3E}">
+        <p14:creationId xmlns:p14="http://schemas.microsoft.com/office/powerpoint/2010/main" val="1876995858"/>
+      </p:ext>
+    </p:extLst>
+  </p:cSld>
+  <p:clrMapOvr>
+    <a:masterClrMapping/>
+  </p:clrMapOvr>
+</p:sld>
+</file>
+
+<file path=ppt/slides/slide5.xml><?xml version="1.0" encoding="utf-8"?>
+<p:sld xmlns:a="http://schemas.openxmlformats.org/drawingml/2006/main" xmlns:r="http://schemas.openxmlformats.org/officeDocument/2006/relationships" xmlns:p="http://schemas.openxmlformats.org/presentationml/2006/main">
+  <p:cSld>
+    <p:spTree>
+      <p:nvGrpSpPr>
+        <p:cNvPr id="1" name=""/>
+        <p:cNvGrpSpPr/>
+        <p:nvPr/>
+      </p:nvGrpSpPr>
+      <p:grpSpPr>
+        <a:xfrm>
+          <a:off x="0" y="0"/>
+          <a:ext cx="0" cy="0"/>
+          <a:chOff x="0" y="0"/>
+          <a:chExt cx="0" cy="0"/>
+        </a:xfrm>
+      </p:grpSpPr>
+      <p:sp>
+        <p:nvSpPr>
+          <p:cNvPr id="2" name="Title 1">
+            <a:extLst>
+              <a:ext uri="{FF2B5EF4-FFF2-40B4-BE49-F238E27FC236}">
+                <a16:creationId xmlns:a16="http://schemas.microsoft.com/office/drawing/2014/main" id="{AC7084A6-0658-A6AE-7E2F-53AABCB24BD1}"/>
+              </a:ext>
+            </a:extLst>
+          </p:cNvPr>
+          <p:cNvSpPr>
+            <a:spLocks noGrp="1"/>
+          </p:cNvSpPr>
+          <p:nvPr>
+            <p:ph type="title"/>
+          </p:nvPr>
+        </p:nvSpPr>
+        <p:spPr/>
+        <p:txBody>
+          <a:bodyPr/>
+          <a:lstStyle/>
+          <a:p>
+            <a:r>
+              <a:rPr lang="en-GB" dirty="0"/>
+              <a:t>Continual Learning</a:t>
+            </a:r>
+          </a:p>
+        </p:txBody>
+      </p:sp>
+      <p:sp>
+        <p:nvSpPr>
+          <p:cNvPr id="3" name="Content Placeholder 2">
+            <a:extLst>
+              <a:ext uri="{FF2B5EF4-FFF2-40B4-BE49-F238E27FC236}">
+                <a16:creationId xmlns:a16="http://schemas.microsoft.com/office/drawing/2014/main" id="{3B8D0519-2B8C-53B9-503F-6C4408FE578D}"/>
+              </a:ext>
+            </a:extLst>
+          </p:cNvPr>
+          <p:cNvSpPr>
+            <a:spLocks noGrp="1"/>
+          </p:cNvSpPr>
+          <p:nvPr>
+            <p:ph idx="1"/>
+          </p:nvPr>
+        </p:nvSpPr>
+        <p:spPr/>
+        <p:txBody>
+          <a:bodyPr>
+            <a:normAutofit/>
+          </a:bodyPr>
+          <a:lstStyle/>
+          <a:p>
+            <a:r>
+              <a:rPr lang="en-GB" b="1" dirty="0"/>
+              <a:t>Continual Learning </a:t>
+            </a:r>
+            <a:r>
+              <a:rPr lang="en-GB" dirty="0"/>
+              <a:t>attempts to overcome Catastrophic Forgetting [3]</a:t>
+            </a:r>
+          </a:p>
+          <a:p>
+            <a:r>
+              <a:rPr lang="en-GB" dirty="0"/>
+              <a:t>Is it possible to train a network sequentially while maintaining knowledge?</a:t>
+            </a:r>
+          </a:p>
+          <a:p>
+            <a:r>
+              <a:rPr lang="en-GB" dirty="0"/>
+              <a:t>Primarily focused on alternative methods to Offline Training </a:t>
+            </a:r>
+          </a:p>
+          <a:p>
+            <a:r>
+              <a:rPr lang="en-GB" dirty="0"/>
+              <a:t>Smaller focus on network architecture and dynamic networks</a:t>
+            </a:r>
+          </a:p>
+          <a:p>
+            <a:r>
+              <a:rPr lang="en-GB" dirty="0"/>
+              <a:t>Difficulty of the Continual Learning problem depends on the setup of the problem</a:t>
+            </a:r>
+          </a:p>
+          <a:p>
+            <a:r>
+              <a:rPr lang="en-GB" dirty="0"/>
+              <a:t>Core difference from Offline Training is the removal of the requirement of the whole dataset</a:t>
+            </a:r>
+          </a:p>
+          <a:p>
+            <a:r>
+              <a:rPr lang="en-GB" dirty="0"/>
+              <a:t>Rose to prominence with Elastic Weight Consolidation in 2017 [4] and is actively researched</a:t>
+            </a:r>
+          </a:p>
+        </p:txBody>
+      </p:sp>
+    </p:spTree>
+    <p:extLst>
+      <p:ext uri="{BB962C8B-B14F-4D97-AF65-F5344CB8AC3E}">
+        <p14:creationId xmlns:p14="http://schemas.microsoft.com/office/powerpoint/2010/main" val="4070619495"/>
+      </p:ext>
+    </p:extLst>
+  </p:cSld>
+  <p:clrMapOvr>
+    <a:masterClrMapping/>
+  </p:clrMapOvr>
+</p:sld>
+</file>
+
+<file path=ppt/slides/slide6.xml><?xml version="1.0" encoding="utf-8"?>
+<p:sld xmlns:a="http://schemas.openxmlformats.org/drawingml/2006/main" xmlns:r="http://schemas.openxmlformats.org/officeDocument/2006/relationships" xmlns:p="http://schemas.openxmlformats.org/presentationml/2006/main">
+  <p:cSld>
+    <p:spTree>
+      <p:nvGrpSpPr>
+        <p:cNvPr id="1" name=""/>
+        <p:cNvGrpSpPr/>
+        <p:nvPr/>
+      </p:nvGrpSpPr>
+      <p:grpSpPr>
+        <a:xfrm>
+          <a:off x="0" y="0"/>
+          <a:ext cx="0" cy="0"/>
+          <a:chOff x="0" y="0"/>
+          <a:chExt cx="0" cy="0"/>
+        </a:xfrm>
+      </p:grpSpPr>
+      <p:sp>
+        <p:nvSpPr>
+          <p:cNvPr id="2" name="Title 1">
+            <a:extLst>
+              <a:ext uri="{FF2B5EF4-FFF2-40B4-BE49-F238E27FC236}">
+                <a16:creationId xmlns:a16="http://schemas.microsoft.com/office/drawing/2014/main" id="{F3CC44AD-D299-DF19-D0E7-72FE07A83C6D}"/>
+              </a:ext>
+            </a:extLst>
+          </p:cNvPr>
+          <p:cNvSpPr>
+            <a:spLocks noGrp="1"/>
+          </p:cNvSpPr>
+          <p:nvPr>
+            <p:ph type="title"/>
+          </p:nvPr>
+        </p:nvSpPr>
+        <p:spPr/>
+        <p:txBody>
+          <a:bodyPr/>
+          <a:lstStyle/>
+          <a:p>
+            <a:r>
+              <a:rPr lang="en-GB" dirty="0"/>
+              <a:t>Applications of Continual Learning</a:t>
+            </a:r>
+          </a:p>
+        </p:txBody>
+      </p:sp>
+      <p:sp>
+        <p:nvSpPr>
+          <p:cNvPr id="3" name="Content Placeholder 2">
+            <a:extLst>
+              <a:ext uri="{FF2B5EF4-FFF2-40B4-BE49-F238E27FC236}">
+                <a16:creationId xmlns:a16="http://schemas.microsoft.com/office/drawing/2014/main" id="{58354F1E-9D05-33F6-AD16-DA950BD4A8DD}"/>
+              </a:ext>
+            </a:extLst>
+          </p:cNvPr>
+          <p:cNvSpPr>
+            <a:spLocks noGrp="1"/>
+          </p:cNvSpPr>
+          <p:nvPr>
+            <p:ph idx="1"/>
+          </p:nvPr>
+        </p:nvSpPr>
+        <p:spPr/>
+        <p:txBody>
+          <a:bodyPr>
+            <a:normAutofit/>
+          </a:bodyPr>
+          <a:lstStyle/>
+          <a:p>
+            <a:r>
+              <a:rPr lang="en-GB" dirty="0"/>
+              <a:t>Continual Learning offers real-world benefits</a:t>
+            </a:r>
+          </a:p>
+          <a:p>
+            <a:r>
+              <a:rPr lang="en-GB" dirty="0"/>
+              <a:t>Models trained on massive amounts of data are expensive to train [5] in terms of energy usage, computational resources, and time</a:t>
+            </a:r>
+          </a:p>
+          <a:p>
+            <a:r>
+              <a:rPr lang="en-GB" dirty="0"/>
+              <a:t>Retraining these models to update them with new data compounds the cost</a:t>
+            </a:r>
+          </a:p>
+          <a:p>
+            <a:r>
+              <a:rPr lang="en-GB" dirty="0"/>
+              <a:t>If they can be updated with Continual Learning this could save computational resources and time such as in Image Classification [6]</a:t>
+            </a:r>
+          </a:p>
+          <a:p>
+            <a:r>
+              <a:rPr lang="en-GB" dirty="0"/>
+              <a:t>Real-time applications can also benefit by adapting to the changing data distribution leading to more accurate results </a:t>
+            </a:r>
+          </a:p>
+          <a:p>
+            <a:r>
+              <a:rPr lang="en-GB" dirty="0"/>
+              <a:t>Research is mainly focused on Image Classification but can be applied to other domains such as Natural Language Processing [7]</a:t>
+            </a:r>
+          </a:p>
+        </p:txBody>
+      </p:sp>
+    </p:spTree>
+    <p:extLst>
+      <p:ext uri="{BB962C8B-B14F-4D97-AF65-F5344CB8AC3E}">
+        <p14:creationId xmlns:p14="http://schemas.microsoft.com/office/powerpoint/2010/main" val="2183272406"/>
+      </p:ext>
+    </p:extLst>
+  </p:cSld>
+  <p:clrMapOvr>
+    <a:masterClrMapping/>
+  </p:clrMapOvr>
+</p:sld>
+</file>
+
+<file path=ppt/slides/slide7.xml><?xml version="1.0" encoding="utf-8"?>
+<p:sld xmlns:a="http://schemas.openxmlformats.org/drawingml/2006/main" xmlns:r="http://schemas.openxmlformats.org/officeDocument/2006/relationships" xmlns:p="http://schemas.openxmlformats.org/presentationml/2006/main">
+  <p:cSld>
+    <p:spTree>
+      <p:nvGrpSpPr>
+        <p:cNvPr id="1" name=""/>
+        <p:cNvGrpSpPr/>
+        <p:nvPr/>
+      </p:nvGrpSpPr>
+      <p:grpSpPr>
+        <a:xfrm>
+          <a:off x="0" y="0"/>
+          <a:ext cx="0" cy="0"/>
+          <a:chOff x="0" y="0"/>
+          <a:chExt cx="0" cy="0"/>
+        </a:xfrm>
+      </p:grpSpPr>
+      <p:sp>
+        <p:nvSpPr>
+          <p:cNvPr id="2" name="Title 1">
+            <a:extLst>
+              <a:ext uri="{FF2B5EF4-FFF2-40B4-BE49-F238E27FC236}">
+                <a16:creationId xmlns:a16="http://schemas.microsoft.com/office/drawing/2014/main" id="{7966A3C6-58B4-2386-D1B0-C1B833325A5B}"/>
+              </a:ext>
+            </a:extLst>
+          </p:cNvPr>
+          <p:cNvSpPr>
+            <a:spLocks noGrp="1"/>
+          </p:cNvSpPr>
+          <p:nvPr>
+            <p:ph type="title"/>
+          </p:nvPr>
+        </p:nvSpPr>
+        <p:spPr/>
+        <p:txBody>
+          <a:bodyPr/>
+          <a:lstStyle/>
+          <a:p>
+            <a:r>
+              <a:rPr lang="en-GB" dirty="0"/>
+              <a:t>Setup for Continual Learning</a:t>
+            </a:r>
+          </a:p>
+        </p:txBody>
+      </p:sp>
+      <p:sp>
+        <p:nvSpPr>
+          <p:cNvPr id="3" name="Content Placeholder 2">
+            <a:extLst>
+              <a:ext uri="{FF2B5EF4-FFF2-40B4-BE49-F238E27FC236}">
+                <a16:creationId xmlns:a16="http://schemas.microsoft.com/office/drawing/2014/main" id="{2EE93D95-6FE0-73B2-6FA7-2F674B14EA8B}"/>
+              </a:ext>
+            </a:extLst>
+          </p:cNvPr>
+          <p:cNvSpPr>
+            <a:spLocks noGrp="1"/>
+          </p:cNvSpPr>
+          <p:nvPr>
+            <p:ph idx="1"/>
+          </p:nvPr>
+        </p:nvSpPr>
+        <p:spPr>
+          <a:xfrm>
+            <a:off x="677334" y="2160589"/>
+            <a:ext cx="8596668" cy="3880773"/>
+          </a:xfrm>
+        </p:spPr>
+        <p:txBody>
+          <a:bodyPr>
+            <a:normAutofit/>
+          </a:bodyPr>
+          <a:lstStyle/>
+          <a:p>
+            <a:r>
+              <a:rPr lang="en-GB" dirty="0"/>
+              <a:t>The setup of the problem for Continual Learning is vital to ensure results are real-world applicable</a:t>
+            </a:r>
+          </a:p>
+          <a:p>
+            <a:r>
+              <a:rPr lang="en-GB" dirty="0"/>
+              <a:t>Issues with the direction of the literature were highlighted by the authors of a simplistic technique called </a:t>
+            </a:r>
+            <a:r>
+              <a:rPr lang="en-GB" dirty="0" err="1"/>
+              <a:t>GDumb</a:t>
+            </a:r>
+            <a:r>
+              <a:rPr lang="en-GB" dirty="0"/>
+              <a:t> [8]</a:t>
+            </a:r>
+          </a:p>
+          <a:p>
+            <a:r>
+              <a:rPr lang="en-GB" dirty="0"/>
+              <a:t>Assumptions affecting the setup:</a:t>
+            </a:r>
+          </a:p>
+          <a:p>
+            <a:pPr lvl="1"/>
+            <a:r>
+              <a:rPr lang="en-GB" dirty="0"/>
+              <a:t>Online vs Offline </a:t>
+            </a:r>
+          </a:p>
+          <a:p>
+            <a:pPr lvl="1"/>
+            <a:r>
+              <a:rPr lang="en-GB" dirty="0"/>
+              <a:t>Disjoint Tasks vs Non-Disjoint Tasks</a:t>
+            </a:r>
+          </a:p>
+          <a:p>
+            <a:pPr lvl="1"/>
+            <a:r>
+              <a:rPr lang="en-GB" dirty="0"/>
+              <a:t>Class Incremental vs Task Incremental</a:t>
+            </a:r>
+          </a:p>
+          <a:p>
+            <a:pPr lvl="1"/>
+            <a:r>
+              <a:rPr lang="en-GB" dirty="0"/>
+              <a:t>Resource Constraints</a:t>
+            </a:r>
+          </a:p>
+          <a:p>
+            <a:endParaRPr lang="en-GB" dirty="0"/>
+          </a:p>
+        </p:txBody>
+      </p:sp>
+      <p:grpSp>
+        <p:nvGrpSpPr>
+          <p:cNvPr id="9" name="Group 8">
+            <a:extLst>
+              <a:ext uri="{FF2B5EF4-FFF2-40B4-BE49-F238E27FC236}">
+                <a16:creationId xmlns:a16="http://schemas.microsoft.com/office/drawing/2014/main" id="{63EF4163-A542-B6B5-67D0-D022C2C07050}"/>
+              </a:ext>
+            </a:extLst>
+          </p:cNvPr>
+          <p:cNvGrpSpPr/>
+          <p:nvPr/>
+        </p:nvGrpSpPr>
+        <p:grpSpPr>
+          <a:xfrm>
+            <a:off x="5690438" y="3429000"/>
+            <a:ext cx="3238952" cy="1050098"/>
+            <a:chOff x="7267349" y="3624219"/>
+            <a:chExt cx="3238952" cy="1050098"/>
+          </a:xfrm>
+        </p:grpSpPr>
+        <p:pic>
+          <p:nvPicPr>
+            <p:cNvPr id="5" name="Picture 4" descr="A picture containing building, clipart&#10;&#10;Description automatically generated">
+              <a:extLst>
+                <a:ext uri="{FF2B5EF4-FFF2-40B4-BE49-F238E27FC236}">
+                  <a16:creationId xmlns:a16="http://schemas.microsoft.com/office/drawing/2014/main" id="{3DF7819F-E6CC-F072-8D4C-006681FEA027}"/>
+                </a:ext>
+              </a:extLst>
+            </p:cNvPr>
+            <p:cNvPicPr>
+              <a:picLocks noChangeAspect="1"/>
+            </p:cNvPicPr>
+            <p:nvPr/>
+          </p:nvPicPr>
+          <p:blipFill>
+            <a:blip r:embed="rId2">
+              <a:extLst>
+                <a:ext uri="{28A0092B-C50C-407E-A947-70E740481C1C}">
+                  <a14:useLocalDpi xmlns:a14="http://schemas.microsoft.com/office/drawing/2010/main" val="0"/>
+                </a:ext>
+              </a:extLst>
+            </a:blip>
+            <a:stretch>
+              <a:fillRect/>
+            </a:stretch>
+          </p:blipFill>
+          <p:spPr>
+            <a:xfrm>
+              <a:off x="7267349" y="3624219"/>
+              <a:ext cx="3238952" cy="619211"/>
+            </a:xfrm>
+            <a:prstGeom prst="rect">
+              <a:avLst/>
+            </a:prstGeom>
+          </p:spPr>
+        </p:pic>
+        <p:sp>
+          <p:nvSpPr>
+            <p:cNvPr id="8" name="TextBox 7">
+              <a:extLst>
+                <a:ext uri="{FF2B5EF4-FFF2-40B4-BE49-F238E27FC236}">
+                  <a16:creationId xmlns:a16="http://schemas.microsoft.com/office/drawing/2014/main" id="{31B87381-E2ED-5CE8-FB0A-3637C4DC2520}"/>
+                </a:ext>
+              </a:extLst>
+            </p:cNvPr>
+            <p:cNvSpPr txBox="1"/>
+            <p:nvPr/>
+          </p:nvSpPr>
+          <p:spPr>
+            <a:xfrm>
+              <a:off x="7267349" y="4243430"/>
+              <a:ext cx="3238952" cy="430887"/>
+            </a:xfrm>
+            <a:prstGeom prst="rect">
+              <a:avLst/>
+            </a:prstGeom>
+            <a:noFill/>
+          </p:spPr>
+          <p:txBody>
+            <a:bodyPr wrap="square" rtlCol="0">
+              <a:spAutoFit/>
+            </a:bodyPr>
+            <a:lstStyle/>
+            <a:p>
+              <a:r>
+                <a:rPr lang="en-GB" sz="1100" dirty="0">
+                  <a:solidFill>
+                    <a:srgbClr val="404040"/>
+                  </a:solidFill>
+                </a:rPr>
+                <a:t>Figure 3: Disjoint Task Formulation with 3 classes per task</a:t>
+              </a:r>
+            </a:p>
+          </p:txBody>
+        </p:sp>
+      </p:grpSp>
+      <p:grpSp>
+        <p:nvGrpSpPr>
+          <p:cNvPr id="11" name="Group 10">
+            <a:extLst>
+              <a:ext uri="{FF2B5EF4-FFF2-40B4-BE49-F238E27FC236}">
+                <a16:creationId xmlns:a16="http://schemas.microsoft.com/office/drawing/2014/main" id="{B21E6E6A-7594-DC23-A3FD-F70C120CFDAD}"/>
+              </a:ext>
+            </a:extLst>
+          </p:cNvPr>
+          <p:cNvGrpSpPr/>
+          <p:nvPr/>
+        </p:nvGrpSpPr>
+        <p:grpSpPr>
+          <a:xfrm>
+            <a:off x="5785701" y="4897128"/>
+            <a:ext cx="3143689" cy="726203"/>
+            <a:chOff x="7314980" y="4994738"/>
+            <a:chExt cx="3143689" cy="726203"/>
+          </a:xfrm>
+        </p:grpSpPr>
+        <p:pic>
+          <p:nvPicPr>
+            <p:cNvPr id="7" name="Picture 6">
+              <a:extLst>
+                <a:ext uri="{FF2B5EF4-FFF2-40B4-BE49-F238E27FC236}">
+                  <a16:creationId xmlns:a16="http://schemas.microsoft.com/office/drawing/2014/main" id="{B114FF69-7B67-4CF5-8082-34AF7AF06C71}"/>
+                </a:ext>
+              </a:extLst>
+            </p:cNvPr>
+            <p:cNvPicPr>
+              <a:picLocks noChangeAspect="1"/>
+            </p:cNvPicPr>
+            <p:nvPr/>
+          </p:nvPicPr>
+          <p:blipFill>
+            <a:blip r:embed="rId3">
+              <a:extLst>
+                <a:ext uri="{28A0092B-C50C-407E-A947-70E740481C1C}">
+                  <a14:useLocalDpi xmlns:a14="http://schemas.microsoft.com/office/drawing/2010/main" val="0"/>
+                </a:ext>
+              </a:extLst>
+            </a:blip>
+            <a:stretch>
+              <a:fillRect/>
+            </a:stretch>
+          </p:blipFill>
+          <p:spPr>
+            <a:xfrm>
+              <a:off x="7314980" y="4994738"/>
+              <a:ext cx="3143689" cy="295316"/>
+            </a:xfrm>
+            <a:prstGeom prst="rect">
+              <a:avLst/>
+            </a:prstGeom>
+          </p:spPr>
+        </p:pic>
+        <p:sp>
+          <p:nvSpPr>
+            <p:cNvPr id="10" name="TextBox 9">
+              <a:extLst>
+                <a:ext uri="{FF2B5EF4-FFF2-40B4-BE49-F238E27FC236}">
+                  <a16:creationId xmlns:a16="http://schemas.microsoft.com/office/drawing/2014/main" id="{790B739E-E99D-DCC2-262E-1D142FC9C548}"/>
+                </a:ext>
+              </a:extLst>
+            </p:cNvPr>
+            <p:cNvSpPr txBox="1"/>
+            <p:nvPr/>
+          </p:nvSpPr>
+          <p:spPr>
+            <a:xfrm>
+              <a:off x="7314980" y="5290054"/>
+              <a:ext cx="3143689" cy="430887"/>
+            </a:xfrm>
+            <a:prstGeom prst="rect">
+              <a:avLst/>
+            </a:prstGeom>
+            <a:noFill/>
+          </p:spPr>
+          <p:txBody>
+            <a:bodyPr wrap="square" rtlCol="0">
+              <a:spAutoFit/>
+            </a:bodyPr>
+            <a:lstStyle/>
+            <a:p>
+              <a:r>
+                <a:rPr lang="en-GB" sz="1100" dirty="0">
+                  <a:solidFill>
+                    <a:srgbClr val="404040"/>
+                  </a:solidFill>
+                </a:rPr>
+                <a:t>Figure 4: Non-disjoint Task Formulation with all 6 tasks in any order</a:t>
+              </a:r>
+            </a:p>
+          </p:txBody>
+        </p:sp>
+      </p:grpSp>
+    </p:spTree>
+    <p:extLst>
+      <p:ext uri="{BB962C8B-B14F-4D97-AF65-F5344CB8AC3E}">
+        <p14:creationId xmlns:p14="http://schemas.microsoft.com/office/powerpoint/2010/main" val="649908796"/>
+      </p:ext>
+    </p:extLst>
+  </p:cSld>
+  <p:clrMapOvr>
+    <a:masterClrMapping/>
+  </p:clrMapOvr>
+</p:sld>
+</file>
+
+<file path=ppt/slides/slide8.xml><?xml version="1.0" encoding="utf-8"?>
+<p:sld xmlns:a="http://schemas.openxmlformats.org/drawingml/2006/main" xmlns:r="http://schemas.openxmlformats.org/officeDocument/2006/relationships" xmlns:p="http://schemas.openxmlformats.org/presentationml/2006/main">
+  <p:cSld>
+    <p:spTree>
+      <p:nvGrpSpPr>
+        <p:cNvPr id="1" name=""/>
+        <p:cNvGrpSpPr/>
+        <p:nvPr/>
+      </p:nvGrpSpPr>
+      <p:grpSpPr>
+        <a:xfrm>
+          <a:off x="0" y="0"/>
+          <a:ext cx="0" cy="0"/>
+          <a:chOff x="0" y="0"/>
+          <a:chExt cx="0" cy="0"/>
+        </a:xfrm>
+      </p:grpSpPr>
+      <p:sp>
+        <p:nvSpPr>
+          <p:cNvPr id="2" name="Title 1">
+            <a:extLst>
+              <a:ext uri="{FF2B5EF4-FFF2-40B4-BE49-F238E27FC236}">
+                <a16:creationId xmlns:a16="http://schemas.microsoft.com/office/drawing/2014/main" id="{70C7EA3A-9A18-8782-89EE-A6B0AE402EE8}"/>
+              </a:ext>
+            </a:extLst>
+          </p:cNvPr>
+          <p:cNvSpPr>
+            <a:spLocks noGrp="1"/>
+          </p:cNvSpPr>
+          <p:nvPr>
+            <p:ph type="title"/>
+          </p:nvPr>
+        </p:nvSpPr>
+        <p:spPr/>
+        <p:txBody>
+          <a:bodyPr/>
+          <a:lstStyle/>
+          <a:p>
+            <a:r>
+              <a:rPr lang="en-GB" dirty="0"/>
+              <a:t>Part I: Literature Evaluation</a:t>
+            </a:r>
+          </a:p>
+        </p:txBody>
+      </p:sp>
+      <p:sp>
+        <p:nvSpPr>
+          <p:cNvPr id="3" name="Content Placeholder 2">
+            <a:extLst>
+              <a:ext uri="{FF2B5EF4-FFF2-40B4-BE49-F238E27FC236}">
+                <a16:creationId xmlns:a16="http://schemas.microsoft.com/office/drawing/2014/main" id="{C0CAAF0F-52B8-C17B-1579-5F8B55FA1609}"/>
+              </a:ext>
+            </a:extLst>
+          </p:cNvPr>
+          <p:cNvSpPr>
+            <a:spLocks noGrp="1"/>
+          </p:cNvSpPr>
+          <p:nvPr>
+            <p:ph idx="1"/>
+          </p:nvPr>
+        </p:nvSpPr>
+        <p:spPr/>
+        <p:txBody>
+          <a:bodyPr>
+            <a:normAutofit/>
+          </a:bodyPr>
+          <a:lstStyle/>
+          <a:p>
+            <a:r>
+              <a:rPr lang="en-GB" dirty="0"/>
+              <a:t>My project will initially focus on implementing and evaluating existing techniques from the literature</a:t>
+            </a:r>
+          </a:p>
+          <a:p>
+            <a:r>
+              <a:rPr lang="en-GB" dirty="0"/>
+              <a:t>Aim is to provide a robust comparison between existing methods to solve some of the issues outlined previously</a:t>
+            </a:r>
+          </a:p>
+          <a:p>
+            <a:r>
+              <a:rPr lang="en-GB" dirty="0"/>
+              <a:t>Deliverables:</a:t>
+            </a:r>
+          </a:p>
+          <a:p>
+            <a:pPr lvl="1"/>
+            <a:r>
+              <a:rPr lang="en-GB" dirty="0"/>
+              <a:t>Implementation of Baselines: Finetuning and Offline Training</a:t>
+            </a:r>
+          </a:p>
+          <a:p>
+            <a:pPr lvl="1"/>
+            <a:r>
+              <a:rPr lang="en-GB" dirty="0"/>
+              <a:t>Historical Techniques: Elastic Weight Consolidation [4], </a:t>
+            </a:r>
+            <a:r>
+              <a:rPr lang="en-GB" dirty="0" err="1"/>
+              <a:t>iCaRL</a:t>
+            </a:r>
+            <a:r>
+              <a:rPr lang="en-GB" dirty="0"/>
+              <a:t> [9]</a:t>
+            </a:r>
+          </a:p>
+          <a:p>
+            <a:pPr lvl="1"/>
+            <a:r>
+              <a:rPr lang="en-GB" dirty="0"/>
+              <a:t>State of the Art: </a:t>
+            </a:r>
+            <a:r>
+              <a:rPr lang="en-GB" dirty="0" err="1"/>
+              <a:t>GDumb</a:t>
+            </a:r>
+            <a:r>
+              <a:rPr lang="en-GB" dirty="0"/>
+              <a:t> [8], Rainbow [10], Mnemonics [11]</a:t>
+            </a:r>
+          </a:p>
+          <a:p>
+            <a:pPr lvl="1"/>
+            <a:r>
+              <a:rPr lang="en-GB" dirty="0"/>
+              <a:t>Cutting Edge: Learning to Prompt [12] and meta-learning techniques</a:t>
+            </a:r>
+          </a:p>
+          <a:p>
+            <a:pPr lvl="1"/>
+            <a:r>
+              <a:rPr lang="en-GB" dirty="0"/>
+              <a:t>Evaluation and comparison of techniques</a:t>
+            </a:r>
+          </a:p>
+        </p:txBody>
+      </p:sp>
+    </p:spTree>
+    <p:extLst>
+      <p:ext uri="{BB962C8B-B14F-4D97-AF65-F5344CB8AC3E}">
+        <p14:creationId xmlns:p14="http://schemas.microsoft.com/office/powerpoint/2010/main" val="1434177203"/>
+      </p:ext>
+    </p:extLst>
+  </p:cSld>
+  <p:clrMapOvr>
+    <a:masterClrMapping/>
+  </p:clrMapOvr>
+</p:sld>
+</file>
+
+<file path=ppt/slides/slide9.xml><?xml version="1.0" encoding="utf-8"?>
+<p:sld xmlns:a="http://schemas.openxmlformats.org/drawingml/2006/main" xmlns:r="http://schemas.openxmlformats.org/officeDocument/2006/relationships" xmlns:p="http://schemas.openxmlformats.org/presentationml/2006/main">
+  <p:cSld>
+    <p:spTree>
+      <p:nvGrpSpPr>
+        <p:cNvPr id="1" name=""/>
+        <p:cNvGrpSpPr/>
+        <p:nvPr/>
+      </p:nvGrpSpPr>
+      <p:grpSpPr>
+        <a:xfrm>
+          <a:off x="0" y="0"/>
+          <a:ext cx="0" cy="0"/>
+          <a:chOff x="0" y="0"/>
+          <a:chExt cx="0" cy="0"/>
+        </a:xfrm>
+      </p:grpSpPr>
+      <p:sp>
+        <p:nvSpPr>
+          <p:cNvPr id="2" name="Title 1">
+            <a:extLst>
+              <a:ext uri="{FF2B5EF4-FFF2-40B4-BE49-F238E27FC236}">
+                <a16:creationId xmlns:a16="http://schemas.microsoft.com/office/drawing/2014/main" id="{F81849B5-7506-8DDD-4D5C-60B4538AA4DF}"/>
+              </a:ext>
+            </a:extLst>
+          </p:cNvPr>
+          <p:cNvSpPr>
+            <a:spLocks noGrp="1"/>
+          </p:cNvSpPr>
+          <p:nvPr>
+            <p:ph type="title"/>
+          </p:nvPr>
+        </p:nvSpPr>
+        <p:spPr/>
+        <p:txBody>
+          <a:bodyPr/>
+          <a:lstStyle/>
+          <a:p>
+            <a:r>
+              <a:rPr lang="en-GB" dirty="0"/>
+              <a:t>Part II: Novel Experimentation</a:t>
+            </a:r>
+          </a:p>
+        </p:txBody>
+      </p:sp>
+      <p:sp>
+        <p:nvSpPr>
+          <p:cNvPr id="3" name="Content Placeholder 2">
+            <a:extLst>
+              <a:ext uri="{FF2B5EF4-FFF2-40B4-BE49-F238E27FC236}">
+                <a16:creationId xmlns:a16="http://schemas.microsoft.com/office/drawing/2014/main" id="{47F8C4B3-85F5-5089-CBE6-F5310E4402A9}"/>
+              </a:ext>
+            </a:extLst>
+          </p:cNvPr>
+          <p:cNvSpPr>
+            <a:spLocks noGrp="1"/>
+          </p:cNvSpPr>
+          <p:nvPr>
+            <p:ph idx="1"/>
+          </p:nvPr>
+        </p:nvSpPr>
+        <p:spPr/>
+        <p:txBody>
+          <a:bodyPr>
+            <a:normAutofit/>
+          </a:bodyPr>
+          <a:lstStyle/>
+          <a:p>
+            <a:r>
+              <a:rPr lang="en-GB" dirty="0"/>
+              <a:t>After literature comparison and evaluation, the focus will shift to gaps in the literature</a:t>
+            </a:r>
+          </a:p>
+          <a:p>
+            <a:r>
+              <a:rPr lang="en-GB" dirty="0"/>
+              <a:t>Aim is to experiment with potential future research areas and potentially create a novel approach. </a:t>
+            </a:r>
+          </a:p>
+          <a:p>
+            <a:r>
+              <a:rPr lang="en-GB" dirty="0"/>
+              <a:t>This will be influenced by the cutting-edge techniques e.g. experimenting with architecture [13] and sampling methods for replay methods</a:t>
+            </a:r>
+          </a:p>
+          <a:p>
+            <a:r>
+              <a:rPr lang="en-GB" dirty="0"/>
+              <a:t>Deliverables:</a:t>
+            </a:r>
+          </a:p>
+          <a:p>
+            <a:pPr lvl="1"/>
+            <a:r>
+              <a:rPr lang="en-GB" dirty="0"/>
+              <a:t>Establishing a theoretical underpinning to any experimentation to ensure there exists potential</a:t>
+            </a:r>
+          </a:p>
+          <a:p>
+            <a:pPr lvl="1"/>
+            <a:r>
+              <a:rPr lang="en-GB" dirty="0"/>
+              <a:t>Implementation of experiments and potentially any different approaches found</a:t>
+            </a:r>
+          </a:p>
+          <a:p>
+            <a:pPr lvl="1"/>
+            <a:r>
+              <a:rPr lang="en-GB" dirty="0"/>
+              <a:t>Evaluation and comparison with techniques from Part I</a:t>
+            </a:r>
+          </a:p>
+        </p:txBody>
+      </p:sp>
+    </p:spTree>
+    <p:extLst>
+      <p:ext uri="{BB962C8B-B14F-4D97-AF65-F5344CB8AC3E}">
+        <p14:creationId xmlns:p14="http://schemas.microsoft.com/office/powerpoint/2010/main" val="149696154"/>
+      </p:ext>
+    </p:extLst>
+  </p:cSld>
+  <p:clrMapOvr>
+    <a:masterClrMapping/>
+  </p:clrMapOvr>
+</p:sld>
+</file>
+
 <file path=ppt/theme/theme1.xml><?xml version="1.0" encoding="utf-8"?>
-<a:theme xmlns:a="http://schemas.openxmlformats.org/drawingml/2006/main" name="Office Theme">
+<a:theme xmlns:a="http://schemas.openxmlformats.org/drawingml/2006/main" name="Facet">
   <a:themeElements>
-    <a:clrScheme name="Office">
+    <a:clrScheme name="Blue Green">
       <a:dk1>
         <a:sysClr val="windowText" lastClr="000000"/>
       </a:dk1>
@@ -3520,52 +8807,52 @@
         <a:sysClr val="window" lastClr="FFFFFF"/>
       </a:lt1>
       <a:dk2>
-        <a:srgbClr val="44546A"/>
+        <a:srgbClr val="373545"/>
       </a:dk2>
       <a:lt2>
-        <a:srgbClr val="E7E6E6"/>
+        <a:srgbClr val="CEDBE6"/>
       </a:lt2>
       <a:accent1>
-        <a:srgbClr val="4472C4"/>
+        <a:srgbClr val="3494BA"/>
       </a:accent1>
       <a:accent2>
-        <a:srgbClr val="ED7D31"/>
+        <a:srgbClr val="58B6C0"/>
       </a:accent2>
       <a:accent3>
-        <a:srgbClr val="A5A5A5"/>
+        <a:srgbClr val="75BDA7"/>
       </a:accent3>
       <a:accent4>
-        <a:srgbClr val="FFC000"/>
+        <a:srgbClr val="7A8C8E"/>
       </a:accent4>
       <a:accent5>
-        <a:srgbClr val="5B9BD5"/>
+        <a:srgbClr val="84ACB6"/>
       </a:accent5>
       <a:accent6>
-        <a:srgbClr val="70AD47"/>
+        <a:srgbClr val="2683C6"/>
       </a:accent6>
       <a:hlink>
-        <a:srgbClr val="0563C1"/>
+        <a:srgbClr val="6B9F25"/>
       </a:hlink>
       <a:folHlink>
-        <a:srgbClr val="954F72"/>
+        <a:srgbClr val="9F6715"/>
       </a:folHlink>
     </a:clrScheme>
-    <a:fontScheme name="Office">
+    <a:fontScheme name="Facet">
       <a:majorFont>
-        <a:latin typeface="Calibri Light" panose="020F0302020204030204"/>
+        <a:latin typeface="Trebuchet MS" panose="020B0603020202020204"/>
         <a:ea typeface=""/>
         <a:cs typeface=""/>
-        <a:font script="Jpan" typeface="游ゴシック Light"/>
+        <a:font script="Jpan" typeface="メイリオ"/>
         <a:font script="Hang" typeface="맑은 고딕"/>
-        <a:font script="Hans" typeface="等线 Light"/>
-        <a:font script="Hant" typeface="新細明體"/>
-        <a:font script="Arab" typeface="Times New Roman"/>
-        <a:font script="Hebr" typeface="Times New Roman"/>
-        <a:font script="Thai" typeface="Angsana New"/>
+        <a:font script="Hans" typeface="方正姚体"/>
+        <a:font script="Hant" typeface="微軟正黑體"/>
+        <a:font script="Arab" typeface="Tahoma"/>
+        <a:font script="Hebr" typeface="Arial"/>
+        <a:font script="Thai" typeface="Cordia New"/>
         <a:font script="Ethi" typeface="Nyala"/>
         <a:font script="Beng" typeface="Vrinda"/>
         <a:font script="Gujr" typeface="Shruti"/>
-        <a:font script="Khmr" typeface="MoolBoran"/>
+        <a:font script="Khmr" typeface="DaunPenh"/>
         <a:font script="Knda" typeface="Tunga"/>
         <a:font script="Guru" typeface="Raavi"/>
         <a:font script="Cans" typeface="Euphemia"/>
@@ -3582,38 +8869,21 @@
         <a:font script="Laoo" typeface="DokChampa"/>
         <a:font script="Sinh" typeface="Iskoola Pota"/>
         <a:font script="Mong" typeface="Mongolian Baiti"/>
-        <a:font script="Viet" typeface="Times New Roman"/>
+        <a:font script="Viet" typeface="Tahoma"/>
         <a:font script="Uigh" typeface="Microsoft Uighur"/>
         <a:font script="Geor" typeface="Sylfaen"/>
-        <a:font script="Armn" typeface="Arial"/>
-        <a:font script="Bugi" typeface="Leelawadee UI"/>
-        <a:font script="Bopo" typeface="Microsoft JhengHei"/>
-        <a:font script="Java" typeface="Javanese Text"/>
-        <a:font script="Lisu" typeface="Segoe UI"/>
-        <a:font script="Mymr" typeface="Myanmar Text"/>
-        <a:font script="Nkoo" typeface="Ebrima"/>
-        <a:font script="Olck" typeface="Nirmala UI"/>
-        <a:font script="Osma" typeface="Ebrima"/>
-        <a:font script="Phag" typeface="Phagspa"/>
-        <a:font script="Syrn" typeface="Estrangelo Edessa"/>
-        <a:font script="Syrj" typeface="Estrangelo Edessa"/>
-        <a:font script="Syre" typeface="Estrangelo Edessa"/>
-        <a:font script="Sora" typeface="Nirmala UI"/>
-        <a:font script="Tale" typeface="Microsoft Tai Le"/>
-        <a:font script="Talu" typeface="Microsoft New Tai Lue"/>
-        <a:font script="Tfng" typeface="Ebrima"/>
       </a:majorFont>
       <a:minorFont>
-        <a:latin typeface="Calibri" panose="020F0502020204030204"/>
+        <a:latin typeface="Trebuchet MS" panose="020B0603020202020204"/>
         <a:ea typeface=""/>
         <a:cs typeface=""/>
-        <a:font script="Jpan" typeface="游ゴシック"/>
-        <a:font script="Hang" typeface="맑은 고딕"/>
-        <a:font script="Hans" typeface="等线"/>
-        <a:font script="Hant" typeface="新細明體"/>
-        <a:font script="Arab" typeface="Arial"/>
-        <a:font script="Hebr" typeface="Arial"/>
-        <a:font script="Thai" typeface="Cordia New"/>
+        <a:font script="Jpan" typeface="メイリオ"/>
+        <a:font script="Hang" typeface="HY그래픽M"/>
+        <a:font script="Hans" typeface="华文新魏"/>
+        <a:font script="Hant" typeface="微軟正黑體"/>
+        <a:font script="Arab" typeface="Tahoma"/>
+        <a:font script="Hebr" typeface="Gisha"/>
+        <a:font script="Thai" typeface="IrisUPC"/>
         <a:font script="Ethi" typeface="Nyala"/>
         <a:font script="Beng" typeface="Vrinda"/>
         <a:font script="Gujr" typeface="Shruti"/>
@@ -3637,26 +8907,9 @@
         <a:font script="Viet" typeface="Arial"/>
         <a:font script="Uigh" typeface="Microsoft Uighur"/>
         <a:font script="Geor" typeface="Sylfaen"/>
-        <a:font script="Armn" typeface="Arial"/>
-        <a:font script="Bugi" typeface="Leelawadee UI"/>
-        <a:font script="Bopo" typeface="Microsoft JhengHei"/>
-        <a:font script="Java" typeface="Javanese Text"/>
-        <a:font script="Lisu" typeface="Segoe UI"/>
-        <a:font script="Mymr" typeface="Myanmar Text"/>
-        <a:font script="Nkoo" typeface="Ebrima"/>
-        <a:font script="Olck" typeface="Nirmala UI"/>
-        <a:font script="Osma" typeface="Ebrima"/>
-        <a:font script="Phag" typeface="Phagspa"/>
-        <a:font script="Syrn" typeface="Estrangelo Edessa"/>
-        <a:font script="Syrj" typeface="Estrangelo Edessa"/>
-        <a:font script="Syre" typeface="Estrangelo Edessa"/>
-        <a:font script="Sora" typeface="Nirmala UI"/>
-        <a:font script="Tale" typeface="Microsoft Tai Le"/>
-        <a:font script="Talu" typeface="Microsoft New Tai Lue"/>
-        <a:font script="Tfng" typeface="Ebrima"/>
       </a:minorFont>
     </a:fontScheme>
-    <a:fmtScheme name="Office">
+    <a:fmtScheme name="Facet">
       <a:fillStyleLst>
         <a:solidFill>
           <a:schemeClr val="phClr"/>
@@ -3665,23 +8918,13 @@
           <a:gsLst>
             <a:gs pos="0">
               <a:schemeClr val="phClr">
+                <a:tint val="65000"/>
                 <a:lumMod val="110000"/>
-                <a:satMod val="105000"/>
-                <a:tint val="67000"/>
               </a:schemeClr>
             </a:gs>
-            <a:gs pos="50000">
+            <a:gs pos="88000">
               <a:schemeClr val="phClr">
-                <a:lumMod val="105000"/>
-                <a:satMod val="103000"/>
-                <a:tint val="73000"/>
-              </a:schemeClr>
-            </a:gs>
-            <a:gs pos="100000">
-              <a:schemeClr val="phClr">
-                <a:lumMod val="105000"/>
-                <a:satMod val="109000"/>
-                <a:tint val="81000"/>
+                <a:tint val="90000"/>
               </a:schemeClr>
             </a:gs>
           </a:gsLst>
@@ -3691,23 +8934,14 @@
           <a:gsLst>
             <a:gs pos="0">
               <a:schemeClr val="phClr">
-                <a:satMod val="103000"/>
-                <a:lumMod val="102000"/>
-                <a:tint val="94000"/>
+                <a:tint val="96000"/>
+                <a:lumMod val="100000"/>
               </a:schemeClr>
             </a:gs>
-            <a:gs pos="50000">
+            <a:gs pos="78000">
               <a:schemeClr val="phClr">
-                <a:satMod val="110000"/>
-                <a:lumMod val="100000"/>
-                <a:shade val="100000"/>
-              </a:schemeClr>
-            </a:gs>
-            <a:gs pos="100000">
-              <a:schemeClr val="phClr">
-                <a:lumMod val="99000"/>
-                <a:satMod val="120000"/>
-                <a:shade val="78000"/>
+                <a:shade val="94000"/>
+                <a:lumMod val="94000"/>
               </a:schemeClr>
             </a:gs>
           </a:gsLst>
@@ -3715,26 +8949,23 @@
         </a:gradFill>
       </a:fillStyleLst>
       <a:lnStyleLst>
-        <a:ln w="6350" cap="flat" cmpd="sng" algn="ctr">
+        <a:ln w="12700" cap="rnd" cmpd="sng" algn="ctr">
           <a:solidFill>
             <a:schemeClr val="phClr"/>
           </a:solidFill>
           <a:prstDash val="solid"/>
-          <a:miter lim="800000"/>
         </a:ln>
-        <a:ln w="12700" cap="flat" cmpd="sng" algn="ctr">
+        <a:ln w="19050" cap="rnd" cmpd="sng" algn="ctr">
           <a:solidFill>
             <a:schemeClr val="phClr"/>
           </a:solidFill>
           <a:prstDash val="solid"/>
-          <a:miter lim="800000"/>
         </a:ln>
-        <a:ln w="19050" cap="flat" cmpd="sng" algn="ctr">
+        <a:ln w="25400" cap="rnd" cmpd="sng" algn="ctr">
           <a:solidFill>
             <a:schemeClr val="phClr"/>
           </a:solidFill>
           <a:prstDash val="solid"/>
-          <a:miter lim="800000"/>
         </a:ln>
       </a:lnStyleLst>
       <a:effectStyleLst>
@@ -3742,54 +8973,72 @@
           <a:effectLst/>
         </a:effectStyle>
         <a:effectStyle>
-          <a:effectLst/>
+          <a:effectLst>
+            <a:outerShdw blurRad="38100" dist="25400" dir="5400000" rotWithShape="0">
+              <a:srgbClr val="000000">
+                <a:alpha val="35000"/>
+              </a:srgbClr>
+            </a:outerShdw>
+          </a:effectLst>
         </a:effectStyle>
         <a:effectStyle>
           <a:effectLst>
-            <a:outerShdw blurRad="57150" dist="19050" dir="5400000" algn="ctr" rotWithShape="0">
+            <a:outerShdw blurRad="50800" dist="38100" dir="5400000" rotWithShape="0">
               <a:srgbClr val="000000">
-                <a:alpha val="63000"/>
+                <a:alpha val="35000"/>
               </a:srgbClr>
             </a:outerShdw>
           </a:effectLst>
+          <a:scene3d>
+            <a:camera prst="orthographicFront">
+              <a:rot lat="0" lon="0" rev="0"/>
+            </a:camera>
+            <a:lightRig rig="threePt" dir="tl"/>
+          </a:scene3d>
+          <a:sp3d prstMaterial="plastic">
+            <a:bevelT w="0" h="0"/>
+          </a:sp3d>
         </a:effectStyle>
       </a:effectStyleLst>
       <a:bgFillStyleLst>
         <a:solidFill>
           <a:schemeClr val="phClr"/>
         </a:solidFill>
-        <a:solidFill>
-          <a:schemeClr val="phClr">
-            <a:tint val="95000"/>
-            <a:satMod val="170000"/>
-          </a:schemeClr>
-        </a:solidFill>
         <a:gradFill rotWithShape="1">
           <a:gsLst>
             <a:gs pos="0">
               <a:schemeClr val="phClr">
-                <a:tint val="93000"/>
-                <a:satMod val="150000"/>
-                <a:shade val="98000"/>
-                <a:lumMod val="102000"/>
+                <a:tint val="90000"/>
+                <a:lumMod val="104000"/>
               </a:schemeClr>
             </a:gs>
-            <a:gs pos="50000">
+            <a:gs pos="94000">
               <a:schemeClr val="phClr">
-                <a:tint val="98000"/>
-                <a:satMod val="130000"/>
-                <a:shade val="90000"/>
-                <a:lumMod val="103000"/>
+                <a:shade val="96000"/>
+                <a:lumMod val="82000"/>
+              </a:schemeClr>
+            </a:gs>
+          </a:gsLst>
+          <a:lin ang="5400000" scaled="0"/>
+        </a:gradFill>
+        <a:gradFill rotWithShape="1">
+          <a:gsLst>
+            <a:gs pos="0">
+              <a:schemeClr val="phClr">
+                <a:tint val="90000"/>
+                <a:lumMod val="110000"/>
               </a:schemeClr>
             </a:gs>
             <a:gs pos="100000">
               <a:schemeClr val="phClr">
-                <a:shade val="63000"/>
-                <a:satMod val="120000"/>
+                <a:shade val="94000"/>
+                <a:lumMod val="96000"/>
               </a:schemeClr>
             </a:gs>
           </a:gsLst>
-          <a:lin ang="5400000" scaled="0"/>
+          <a:path path="circle">
+            <a:fillToRect l="50000" t="50000" r="100000" b="100000"/>
+          </a:path>
         </a:gradFill>
       </a:bgFillStyleLst>
     </a:fmtScheme>
@@ -3798,7 +9047,7 @@
   <a:extraClrSchemeLst/>
   <a:extLst>
     <a:ext uri="{05A4C25C-085E-4340-85A3-A5531E510DB2}">
-      <thm15:themeFamily xmlns:thm15="http://schemas.microsoft.com/office/thememl/2012/main" name="Office Theme" id="{62F939B6-93AF-4DB8-9C6B-D6C7DFDC589F}" vid="{4A3C46E8-61CC-4603-A589-7422A47A8E4A}"/>
+      <thm15:themeFamily xmlns:thm15="http://schemas.microsoft.com/office/thememl/2012/main" name="Facet" id="{C0C680CD-088A-49FC-A102-D699147F32B2}" vid="{CFBC31BA-B70F-4F30-BCAA-4F3011E16C4D}"/>
     </a:ext>
   </a:extLst>
 </a:theme>
